--- a/Documentation/Digital Poster.pptx
+++ b/Documentation/Digital Poster.pptx
@@ -1,21 +1,116 @@
 
 <file path=ppt/presentation.xml><?xml version="1.0" encoding="utf-8"?>
-<p:presentation xmlns:a="http://schemas.openxmlformats.org/drawingml/2006/main" xmlns:p="http://schemas.openxmlformats.org/presentationml/2006/main" xmlns:r="http://schemas.openxmlformats.org/officeDocument/2006/relationships" xmlns:p14="http://schemas.microsoft.com/office/powerpoint/2010/main" xmlns:p15="http://schemas.microsoft.com/office/powerpoint/2012/main" xmlns:mc="http://schemas.openxmlformats.org/markup-compatibility/2006">
+<p:presentation xmlns:a="http://schemas.openxmlformats.org/drawingml/2006/main" xmlns:r="http://schemas.openxmlformats.org/officeDocument/2006/relationships" xmlns:p="http://schemas.openxmlformats.org/presentationml/2006/main">
   <p:sldMasterIdLst>
-    <p:sldMasterId id="2147483648" r:id="rId2"/>
-    <p:sldMasterId id="2147483661" r:id="rId3"/>
+    <p:sldMasterId id="2147483648" r:id="rId1"/>
+    <p:sldMasterId id="2147483661" r:id="rId2"/>
   </p:sldMasterIdLst>
   <p:sldIdLst>
-    <p:sldId id="256" r:id="rId4"/>
-    <p:sldId id="257" r:id="rId5"/>
+    <p:sldId id="256" r:id="rId3"/>
+    <p:sldId id="257" r:id="rId4"/>
   </p:sldIdLst>
   <p:sldSz cx="36576000" cy="36576000"/>
   <p:notesSz cx="7772400" cy="10058400"/>
+  <p:defaultTextStyle>
+    <a:defPPr>
+      <a:defRPr lang="en-US"/>
+    </a:defPPr>
+    <a:lvl1pPr marL="0" algn="l" defTabSz="914400" rtl="0" eaLnBrk="1" latinLnBrk="0" hangingPunct="1">
+      <a:defRPr sz="1800" kern="1200">
+        <a:solidFill>
+          <a:schemeClr val="tx1"/>
+        </a:solidFill>
+        <a:latin typeface="+mn-lt"/>
+        <a:ea typeface="+mn-ea"/>
+        <a:cs typeface="+mn-cs"/>
+      </a:defRPr>
+    </a:lvl1pPr>
+    <a:lvl2pPr marL="457200" algn="l" defTabSz="914400" rtl="0" eaLnBrk="1" latinLnBrk="0" hangingPunct="1">
+      <a:defRPr sz="1800" kern="1200">
+        <a:solidFill>
+          <a:schemeClr val="tx1"/>
+        </a:solidFill>
+        <a:latin typeface="+mn-lt"/>
+        <a:ea typeface="+mn-ea"/>
+        <a:cs typeface="+mn-cs"/>
+      </a:defRPr>
+    </a:lvl2pPr>
+    <a:lvl3pPr marL="914400" algn="l" defTabSz="914400" rtl="0" eaLnBrk="1" latinLnBrk="0" hangingPunct="1">
+      <a:defRPr sz="1800" kern="1200">
+        <a:solidFill>
+          <a:schemeClr val="tx1"/>
+        </a:solidFill>
+        <a:latin typeface="+mn-lt"/>
+        <a:ea typeface="+mn-ea"/>
+        <a:cs typeface="+mn-cs"/>
+      </a:defRPr>
+    </a:lvl3pPr>
+    <a:lvl4pPr marL="1371600" algn="l" defTabSz="914400" rtl="0" eaLnBrk="1" latinLnBrk="0" hangingPunct="1">
+      <a:defRPr sz="1800" kern="1200">
+        <a:solidFill>
+          <a:schemeClr val="tx1"/>
+        </a:solidFill>
+        <a:latin typeface="+mn-lt"/>
+        <a:ea typeface="+mn-ea"/>
+        <a:cs typeface="+mn-cs"/>
+      </a:defRPr>
+    </a:lvl4pPr>
+    <a:lvl5pPr marL="1828800" algn="l" defTabSz="914400" rtl="0" eaLnBrk="1" latinLnBrk="0" hangingPunct="1">
+      <a:defRPr sz="1800" kern="1200">
+        <a:solidFill>
+          <a:schemeClr val="tx1"/>
+        </a:solidFill>
+        <a:latin typeface="+mn-lt"/>
+        <a:ea typeface="+mn-ea"/>
+        <a:cs typeface="+mn-cs"/>
+      </a:defRPr>
+    </a:lvl5pPr>
+    <a:lvl6pPr marL="2286000" algn="l" defTabSz="914400" rtl="0" eaLnBrk="1" latinLnBrk="0" hangingPunct="1">
+      <a:defRPr sz="1800" kern="1200">
+        <a:solidFill>
+          <a:schemeClr val="tx1"/>
+        </a:solidFill>
+        <a:latin typeface="+mn-lt"/>
+        <a:ea typeface="+mn-ea"/>
+        <a:cs typeface="+mn-cs"/>
+      </a:defRPr>
+    </a:lvl6pPr>
+    <a:lvl7pPr marL="2743200" algn="l" defTabSz="914400" rtl="0" eaLnBrk="1" latinLnBrk="0" hangingPunct="1">
+      <a:defRPr sz="1800" kern="1200">
+        <a:solidFill>
+          <a:schemeClr val="tx1"/>
+        </a:solidFill>
+        <a:latin typeface="+mn-lt"/>
+        <a:ea typeface="+mn-ea"/>
+        <a:cs typeface="+mn-cs"/>
+      </a:defRPr>
+    </a:lvl7pPr>
+    <a:lvl8pPr marL="3200400" algn="l" defTabSz="914400" rtl="0" eaLnBrk="1" latinLnBrk="0" hangingPunct="1">
+      <a:defRPr sz="1800" kern="1200">
+        <a:solidFill>
+          <a:schemeClr val="tx1"/>
+        </a:solidFill>
+        <a:latin typeface="+mn-lt"/>
+        <a:ea typeface="+mn-ea"/>
+        <a:cs typeface="+mn-cs"/>
+      </a:defRPr>
+    </a:lvl8pPr>
+    <a:lvl9pPr marL="3657600" algn="l" defTabSz="914400" rtl="0" eaLnBrk="1" latinLnBrk="0" hangingPunct="1">
+      <a:defRPr sz="1800" kern="1200">
+        <a:solidFill>
+          <a:schemeClr val="tx1"/>
+        </a:solidFill>
+        <a:latin typeface="+mn-lt"/>
+        <a:ea typeface="+mn-ea"/>
+        <a:cs typeface="+mn-cs"/>
+      </a:defRPr>
+    </a:lvl9pPr>
+  </p:defaultTextStyle>
 </p:presentation>
 </file>
 
 <file path=ppt/slideLayouts/slideLayout1.xml><?xml version="1.0" encoding="utf-8"?>
-<p:sldLayout xmlns:a="http://schemas.openxmlformats.org/drawingml/2006/main" xmlns:p="http://schemas.openxmlformats.org/presentationml/2006/main" xmlns:r="http://schemas.openxmlformats.org/officeDocument/2006/relationships" xmlns:p14="http://schemas.microsoft.com/office/powerpoint/2010/main" xmlns:p15="http://schemas.microsoft.com/office/powerpoint/2012/main" xmlns:mc="http://schemas.openxmlformats.org/markup-compatibility/2006" type="blank" preserve="1">
+<p:sldLayout xmlns:a="http://schemas.openxmlformats.org/drawingml/2006/main" xmlns:r="http://schemas.openxmlformats.org/officeDocument/2006/relationships" xmlns:p="http://schemas.openxmlformats.org/presentationml/2006/main" type="blank" preserve="1">
   <p:cSld name="Blank Slide">
     <p:spTree>
       <p:nvGrpSpPr>
@@ -44,6 +139,7 @@
         <p:spPr/>
         <p:txBody>
           <a:bodyPr/>
+          <a:lstStyle/>
           <a:p>
             <a:r>
               <a:t>Footer</a:t>
@@ -64,10 +160,12 @@
         <p:spPr/>
         <p:txBody>
           <a:bodyPr/>
+          <a:lstStyle/>
           <a:p>
             <a:fld id="{8D8DC97E-2ADC-4B1F-90FD-3541D61D5232}" type="slidenum">
-              <a:t>&lt;#&gt;</a:t>
+              <a:t>‹#›</a:t>
             </a:fld>
+            <a:endParaRPr/>
           </a:p>
         </p:txBody>
       </p:sp>
@@ -84,21 +182,22 @@
         <p:spPr/>
         <p:txBody>
           <a:bodyPr/>
-          <a:p>
-            <a:r>
-              <a:rPr lang="en-US"/>
-              <a:t/>
-            </a:r>
+          <a:lstStyle/>
+          <a:p>
+            <a:endParaRPr/>
           </a:p>
         </p:txBody>
       </p:sp>
     </p:spTree>
   </p:cSld>
+  <p:clrMapOvr>
+    <a:masterClrMapping/>
+  </p:clrMapOvr>
 </p:sldLayout>
 </file>
 
 <file path=ppt/slideLayouts/slideLayout10.xml><?xml version="1.0" encoding="utf-8"?>
-<p:sldLayout xmlns:a="http://schemas.openxmlformats.org/drawingml/2006/main" xmlns:p="http://schemas.openxmlformats.org/presentationml/2006/main" xmlns:r="http://schemas.openxmlformats.org/officeDocument/2006/relationships" xmlns:p14="http://schemas.microsoft.com/office/powerpoint/2010/main" xmlns:p15="http://schemas.microsoft.com/office/powerpoint/2012/main" xmlns:mc="http://schemas.openxmlformats.org/markup-compatibility/2006" type="objOverTx" preserve="1">
+<p:sldLayout xmlns:a="http://schemas.openxmlformats.org/drawingml/2006/main" xmlns:r="http://schemas.openxmlformats.org/officeDocument/2006/relationships" xmlns:p="http://schemas.openxmlformats.org/presentationml/2006/main" type="objOverTx" preserve="1">
   <p:cSld name="Title, Content over Content">
     <p:spTree>
       <p:nvGrpSpPr>
@@ -138,14 +237,15 @@
           </a:ln>
         </p:spPr>
         <p:txBody>
-          <a:bodyPr lIns="0" rIns="0" tIns="0" bIns="0" anchor="ctr">
+          <a:bodyPr lIns="0" tIns="0" rIns="0" bIns="0" anchor="ctr">
             <a:noAutofit/>
           </a:bodyPr>
+          <a:lstStyle/>
           <a:p>
             <a:pPr indent="0">
               <a:buNone/>
             </a:pPr>
-            <a:endParaRPr b="0" lang="en-US" sz="6910" spc="-1" strike="noStrike">
+            <a:endParaRPr lang="en-US" sz="6910" b="0" strike="noStrike" spc="-1">
               <a:solidFill>
                 <a:srgbClr val="000000"/>
               </a:solidFill>
@@ -178,9 +278,10 @@
           </a:ln>
         </p:spPr>
         <p:txBody>
-          <a:bodyPr lIns="0" rIns="0" tIns="0" bIns="0" anchor="t">
+          <a:bodyPr lIns="0" tIns="0" rIns="0" bIns="0" anchor="t">
             <a:normAutofit/>
           </a:bodyPr>
+          <a:lstStyle/>
           <a:p>
             <a:pPr indent="0">
               <a:lnSpc>
@@ -191,7 +292,7 @@
               </a:spcBef>
               <a:buNone/>
             </a:pPr>
-            <a:endParaRPr b="0" lang="en-US" sz="8400" spc="-1" strike="noStrike">
+            <a:endParaRPr lang="en-US" sz="8400" b="0" strike="noStrike" spc="-1">
               <a:solidFill>
                 <a:srgbClr val="000000"/>
               </a:solidFill>
@@ -224,9 +325,10 @@
           </a:ln>
         </p:spPr>
         <p:txBody>
-          <a:bodyPr lIns="0" rIns="0" tIns="0" bIns="0" anchor="t">
+          <a:bodyPr lIns="0" tIns="0" rIns="0" bIns="0" anchor="t">
             <a:normAutofit/>
           </a:bodyPr>
+          <a:lstStyle/>
           <a:p>
             <a:pPr indent="0">
               <a:lnSpc>
@@ -237,7 +339,7 @@
               </a:spcBef>
               <a:buNone/>
             </a:pPr>
-            <a:endParaRPr b="0" lang="en-US" sz="8400" spc="-1" strike="noStrike">
+            <a:endParaRPr lang="en-US" sz="8400" b="0" strike="noStrike" spc="-1">
               <a:solidFill>
                 <a:srgbClr val="000000"/>
               </a:solidFill>
@@ -259,6 +361,7 @@
         <p:spPr/>
         <p:txBody>
           <a:bodyPr/>
+          <a:lstStyle/>
           <a:p>
             <a:r>
               <a:t>Footer</a:t>
@@ -279,10 +382,12 @@
         <p:spPr/>
         <p:txBody>
           <a:bodyPr/>
+          <a:lstStyle/>
           <a:p>
             <a:fld id="{17D5B66C-5CB1-470A-92BA-ADD339C10071}" type="slidenum">
-              <a:t>&lt;#&gt;</a:t>
+              <a:t>‹#›</a:t>
             </a:fld>
+            <a:endParaRPr/>
           </a:p>
         </p:txBody>
       </p:sp>
@@ -299,21 +404,22 @@
         <p:spPr/>
         <p:txBody>
           <a:bodyPr/>
-          <a:p>
-            <a:r>
-              <a:rPr lang="en-US"/>
-              <a:t/>
-            </a:r>
+          <a:lstStyle/>
+          <a:p>
+            <a:endParaRPr/>
           </a:p>
         </p:txBody>
       </p:sp>
     </p:spTree>
   </p:cSld>
+  <p:clrMapOvr>
+    <a:masterClrMapping/>
+  </p:clrMapOvr>
 </p:sldLayout>
 </file>
 
 <file path=ppt/slideLayouts/slideLayout11.xml><?xml version="1.0" encoding="utf-8"?>
-<p:sldLayout xmlns:a="http://schemas.openxmlformats.org/drawingml/2006/main" xmlns:p="http://schemas.openxmlformats.org/presentationml/2006/main" xmlns:r="http://schemas.openxmlformats.org/officeDocument/2006/relationships" xmlns:p14="http://schemas.microsoft.com/office/powerpoint/2010/main" xmlns:p15="http://schemas.microsoft.com/office/powerpoint/2012/main" xmlns:mc="http://schemas.openxmlformats.org/markup-compatibility/2006" type="fourObj" preserve="1">
+<p:sldLayout xmlns:a="http://schemas.openxmlformats.org/drawingml/2006/main" xmlns:r="http://schemas.openxmlformats.org/officeDocument/2006/relationships" xmlns:p="http://schemas.openxmlformats.org/presentationml/2006/main" type="fourObj" preserve="1">
   <p:cSld name="Title, 4 Content">
     <p:spTree>
       <p:nvGrpSpPr>
@@ -353,14 +459,15 @@
           </a:ln>
         </p:spPr>
         <p:txBody>
-          <a:bodyPr lIns="0" rIns="0" tIns="0" bIns="0" anchor="ctr">
+          <a:bodyPr lIns="0" tIns="0" rIns="0" bIns="0" anchor="ctr">
             <a:noAutofit/>
           </a:bodyPr>
+          <a:lstStyle/>
           <a:p>
             <a:pPr indent="0">
               <a:buNone/>
             </a:pPr>
-            <a:endParaRPr b="0" lang="en-US" sz="6910" spc="-1" strike="noStrike">
+            <a:endParaRPr lang="en-US" sz="6910" b="0" strike="noStrike" spc="-1">
               <a:solidFill>
                 <a:srgbClr val="000000"/>
               </a:solidFill>
@@ -393,9 +500,10 @@
           </a:ln>
         </p:spPr>
         <p:txBody>
-          <a:bodyPr lIns="0" rIns="0" tIns="0" bIns="0" anchor="t">
+          <a:bodyPr lIns="0" tIns="0" rIns="0" bIns="0" anchor="t">
             <a:normAutofit/>
           </a:bodyPr>
+          <a:lstStyle/>
           <a:p>
             <a:pPr indent="0">
               <a:lnSpc>
@@ -406,7 +514,7 @@
               </a:spcBef>
               <a:buNone/>
             </a:pPr>
-            <a:endParaRPr b="0" lang="en-US" sz="8400" spc="-1" strike="noStrike">
+            <a:endParaRPr lang="en-US" sz="8400" b="0" strike="noStrike" spc="-1">
               <a:solidFill>
                 <a:srgbClr val="000000"/>
               </a:solidFill>
@@ -439,9 +547,10 @@
           </a:ln>
         </p:spPr>
         <p:txBody>
-          <a:bodyPr lIns="0" rIns="0" tIns="0" bIns="0" anchor="t">
+          <a:bodyPr lIns="0" tIns="0" rIns="0" bIns="0" anchor="t">
             <a:normAutofit/>
           </a:bodyPr>
+          <a:lstStyle/>
           <a:p>
             <a:pPr indent="0">
               <a:lnSpc>
@@ -452,7 +561,7 @@
               </a:spcBef>
               <a:buNone/>
             </a:pPr>
-            <a:endParaRPr b="0" lang="en-US" sz="8400" spc="-1" strike="noStrike">
+            <a:endParaRPr lang="en-US" sz="8400" b="0" strike="noStrike" spc="-1">
               <a:solidFill>
                 <a:srgbClr val="000000"/>
               </a:solidFill>
@@ -485,9 +594,10 @@
           </a:ln>
         </p:spPr>
         <p:txBody>
-          <a:bodyPr lIns="0" rIns="0" tIns="0" bIns="0" anchor="t">
+          <a:bodyPr lIns="0" tIns="0" rIns="0" bIns="0" anchor="t">
             <a:normAutofit/>
           </a:bodyPr>
+          <a:lstStyle/>
           <a:p>
             <a:pPr indent="0">
               <a:lnSpc>
@@ -498,7 +608,7 @@
               </a:spcBef>
               <a:buNone/>
             </a:pPr>
-            <a:endParaRPr b="0" lang="en-US" sz="8400" spc="-1" strike="noStrike">
+            <a:endParaRPr lang="en-US" sz="8400" b="0" strike="noStrike" spc="-1">
               <a:solidFill>
                 <a:srgbClr val="000000"/>
               </a:solidFill>
@@ -531,9 +641,10 @@
           </a:ln>
         </p:spPr>
         <p:txBody>
-          <a:bodyPr lIns="0" rIns="0" tIns="0" bIns="0" anchor="t">
+          <a:bodyPr lIns="0" tIns="0" rIns="0" bIns="0" anchor="t">
             <a:normAutofit/>
           </a:bodyPr>
+          <a:lstStyle/>
           <a:p>
             <a:pPr indent="0">
               <a:lnSpc>
@@ -544,7 +655,7 @@
               </a:spcBef>
               <a:buNone/>
             </a:pPr>
-            <a:endParaRPr b="0" lang="en-US" sz="8400" spc="-1" strike="noStrike">
+            <a:endParaRPr lang="en-US" sz="8400" b="0" strike="noStrike" spc="-1">
               <a:solidFill>
                 <a:srgbClr val="000000"/>
               </a:solidFill>
@@ -566,6 +677,7 @@
         <p:spPr/>
         <p:txBody>
           <a:bodyPr/>
+          <a:lstStyle/>
           <a:p>
             <a:r>
               <a:t>Footer</a:t>
@@ -586,10 +698,12 @@
         <p:spPr/>
         <p:txBody>
           <a:bodyPr/>
+          <a:lstStyle/>
           <a:p>
             <a:fld id="{0BFF5F6F-D537-4D3A-8F33-71DE28EA548B}" type="slidenum">
-              <a:t>&lt;#&gt;</a:t>
+              <a:t>‹#›</a:t>
             </a:fld>
+            <a:endParaRPr/>
           </a:p>
         </p:txBody>
       </p:sp>
@@ -606,21 +720,22 @@
         <p:spPr/>
         <p:txBody>
           <a:bodyPr/>
-          <a:p>
-            <a:r>
-              <a:rPr lang="en-US"/>
-              <a:t/>
-            </a:r>
+          <a:lstStyle/>
+          <a:p>
+            <a:endParaRPr/>
           </a:p>
         </p:txBody>
       </p:sp>
     </p:spTree>
   </p:cSld>
+  <p:clrMapOvr>
+    <a:masterClrMapping/>
+  </p:clrMapOvr>
 </p:sldLayout>
 </file>
 
 <file path=ppt/slideLayouts/slideLayout12.xml><?xml version="1.0" encoding="utf-8"?>
-<p:sldLayout xmlns:a="http://schemas.openxmlformats.org/drawingml/2006/main" xmlns:p="http://schemas.openxmlformats.org/presentationml/2006/main" xmlns:r="http://schemas.openxmlformats.org/officeDocument/2006/relationships" xmlns:p14="http://schemas.microsoft.com/office/powerpoint/2010/main" xmlns:p15="http://schemas.microsoft.com/office/powerpoint/2012/main" xmlns:mc="http://schemas.openxmlformats.org/markup-compatibility/2006" type="blank" preserve="1">
+<p:sldLayout xmlns:a="http://schemas.openxmlformats.org/drawingml/2006/main" xmlns:r="http://schemas.openxmlformats.org/officeDocument/2006/relationships" xmlns:p="http://schemas.openxmlformats.org/presentationml/2006/main" type="blank" preserve="1">
   <p:cSld name="Title, 6 Content">
     <p:spTree>
       <p:nvGrpSpPr>
@@ -660,14 +775,15 @@
           </a:ln>
         </p:spPr>
         <p:txBody>
-          <a:bodyPr lIns="0" rIns="0" tIns="0" bIns="0" anchor="ctr">
+          <a:bodyPr lIns="0" tIns="0" rIns="0" bIns="0" anchor="ctr">
             <a:noAutofit/>
           </a:bodyPr>
+          <a:lstStyle/>
           <a:p>
             <a:pPr indent="0">
               <a:buNone/>
             </a:pPr>
-            <a:endParaRPr b="0" lang="en-US" sz="6910" spc="-1" strike="noStrike">
+            <a:endParaRPr lang="en-US" sz="6910" b="0" strike="noStrike" spc="-1">
               <a:solidFill>
                 <a:srgbClr val="000000"/>
               </a:solidFill>
@@ -700,9 +816,10 @@
           </a:ln>
         </p:spPr>
         <p:txBody>
-          <a:bodyPr lIns="0" rIns="0" tIns="0" bIns="0" anchor="t">
+          <a:bodyPr lIns="0" tIns="0" rIns="0" bIns="0" anchor="t">
             <a:normAutofit/>
           </a:bodyPr>
+          <a:lstStyle/>
           <a:p>
             <a:pPr indent="0">
               <a:lnSpc>
@@ -713,7 +830,7 @@
               </a:spcBef>
               <a:buNone/>
             </a:pPr>
-            <a:endParaRPr b="0" lang="en-US" sz="8400" spc="-1" strike="noStrike">
+            <a:endParaRPr lang="en-US" sz="8400" b="0" strike="noStrike" spc="-1">
               <a:solidFill>
                 <a:srgbClr val="000000"/>
               </a:solidFill>
@@ -746,9 +863,10 @@
           </a:ln>
         </p:spPr>
         <p:txBody>
-          <a:bodyPr lIns="0" rIns="0" tIns="0" bIns="0" anchor="t">
+          <a:bodyPr lIns="0" tIns="0" rIns="0" bIns="0" anchor="t">
             <a:normAutofit/>
           </a:bodyPr>
+          <a:lstStyle/>
           <a:p>
             <a:pPr indent="0">
               <a:lnSpc>
@@ -759,7 +877,7 @@
               </a:spcBef>
               <a:buNone/>
             </a:pPr>
-            <a:endParaRPr b="0" lang="en-US" sz="8400" spc="-1" strike="noStrike">
+            <a:endParaRPr lang="en-US" sz="8400" b="0" strike="noStrike" spc="-1">
               <a:solidFill>
                 <a:srgbClr val="000000"/>
               </a:solidFill>
@@ -792,9 +910,10 @@
           </a:ln>
         </p:spPr>
         <p:txBody>
-          <a:bodyPr lIns="0" rIns="0" tIns="0" bIns="0" anchor="t">
+          <a:bodyPr lIns="0" tIns="0" rIns="0" bIns="0" anchor="t">
             <a:normAutofit/>
           </a:bodyPr>
+          <a:lstStyle/>
           <a:p>
             <a:pPr indent="0">
               <a:lnSpc>
@@ -805,7 +924,7 @@
               </a:spcBef>
               <a:buNone/>
             </a:pPr>
-            <a:endParaRPr b="0" lang="en-US" sz="8400" spc="-1" strike="noStrike">
+            <a:endParaRPr lang="en-US" sz="8400" b="0" strike="noStrike" spc="-1">
               <a:solidFill>
                 <a:srgbClr val="000000"/>
               </a:solidFill>
@@ -838,9 +957,10 @@
           </a:ln>
         </p:spPr>
         <p:txBody>
-          <a:bodyPr lIns="0" rIns="0" tIns="0" bIns="0" anchor="t">
+          <a:bodyPr lIns="0" tIns="0" rIns="0" bIns="0" anchor="t">
             <a:normAutofit/>
           </a:bodyPr>
+          <a:lstStyle/>
           <a:p>
             <a:pPr indent="0">
               <a:lnSpc>
@@ -851,7 +971,7 @@
               </a:spcBef>
               <a:buNone/>
             </a:pPr>
-            <a:endParaRPr b="0" lang="en-US" sz="8400" spc="-1" strike="noStrike">
+            <a:endParaRPr lang="en-US" sz="8400" b="0" strike="noStrike" spc="-1">
               <a:solidFill>
                 <a:srgbClr val="000000"/>
               </a:solidFill>
@@ -884,9 +1004,10 @@
           </a:ln>
         </p:spPr>
         <p:txBody>
-          <a:bodyPr lIns="0" rIns="0" tIns="0" bIns="0" anchor="t">
+          <a:bodyPr lIns="0" tIns="0" rIns="0" bIns="0" anchor="t">
             <a:normAutofit/>
           </a:bodyPr>
+          <a:lstStyle/>
           <a:p>
             <a:pPr indent="0">
               <a:lnSpc>
@@ -897,7 +1018,7 @@
               </a:spcBef>
               <a:buNone/>
             </a:pPr>
-            <a:endParaRPr b="0" lang="en-US" sz="8400" spc="-1" strike="noStrike">
+            <a:endParaRPr lang="en-US" sz="8400" b="0" strike="noStrike" spc="-1">
               <a:solidFill>
                 <a:srgbClr val="000000"/>
               </a:solidFill>
@@ -930,9 +1051,10 @@
           </a:ln>
         </p:spPr>
         <p:txBody>
-          <a:bodyPr lIns="0" rIns="0" tIns="0" bIns="0" anchor="t">
+          <a:bodyPr lIns="0" tIns="0" rIns="0" bIns="0" anchor="t">
             <a:normAutofit/>
           </a:bodyPr>
+          <a:lstStyle/>
           <a:p>
             <a:pPr indent="0">
               <a:lnSpc>
@@ -943,7 +1065,7 @@
               </a:spcBef>
               <a:buNone/>
             </a:pPr>
-            <a:endParaRPr b="0" lang="en-US" sz="8400" spc="-1" strike="noStrike">
+            <a:endParaRPr lang="en-US" sz="8400" b="0" strike="noStrike" spc="-1">
               <a:solidFill>
                 <a:srgbClr val="000000"/>
               </a:solidFill>
@@ -965,6 +1087,7 @@
         <p:spPr/>
         <p:txBody>
           <a:bodyPr/>
+          <a:lstStyle/>
           <a:p>
             <a:r>
               <a:t>Footer</a:t>
@@ -985,10 +1108,12 @@
         <p:spPr/>
         <p:txBody>
           <a:bodyPr/>
+          <a:lstStyle/>
           <a:p>
             <a:fld id="{0CE95362-AB7C-4FDD-8666-6C4B712A6743}" type="slidenum">
-              <a:t>&lt;#&gt;</a:t>
+              <a:t>‹#›</a:t>
             </a:fld>
+            <a:endParaRPr/>
           </a:p>
         </p:txBody>
       </p:sp>
@@ -1005,21 +1130,22 @@
         <p:spPr/>
         <p:txBody>
           <a:bodyPr/>
-          <a:p>
-            <a:r>
-              <a:rPr lang="en-US"/>
-              <a:t/>
-            </a:r>
+          <a:lstStyle/>
+          <a:p>
+            <a:endParaRPr/>
           </a:p>
         </p:txBody>
       </p:sp>
     </p:spTree>
   </p:cSld>
+  <p:clrMapOvr>
+    <a:masterClrMapping/>
+  </p:clrMapOvr>
 </p:sldLayout>
 </file>
 
 <file path=ppt/slideLayouts/slideLayout13.xml><?xml version="1.0" encoding="utf-8"?>
-<p:sldLayout xmlns:a="http://schemas.openxmlformats.org/drawingml/2006/main" xmlns:p="http://schemas.openxmlformats.org/presentationml/2006/main" xmlns:r="http://schemas.openxmlformats.org/officeDocument/2006/relationships" xmlns:p14="http://schemas.microsoft.com/office/powerpoint/2010/main" xmlns:p15="http://schemas.microsoft.com/office/powerpoint/2012/main" xmlns:mc="http://schemas.openxmlformats.org/markup-compatibility/2006" type="blank" preserve="1">
+<p:sldLayout xmlns:a="http://schemas.openxmlformats.org/drawingml/2006/main" xmlns:r="http://schemas.openxmlformats.org/officeDocument/2006/relationships" xmlns:p="http://schemas.openxmlformats.org/presentationml/2006/main" type="blank" preserve="1">
   <p:cSld name="Blank Slide">
     <p:spTree>
       <p:nvGrpSpPr>
@@ -1048,6 +1174,7 @@
         <p:spPr/>
         <p:txBody>
           <a:bodyPr/>
+          <a:lstStyle/>
           <a:p>
             <a:r>
               <a:t>Footer</a:t>
@@ -1068,10 +1195,12 @@
         <p:spPr/>
         <p:txBody>
           <a:bodyPr/>
+          <a:lstStyle/>
           <a:p>
             <a:fld id="{57F82E81-1578-4BAF-AB18-40E1534A7E0E}" type="slidenum">
-              <a:t>&lt;#&gt;</a:t>
+              <a:t>‹#›</a:t>
             </a:fld>
+            <a:endParaRPr/>
           </a:p>
         </p:txBody>
       </p:sp>
@@ -1088,21 +1217,22 @@
         <p:spPr/>
         <p:txBody>
           <a:bodyPr/>
-          <a:p>
-            <a:r>
-              <a:rPr lang="en-US"/>
-              <a:t/>
-            </a:r>
+          <a:lstStyle/>
+          <a:p>
+            <a:endParaRPr/>
           </a:p>
         </p:txBody>
       </p:sp>
     </p:spTree>
   </p:cSld>
+  <p:clrMapOvr>
+    <a:masterClrMapping/>
+  </p:clrMapOvr>
 </p:sldLayout>
 </file>
 
 <file path=ppt/slideLayouts/slideLayout14.xml><?xml version="1.0" encoding="utf-8"?>
-<p:sldLayout xmlns:a="http://schemas.openxmlformats.org/drawingml/2006/main" xmlns:p="http://schemas.openxmlformats.org/presentationml/2006/main" xmlns:r="http://schemas.openxmlformats.org/officeDocument/2006/relationships" xmlns:p14="http://schemas.microsoft.com/office/powerpoint/2010/main" xmlns:p15="http://schemas.microsoft.com/office/powerpoint/2012/main" xmlns:mc="http://schemas.openxmlformats.org/markup-compatibility/2006" type="tx" preserve="1">
+<p:sldLayout xmlns:a="http://schemas.openxmlformats.org/drawingml/2006/main" xmlns:r="http://schemas.openxmlformats.org/officeDocument/2006/relationships" xmlns:p="http://schemas.openxmlformats.org/presentationml/2006/main" type="tx" preserve="1">
   <p:cSld name="Title Slide">
     <p:spTree>
       <p:nvGrpSpPr>
@@ -1142,14 +1272,15 @@
           </a:ln>
         </p:spPr>
         <p:txBody>
-          <a:bodyPr lIns="0" rIns="0" tIns="0" bIns="0" anchor="ctr">
+          <a:bodyPr lIns="0" tIns="0" rIns="0" bIns="0" anchor="ctr">
             <a:noAutofit/>
           </a:bodyPr>
+          <a:lstStyle/>
           <a:p>
             <a:pPr indent="0">
               <a:buNone/>
             </a:pPr>
-            <a:endParaRPr b="0" lang="en-US" sz="6910" spc="-1" strike="noStrike">
+            <a:endParaRPr lang="en-US" sz="6910" b="0" strike="noStrike" spc="-1">
               <a:solidFill>
                 <a:srgbClr val="000000"/>
               </a:solidFill>
@@ -1182,14 +1313,15 @@
           </a:ln>
         </p:spPr>
         <p:txBody>
-          <a:bodyPr lIns="0" rIns="0" tIns="0" bIns="0" anchor="ctr">
+          <a:bodyPr lIns="0" tIns="0" rIns="0" bIns="0" anchor="ctr">
             <a:noAutofit/>
           </a:bodyPr>
+          <a:lstStyle/>
           <a:p>
             <a:pPr indent="0" algn="ctr">
               <a:buNone/>
             </a:pPr>
-            <a:endParaRPr b="0" lang="en-US" sz="3200" spc="-1" strike="noStrike">
+            <a:endParaRPr lang="en-US" sz="3200" b="0" strike="noStrike" spc="-1">
               <a:solidFill>
                 <a:srgbClr val="000000"/>
               </a:solidFill>
@@ -1211,6 +1343,7 @@
         <p:spPr/>
         <p:txBody>
           <a:bodyPr/>
+          <a:lstStyle/>
           <a:p>
             <a:r>
               <a:t>Footer</a:t>
@@ -1231,10 +1364,12 @@
         <p:spPr/>
         <p:txBody>
           <a:bodyPr/>
+          <a:lstStyle/>
           <a:p>
             <a:fld id="{B9C9BB8F-5446-4726-86AB-EB6C7EBD7E0B}" type="slidenum">
-              <a:t>&lt;#&gt;</a:t>
+              <a:t>‹#›</a:t>
             </a:fld>
+            <a:endParaRPr/>
           </a:p>
         </p:txBody>
       </p:sp>
@@ -1251,21 +1386,22 @@
         <p:spPr/>
         <p:txBody>
           <a:bodyPr/>
-          <a:p>
-            <a:r>
-              <a:rPr lang="en-US"/>
-              <a:t/>
-            </a:r>
+          <a:lstStyle/>
+          <a:p>
+            <a:endParaRPr/>
           </a:p>
         </p:txBody>
       </p:sp>
     </p:spTree>
   </p:cSld>
+  <p:clrMapOvr>
+    <a:masterClrMapping/>
+  </p:clrMapOvr>
 </p:sldLayout>
 </file>
 
 <file path=ppt/slideLayouts/slideLayout15.xml><?xml version="1.0" encoding="utf-8"?>
-<p:sldLayout xmlns:a="http://schemas.openxmlformats.org/drawingml/2006/main" xmlns:p="http://schemas.openxmlformats.org/presentationml/2006/main" xmlns:r="http://schemas.openxmlformats.org/officeDocument/2006/relationships" xmlns:p14="http://schemas.microsoft.com/office/powerpoint/2010/main" xmlns:p15="http://schemas.microsoft.com/office/powerpoint/2012/main" xmlns:mc="http://schemas.openxmlformats.org/markup-compatibility/2006" type="obj" preserve="1">
+<p:sldLayout xmlns:a="http://schemas.openxmlformats.org/drawingml/2006/main" xmlns:r="http://schemas.openxmlformats.org/officeDocument/2006/relationships" xmlns:p="http://schemas.openxmlformats.org/presentationml/2006/main" type="obj" preserve="1">
   <p:cSld name="Title, Content">
     <p:spTree>
       <p:nvGrpSpPr>
@@ -1305,14 +1441,15 @@
           </a:ln>
         </p:spPr>
         <p:txBody>
-          <a:bodyPr lIns="0" rIns="0" tIns="0" bIns="0" anchor="ctr">
+          <a:bodyPr lIns="0" tIns="0" rIns="0" bIns="0" anchor="ctr">
             <a:noAutofit/>
           </a:bodyPr>
+          <a:lstStyle/>
           <a:p>
             <a:pPr indent="0">
               <a:buNone/>
             </a:pPr>
-            <a:endParaRPr b="0" lang="en-US" sz="6910" spc="-1" strike="noStrike">
+            <a:endParaRPr lang="en-US" sz="6910" b="0" strike="noStrike" spc="-1">
               <a:solidFill>
                 <a:srgbClr val="000000"/>
               </a:solidFill>
@@ -1345,9 +1482,10 @@
           </a:ln>
         </p:spPr>
         <p:txBody>
-          <a:bodyPr lIns="0" rIns="0" tIns="0" bIns="0" anchor="t">
+          <a:bodyPr lIns="0" tIns="0" rIns="0" bIns="0" anchor="t">
             <a:normAutofit/>
           </a:bodyPr>
+          <a:lstStyle/>
           <a:p>
             <a:pPr indent="0">
               <a:lnSpc>
@@ -1358,7 +1496,7 @@
               </a:spcBef>
               <a:buNone/>
             </a:pPr>
-            <a:endParaRPr b="0" lang="en-US" sz="8400" spc="-1" strike="noStrike">
+            <a:endParaRPr lang="en-US" sz="8400" b="0" strike="noStrike" spc="-1">
               <a:solidFill>
                 <a:srgbClr val="000000"/>
               </a:solidFill>
@@ -1380,6 +1518,7 @@
         <p:spPr/>
         <p:txBody>
           <a:bodyPr/>
+          <a:lstStyle/>
           <a:p>
             <a:r>
               <a:t>Footer</a:t>
@@ -1400,10 +1539,12 @@
         <p:spPr/>
         <p:txBody>
           <a:bodyPr/>
+          <a:lstStyle/>
           <a:p>
             <a:fld id="{7D6B3BD6-6C2D-46C9-B7A8-F28429B38C7F}" type="slidenum">
-              <a:t>&lt;#&gt;</a:t>
+              <a:t>‹#›</a:t>
             </a:fld>
+            <a:endParaRPr/>
           </a:p>
         </p:txBody>
       </p:sp>
@@ -1420,21 +1561,22 @@
         <p:spPr/>
         <p:txBody>
           <a:bodyPr/>
-          <a:p>
-            <a:r>
-              <a:rPr lang="en-US"/>
-              <a:t/>
-            </a:r>
+          <a:lstStyle/>
+          <a:p>
+            <a:endParaRPr/>
           </a:p>
         </p:txBody>
       </p:sp>
     </p:spTree>
   </p:cSld>
+  <p:clrMapOvr>
+    <a:masterClrMapping/>
+  </p:clrMapOvr>
 </p:sldLayout>
 </file>
 
 <file path=ppt/slideLayouts/slideLayout16.xml><?xml version="1.0" encoding="utf-8"?>
-<p:sldLayout xmlns:a="http://schemas.openxmlformats.org/drawingml/2006/main" xmlns:p="http://schemas.openxmlformats.org/presentationml/2006/main" xmlns:r="http://schemas.openxmlformats.org/officeDocument/2006/relationships" xmlns:p14="http://schemas.microsoft.com/office/powerpoint/2010/main" xmlns:p15="http://schemas.microsoft.com/office/powerpoint/2012/main" xmlns:mc="http://schemas.openxmlformats.org/markup-compatibility/2006" type="twoObj" preserve="1">
+<p:sldLayout xmlns:a="http://schemas.openxmlformats.org/drawingml/2006/main" xmlns:r="http://schemas.openxmlformats.org/officeDocument/2006/relationships" xmlns:p="http://schemas.openxmlformats.org/presentationml/2006/main" type="twoObj" preserve="1">
   <p:cSld name="Title, 2 Content">
     <p:spTree>
       <p:nvGrpSpPr>
@@ -1474,14 +1616,15 @@
           </a:ln>
         </p:spPr>
         <p:txBody>
-          <a:bodyPr lIns="0" rIns="0" tIns="0" bIns="0" anchor="ctr">
+          <a:bodyPr lIns="0" tIns="0" rIns="0" bIns="0" anchor="ctr">
             <a:noAutofit/>
           </a:bodyPr>
+          <a:lstStyle/>
           <a:p>
             <a:pPr indent="0">
               <a:buNone/>
             </a:pPr>
-            <a:endParaRPr b="0" lang="en-US" sz="6910" spc="-1" strike="noStrike">
+            <a:endParaRPr lang="en-US" sz="6910" b="0" strike="noStrike" spc="-1">
               <a:solidFill>
                 <a:srgbClr val="000000"/>
               </a:solidFill>
@@ -1514,9 +1657,10 @@
           </a:ln>
         </p:spPr>
         <p:txBody>
-          <a:bodyPr lIns="0" rIns="0" tIns="0" bIns="0" anchor="t">
+          <a:bodyPr lIns="0" tIns="0" rIns="0" bIns="0" anchor="t">
             <a:normAutofit/>
           </a:bodyPr>
+          <a:lstStyle/>
           <a:p>
             <a:pPr indent="0">
               <a:lnSpc>
@@ -1527,7 +1671,7 @@
               </a:spcBef>
               <a:buNone/>
             </a:pPr>
-            <a:endParaRPr b="0" lang="en-US" sz="8400" spc="-1" strike="noStrike">
+            <a:endParaRPr lang="en-US" sz="8400" b="0" strike="noStrike" spc="-1">
               <a:solidFill>
                 <a:srgbClr val="000000"/>
               </a:solidFill>
@@ -1560,9 +1704,10 @@
           </a:ln>
         </p:spPr>
         <p:txBody>
-          <a:bodyPr lIns="0" rIns="0" tIns="0" bIns="0" anchor="t">
+          <a:bodyPr lIns="0" tIns="0" rIns="0" bIns="0" anchor="t">
             <a:normAutofit/>
           </a:bodyPr>
+          <a:lstStyle/>
           <a:p>
             <a:pPr indent="0">
               <a:lnSpc>
@@ -1573,7 +1718,7 @@
               </a:spcBef>
               <a:buNone/>
             </a:pPr>
-            <a:endParaRPr b="0" lang="en-US" sz="8400" spc="-1" strike="noStrike">
+            <a:endParaRPr lang="en-US" sz="8400" b="0" strike="noStrike" spc="-1">
               <a:solidFill>
                 <a:srgbClr val="000000"/>
               </a:solidFill>
@@ -1595,6 +1740,7 @@
         <p:spPr/>
         <p:txBody>
           <a:bodyPr/>
+          <a:lstStyle/>
           <a:p>
             <a:r>
               <a:t>Footer</a:t>
@@ -1615,10 +1761,12 @@
         <p:spPr/>
         <p:txBody>
           <a:bodyPr/>
+          <a:lstStyle/>
           <a:p>
             <a:fld id="{50BB712C-A3A7-43E2-8CEA-E6501FE69DD0}" type="slidenum">
-              <a:t>&lt;#&gt;</a:t>
+              <a:t>‹#›</a:t>
             </a:fld>
+            <a:endParaRPr/>
           </a:p>
         </p:txBody>
       </p:sp>
@@ -1635,21 +1783,22 @@
         <p:spPr/>
         <p:txBody>
           <a:bodyPr/>
-          <a:p>
-            <a:r>
-              <a:rPr lang="en-US"/>
-              <a:t/>
-            </a:r>
+          <a:lstStyle/>
+          <a:p>
+            <a:endParaRPr/>
           </a:p>
         </p:txBody>
       </p:sp>
     </p:spTree>
   </p:cSld>
+  <p:clrMapOvr>
+    <a:masterClrMapping/>
+  </p:clrMapOvr>
 </p:sldLayout>
 </file>
 
 <file path=ppt/slideLayouts/slideLayout17.xml><?xml version="1.0" encoding="utf-8"?>
-<p:sldLayout xmlns:a="http://schemas.openxmlformats.org/drawingml/2006/main" xmlns:p="http://schemas.openxmlformats.org/presentationml/2006/main" xmlns:r="http://schemas.openxmlformats.org/officeDocument/2006/relationships" xmlns:p14="http://schemas.microsoft.com/office/powerpoint/2010/main" xmlns:p15="http://schemas.microsoft.com/office/powerpoint/2012/main" xmlns:mc="http://schemas.openxmlformats.org/markup-compatibility/2006" type="titleOnly" preserve="1">
+<p:sldLayout xmlns:a="http://schemas.openxmlformats.org/drawingml/2006/main" xmlns:r="http://schemas.openxmlformats.org/officeDocument/2006/relationships" xmlns:p="http://schemas.openxmlformats.org/presentationml/2006/main" type="titleOnly" preserve="1">
   <p:cSld name="Title Only">
     <p:spTree>
       <p:nvGrpSpPr>
@@ -1689,14 +1838,15 @@
           </a:ln>
         </p:spPr>
         <p:txBody>
-          <a:bodyPr lIns="0" rIns="0" tIns="0" bIns="0" anchor="ctr">
+          <a:bodyPr lIns="0" tIns="0" rIns="0" bIns="0" anchor="ctr">
             <a:noAutofit/>
           </a:bodyPr>
+          <a:lstStyle/>
           <a:p>
             <a:pPr indent="0">
               <a:buNone/>
             </a:pPr>
-            <a:endParaRPr b="0" lang="en-US" sz="6910" spc="-1" strike="noStrike">
+            <a:endParaRPr lang="en-US" sz="6910" b="0" strike="noStrike" spc="-1">
               <a:solidFill>
                 <a:srgbClr val="000000"/>
               </a:solidFill>
@@ -1718,6 +1868,7 @@
         <p:spPr/>
         <p:txBody>
           <a:bodyPr/>
+          <a:lstStyle/>
           <a:p>
             <a:r>
               <a:t>Footer</a:t>
@@ -1738,10 +1889,12 @@
         <p:spPr/>
         <p:txBody>
           <a:bodyPr/>
+          <a:lstStyle/>
           <a:p>
             <a:fld id="{683B2168-E8BE-4D66-924F-A5B746CACD25}" type="slidenum">
-              <a:t>&lt;#&gt;</a:t>
+              <a:t>‹#›</a:t>
             </a:fld>
+            <a:endParaRPr/>
           </a:p>
         </p:txBody>
       </p:sp>
@@ -1758,21 +1911,22 @@
         <p:spPr/>
         <p:txBody>
           <a:bodyPr/>
-          <a:p>
-            <a:r>
-              <a:rPr lang="en-US"/>
-              <a:t/>
-            </a:r>
+          <a:lstStyle/>
+          <a:p>
+            <a:endParaRPr/>
           </a:p>
         </p:txBody>
       </p:sp>
     </p:spTree>
   </p:cSld>
+  <p:clrMapOvr>
+    <a:masterClrMapping/>
+  </p:clrMapOvr>
 </p:sldLayout>
 </file>
 
 <file path=ppt/slideLayouts/slideLayout18.xml><?xml version="1.0" encoding="utf-8"?>
-<p:sldLayout xmlns:a="http://schemas.openxmlformats.org/drawingml/2006/main" xmlns:p="http://schemas.openxmlformats.org/presentationml/2006/main" xmlns:r="http://schemas.openxmlformats.org/officeDocument/2006/relationships" xmlns:p14="http://schemas.microsoft.com/office/powerpoint/2010/main" xmlns:p15="http://schemas.microsoft.com/office/powerpoint/2012/main" xmlns:mc="http://schemas.openxmlformats.org/markup-compatibility/2006" type="objOnly" preserve="1">
+<p:sldLayout xmlns:a="http://schemas.openxmlformats.org/drawingml/2006/main" xmlns:r="http://schemas.openxmlformats.org/officeDocument/2006/relationships" xmlns:p="http://schemas.openxmlformats.org/presentationml/2006/main" type="objOnly" preserve="1">
   <p:cSld name="Centered Text">
     <p:spTree>
       <p:nvGrpSpPr>
@@ -1812,12 +1966,13 @@
           </a:ln>
         </p:spPr>
         <p:txBody>
-          <a:bodyPr lIns="0" rIns="0" tIns="0" bIns="0" anchor="ctr">
+          <a:bodyPr lIns="0" tIns="0" rIns="0" bIns="0" anchor="ctr">
             <a:noAutofit/>
           </a:bodyPr>
+          <a:lstStyle/>
           <a:p>
             <a:pPr algn="ctr"/>
-            <a:endParaRPr b="0" lang="en-US" sz="3200" spc="-1" strike="noStrike">
+            <a:endParaRPr lang="en-US" sz="3200" b="0" strike="noStrike" spc="-1">
               <a:solidFill>
                 <a:srgbClr val="000000"/>
               </a:solidFill>
@@ -1839,6 +1994,7 @@
         <p:spPr/>
         <p:txBody>
           <a:bodyPr/>
+          <a:lstStyle/>
           <a:p>
             <a:r>
               <a:t>Footer</a:t>
@@ -1859,10 +2015,12 @@
         <p:spPr/>
         <p:txBody>
           <a:bodyPr/>
+          <a:lstStyle/>
           <a:p>
             <a:fld id="{72BC0EF5-F548-4EF7-B20F-B0EAEF77F8CE}" type="slidenum">
-              <a:t>&lt;#&gt;</a:t>
+              <a:t>‹#›</a:t>
             </a:fld>
+            <a:endParaRPr/>
           </a:p>
         </p:txBody>
       </p:sp>
@@ -1879,21 +2037,22 @@
         <p:spPr/>
         <p:txBody>
           <a:bodyPr/>
-          <a:p>
-            <a:r>
-              <a:rPr lang="en-US"/>
-              <a:t/>
-            </a:r>
+          <a:lstStyle/>
+          <a:p>
+            <a:endParaRPr/>
           </a:p>
         </p:txBody>
       </p:sp>
     </p:spTree>
   </p:cSld>
+  <p:clrMapOvr>
+    <a:masterClrMapping/>
+  </p:clrMapOvr>
 </p:sldLayout>
 </file>
 
 <file path=ppt/slideLayouts/slideLayout19.xml><?xml version="1.0" encoding="utf-8"?>
-<p:sldLayout xmlns:a="http://schemas.openxmlformats.org/drawingml/2006/main" xmlns:p="http://schemas.openxmlformats.org/presentationml/2006/main" xmlns:r="http://schemas.openxmlformats.org/officeDocument/2006/relationships" xmlns:p14="http://schemas.microsoft.com/office/powerpoint/2010/main" xmlns:p15="http://schemas.microsoft.com/office/powerpoint/2012/main" xmlns:mc="http://schemas.openxmlformats.org/markup-compatibility/2006" type="twoObjAndObj" preserve="1">
+<p:sldLayout xmlns:a="http://schemas.openxmlformats.org/drawingml/2006/main" xmlns:r="http://schemas.openxmlformats.org/officeDocument/2006/relationships" xmlns:p="http://schemas.openxmlformats.org/presentationml/2006/main" type="twoObjAndObj" preserve="1">
   <p:cSld name="Title, 2 Content and Content">
     <p:spTree>
       <p:nvGrpSpPr>
@@ -1933,14 +2092,15 @@
           </a:ln>
         </p:spPr>
         <p:txBody>
-          <a:bodyPr lIns="0" rIns="0" tIns="0" bIns="0" anchor="ctr">
+          <a:bodyPr lIns="0" tIns="0" rIns="0" bIns="0" anchor="ctr">
             <a:noAutofit/>
           </a:bodyPr>
+          <a:lstStyle/>
           <a:p>
             <a:pPr indent="0">
               <a:buNone/>
             </a:pPr>
-            <a:endParaRPr b="0" lang="en-US" sz="6910" spc="-1" strike="noStrike">
+            <a:endParaRPr lang="en-US" sz="6910" b="0" strike="noStrike" spc="-1">
               <a:solidFill>
                 <a:srgbClr val="000000"/>
               </a:solidFill>
@@ -1973,9 +2133,10 @@
           </a:ln>
         </p:spPr>
         <p:txBody>
-          <a:bodyPr lIns="0" rIns="0" tIns="0" bIns="0" anchor="t">
+          <a:bodyPr lIns="0" tIns="0" rIns="0" bIns="0" anchor="t">
             <a:normAutofit/>
           </a:bodyPr>
+          <a:lstStyle/>
           <a:p>
             <a:pPr indent="0">
               <a:lnSpc>
@@ -1986,7 +2147,7 @@
               </a:spcBef>
               <a:buNone/>
             </a:pPr>
-            <a:endParaRPr b="0" lang="en-US" sz="8400" spc="-1" strike="noStrike">
+            <a:endParaRPr lang="en-US" sz="8400" b="0" strike="noStrike" spc="-1">
               <a:solidFill>
                 <a:srgbClr val="000000"/>
               </a:solidFill>
@@ -2019,9 +2180,10 @@
           </a:ln>
         </p:spPr>
         <p:txBody>
-          <a:bodyPr lIns="0" rIns="0" tIns="0" bIns="0" anchor="t">
+          <a:bodyPr lIns="0" tIns="0" rIns="0" bIns="0" anchor="t">
             <a:normAutofit/>
           </a:bodyPr>
+          <a:lstStyle/>
           <a:p>
             <a:pPr indent="0">
               <a:lnSpc>
@@ -2032,7 +2194,7 @@
               </a:spcBef>
               <a:buNone/>
             </a:pPr>
-            <a:endParaRPr b="0" lang="en-US" sz="8400" spc="-1" strike="noStrike">
+            <a:endParaRPr lang="en-US" sz="8400" b="0" strike="noStrike" spc="-1">
               <a:solidFill>
                 <a:srgbClr val="000000"/>
               </a:solidFill>
@@ -2065,9 +2227,10 @@
           </a:ln>
         </p:spPr>
         <p:txBody>
-          <a:bodyPr lIns="0" rIns="0" tIns="0" bIns="0" anchor="t">
+          <a:bodyPr lIns="0" tIns="0" rIns="0" bIns="0" anchor="t">
             <a:normAutofit/>
           </a:bodyPr>
+          <a:lstStyle/>
           <a:p>
             <a:pPr indent="0">
               <a:lnSpc>
@@ -2078,7 +2241,7 @@
               </a:spcBef>
               <a:buNone/>
             </a:pPr>
-            <a:endParaRPr b="0" lang="en-US" sz="8400" spc="-1" strike="noStrike">
+            <a:endParaRPr lang="en-US" sz="8400" b="0" strike="noStrike" spc="-1">
               <a:solidFill>
                 <a:srgbClr val="000000"/>
               </a:solidFill>
@@ -2100,6 +2263,7 @@
         <p:spPr/>
         <p:txBody>
           <a:bodyPr/>
+          <a:lstStyle/>
           <a:p>
             <a:r>
               <a:t>Footer</a:t>
@@ -2120,10 +2284,12 @@
         <p:spPr/>
         <p:txBody>
           <a:bodyPr/>
+          <a:lstStyle/>
           <a:p>
             <a:fld id="{EA507B5D-4175-44A5-B979-3ECC634146EF}" type="slidenum">
-              <a:t>&lt;#&gt;</a:t>
+              <a:t>‹#›</a:t>
             </a:fld>
+            <a:endParaRPr/>
           </a:p>
         </p:txBody>
       </p:sp>
@@ -2140,21 +2306,22 @@
         <p:spPr/>
         <p:txBody>
           <a:bodyPr/>
-          <a:p>
-            <a:r>
-              <a:rPr lang="en-US"/>
-              <a:t/>
-            </a:r>
+          <a:lstStyle/>
+          <a:p>
+            <a:endParaRPr/>
           </a:p>
         </p:txBody>
       </p:sp>
     </p:spTree>
   </p:cSld>
+  <p:clrMapOvr>
+    <a:masterClrMapping/>
+  </p:clrMapOvr>
 </p:sldLayout>
 </file>
 
 <file path=ppt/slideLayouts/slideLayout2.xml><?xml version="1.0" encoding="utf-8"?>
-<p:sldLayout xmlns:a="http://schemas.openxmlformats.org/drawingml/2006/main" xmlns:p="http://schemas.openxmlformats.org/presentationml/2006/main" xmlns:r="http://schemas.openxmlformats.org/officeDocument/2006/relationships" xmlns:p14="http://schemas.microsoft.com/office/powerpoint/2010/main" xmlns:p15="http://schemas.microsoft.com/office/powerpoint/2012/main" xmlns:mc="http://schemas.openxmlformats.org/markup-compatibility/2006" type="tx" preserve="1">
+<p:sldLayout xmlns:a="http://schemas.openxmlformats.org/drawingml/2006/main" xmlns:r="http://schemas.openxmlformats.org/officeDocument/2006/relationships" xmlns:p="http://schemas.openxmlformats.org/presentationml/2006/main" type="tx" preserve="1">
   <p:cSld name="Title Slide">
     <p:spTree>
       <p:nvGrpSpPr>
@@ -2194,14 +2361,15 @@
           </a:ln>
         </p:spPr>
         <p:txBody>
-          <a:bodyPr lIns="0" rIns="0" tIns="0" bIns="0" anchor="ctr">
+          <a:bodyPr lIns="0" tIns="0" rIns="0" bIns="0" anchor="ctr">
             <a:noAutofit/>
           </a:bodyPr>
+          <a:lstStyle/>
           <a:p>
             <a:pPr indent="0">
               <a:buNone/>
             </a:pPr>
-            <a:endParaRPr b="0" lang="en-US" sz="6910" spc="-1" strike="noStrike">
+            <a:endParaRPr lang="en-US" sz="6910" b="0" strike="noStrike" spc="-1">
               <a:solidFill>
                 <a:srgbClr val="000000"/>
               </a:solidFill>
@@ -2234,14 +2402,15 @@
           </a:ln>
         </p:spPr>
         <p:txBody>
-          <a:bodyPr lIns="0" rIns="0" tIns="0" bIns="0" anchor="ctr">
+          <a:bodyPr lIns="0" tIns="0" rIns="0" bIns="0" anchor="ctr">
             <a:noAutofit/>
           </a:bodyPr>
+          <a:lstStyle/>
           <a:p>
             <a:pPr indent="0" algn="ctr">
               <a:buNone/>
             </a:pPr>
-            <a:endParaRPr b="0" lang="en-US" sz="3200" spc="-1" strike="noStrike">
+            <a:endParaRPr lang="en-US" sz="3200" b="0" strike="noStrike" spc="-1">
               <a:solidFill>
                 <a:srgbClr val="000000"/>
               </a:solidFill>
@@ -2263,6 +2432,7 @@
         <p:spPr/>
         <p:txBody>
           <a:bodyPr/>
+          <a:lstStyle/>
           <a:p>
             <a:r>
               <a:t>Footer</a:t>
@@ -2272,7 +2442,7 @@
       </p:sp>
       <p:sp>
         <p:nvSpPr>
-          <p:cNvPr id="5" name="PlaceHolder 4"/>
+          <p:cNvPr id="2" name="PlaceHolder 4"/>
           <p:cNvSpPr>
             <a:spLocks noGrp="1"/>
           </p:cNvSpPr>
@@ -2283,16 +2453,18 @@
         <p:spPr/>
         <p:txBody>
           <a:bodyPr/>
+          <a:lstStyle/>
           <a:p>
             <a:fld id="{EA0B8487-12F5-4A5D-83B0-60AFE74FEE32}" type="slidenum">
-              <a:t>&lt;#&gt;</a:t>
+              <a:t>‹#›</a:t>
             </a:fld>
-          </a:p>
-        </p:txBody>
-      </p:sp>
-      <p:sp>
-        <p:nvSpPr>
-          <p:cNvPr id="6" name="PlaceHolder 5"/>
+            <a:endParaRPr/>
+          </a:p>
+        </p:txBody>
+      </p:sp>
+      <p:sp>
+        <p:nvSpPr>
+          <p:cNvPr id="3" name="PlaceHolder 5"/>
           <p:cNvSpPr>
             <a:spLocks noGrp="1"/>
           </p:cNvSpPr>
@@ -2303,21 +2475,22 @@
         <p:spPr/>
         <p:txBody>
           <a:bodyPr/>
-          <a:p>
-            <a:r>
-              <a:rPr lang="en-US"/>
-              <a:t/>
-            </a:r>
+          <a:lstStyle/>
+          <a:p>
+            <a:endParaRPr/>
           </a:p>
         </p:txBody>
       </p:sp>
     </p:spTree>
   </p:cSld>
+  <p:clrMapOvr>
+    <a:masterClrMapping/>
+  </p:clrMapOvr>
 </p:sldLayout>
 </file>
 
 <file path=ppt/slideLayouts/slideLayout20.xml><?xml version="1.0" encoding="utf-8"?>
-<p:sldLayout xmlns:a="http://schemas.openxmlformats.org/drawingml/2006/main" xmlns:p="http://schemas.openxmlformats.org/presentationml/2006/main" xmlns:r="http://schemas.openxmlformats.org/officeDocument/2006/relationships" xmlns:p14="http://schemas.microsoft.com/office/powerpoint/2010/main" xmlns:p15="http://schemas.microsoft.com/office/powerpoint/2012/main" xmlns:mc="http://schemas.openxmlformats.org/markup-compatibility/2006" type="objAndTwoObj" preserve="1">
+<p:sldLayout xmlns:a="http://schemas.openxmlformats.org/drawingml/2006/main" xmlns:r="http://schemas.openxmlformats.org/officeDocument/2006/relationships" xmlns:p="http://schemas.openxmlformats.org/presentationml/2006/main" type="objAndTwoObj" preserve="1">
   <p:cSld name="Title Content and 2 Content">
     <p:spTree>
       <p:nvGrpSpPr>
@@ -2357,14 +2530,15 @@
           </a:ln>
         </p:spPr>
         <p:txBody>
-          <a:bodyPr lIns="0" rIns="0" tIns="0" bIns="0" anchor="ctr">
+          <a:bodyPr lIns="0" tIns="0" rIns="0" bIns="0" anchor="ctr">
             <a:noAutofit/>
           </a:bodyPr>
+          <a:lstStyle/>
           <a:p>
             <a:pPr indent="0">
               <a:buNone/>
             </a:pPr>
-            <a:endParaRPr b="0" lang="en-US" sz="6910" spc="-1" strike="noStrike">
+            <a:endParaRPr lang="en-US" sz="6910" b="0" strike="noStrike" spc="-1">
               <a:solidFill>
                 <a:srgbClr val="000000"/>
               </a:solidFill>
@@ -2397,9 +2571,10 @@
           </a:ln>
         </p:spPr>
         <p:txBody>
-          <a:bodyPr lIns="0" rIns="0" tIns="0" bIns="0" anchor="t">
+          <a:bodyPr lIns="0" tIns="0" rIns="0" bIns="0" anchor="t">
             <a:normAutofit/>
           </a:bodyPr>
+          <a:lstStyle/>
           <a:p>
             <a:pPr indent="0">
               <a:lnSpc>
@@ -2410,7 +2585,7 @@
               </a:spcBef>
               <a:buNone/>
             </a:pPr>
-            <a:endParaRPr b="0" lang="en-US" sz="8400" spc="-1" strike="noStrike">
+            <a:endParaRPr lang="en-US" sz="8400" b="0" strike="noStrike" spc="-1">
               <a:solidFill>
                 <a:srgbClr val="000000"/>
               </a:solidFill>
@@ -2443,9 +2618,10 @@
           </a:ln>
         </p:spPr>
         <p:txBody>
-          <a:bodyPr lIns="0" rIns="0" tIns="0" bIns="0" anchor="t">
+          <a:bodyPr lIns="0" tIns="0" rIns="0" bIns="0" anchor="t">
             <a:normAutofit/>
           </a:bodyPr>
+          <a:lstStyle/>
           <a:p>
             <a:pPr indent="0">
               <a:lnSpc>
@@ -2456,7 +2632,7 @@
               </a:spcBef>
               <a:buNone/>
             </a:pPr>
-            <a:endParaRPr b="0" lang="en-US" sz="8400" spc="-1" strike="noStrike">
+            <a:endParaRPr lang="en-US" sz="8400" b="0" strike="noStrike" spc="-1">
               <a:solidFill>
                 <a:srgbClr val="000000"/>
               </a:solidFill>
@@ -2489,9 +2665,10 @@
           </a:ln>
         </p:spPr>
         <p:txBody>
-          <a:bodyPr lIns="0" rIns="0" tIns="0" bIns="0" anchor="t">
+          <a:bodyPr lIns="0" tIns="0" rIns="0" bIns="0" anchor="t">
             <a:normAutofit/>
           </a:bodyPr>
+          <a:lstStyle/>
           <a:p>
             <a:pPr indent="0">
               <a:lnSpc>
@@ -2502,7 +2679,7 @@
               </a:spcBef>
               <a:buNone/>
             </a:pPr>
-            <a:endParaRPr b="0" lang="en-US" sz="8400" spc="-1" strike="noStrike">
+            <a:endParaRPr lang="en-US" sz="8400" b="0" strike="noStrike" spc="-1">
               <a:solidFill>
                 <a:srgbClr val="000000"/>
               </a:solidFill>
@@ -2524,6 +2701,7 @@
         <p:spPr/>
         <p:txBody>
           <a:bodyPr/>
+          <a:lstStyle/>
           <a:p>
             <a:r>
               <a:t>Footer</a:t>
@@ -2544,10 +2722,12 @@
         <p:spPr/>
         <p:txBody>
           <a:bodyPr/>
+          <a:lstStyle/>
           <a:p>
             <a:fld id="{9E99BC86-3EF5-4CEB-923C-C1FDD59019F4}" type="slidenum">
-              <a:t>&lt;#&gt;</a:t>
+              <a:t>‹#›</a:t>
             </a:fld>
+            <a:endParaRPr/>
           </a:p>
         </p:txBody>
       </p:sp>
@@ -2564,21 +2744,22 @@
         <p:spPr/>
         <p:txBody>
           <a:bodyPr/>
-          <a:p>
-            <a:r>
-              <a:rPr lang="en-US"/>
-              <a:t/>
-            </a:r>
+          <a:lstStyle/>
+          <a:p>
+            <a:endParaRPr/>
           </a:p>
         </p:txBody>
       </p:sp>
     </p:spTree>
   </p:cSld>
+  <p:clrMapOvr>
+    <a:masterClrMapping/>
+  </p:clrMapOvr>
 </p:sldLayout>
 </file>
 
 <file path=ppt/slideLayouts/slideLayout21.xml><?xml version="1.0" encoding="utf-8"?>
-<p:sldLayout xmlns:a="http://schemas.openxmlformats.org/drawingml/2006/main" xmlns:p="http://schemas.openxmlformats.org/presentationml/2006/main" xmlns:r="http://schemas.openxmlformats.org/officeDocument/2006/relationships" xmlns:p14="http://schemas.microsoft.com/office/powerpoint/2010/main" xmlns:p15="http://schemas.microsoft.com/office/powerpoint/2012/main" xmlns:mc="http://schemas.openxmlformats.org/markup-compatibility/2006" type="twoObjOverTx" preserve="1">
+<p:sldLayout xmlns:a="http://schemas.openxmlformats.org/drawingml/2006/main" xmlns:r="http://schemas.openxmlformats.org/officeDocument/2006/relationships" xmlns:p="http://schemas.openxmlformats.org/presentationml/2006/main" type="twoObjOverTx" preserve="1">
   <p:cSld name="Title, 2 Content over Content">
     <p:spTree>
       <p:nvGrpSpPr>
@@ -2618,14 +2799,15 @@
           </a:ln>
         </p:spPr>
         <p:txBody>
-          <a:bodyPr lIns="0" rIns="0" tIns="0" bIns="0" anchor="ctr">
+          <a:bodyPr lIns="0" tIns="0" rIns="0" bIns="0" anchor="ctr">
             <a:noAutofit/>
           </a:bodyPr>
+          <a:lstStyle/>
           <a:p>
             <a:pPr indent="0">
               <a:buNone/>
             </a:pPr>
-            <a:endParaRPr b="0" lang="en-US" sz="6910" spc="-1" strike="noStrike">
+            <a:endParaRPr lang="en-US" sz="6910" b="0" strike="noStrike" spc="-1">
               <a:solidFill>
                 <a:srgbClr val="000000"/>
               </a:solidFill>
@@ -2658,9 +2840,10 @@
           </a:ln>
         </p:spPr>
         <p:txBody>
-          <a:bodyPr lIns="0" rIns="0" tIns="0" bIns="0" anchor="t">
+          <a:bodyPr lIns="0" tIns="0" rIns="0" bIns="0" anchor="t">
             <a:normAutofit/>
           </a:bodyPr>
+          <a:lstStyle/>
           <a:p>
             <a:pPr indent="0">
               <a:lnSpc>
@@ -2671,7 +2854,7 @@
               </a:spcBef>
               <a:buNone/>
             </a:pPr>
-            <a:endParaRPr b="0" lang="en-US" sz="8400" spc="-1" strike="noStrike">
+            <a:endParaRPr lang="en-US" sz="8400" b="0" strike="noStrike" spc="-1">
               <a:solidFill>
                 <a:srgbClr val="000000"/>
               </a:solidFill>
@@ -2704,9 +2887,10 @@
           </a:ln>
         </p:spPr>
         <p:txBody>
-          <a:bodyPr lIns="0" rIns="0" tIns="0" bIns="0" anchor="t">
+          <a:bodyPr lIns="0" tIns="0" rIns="0" bIns="0" anchor="t">
             <a:normAutofit/>
           </a:bodyPr>
+          <a:lstStyle/>
           <a:p>
             <a:pPr indent="0">
               <a:lnSpc>
@@ -2717,7 +2901,7 @@
               </a:spcBef>
               <a:buNone/>
             </a:pPr>
-            <a:endParaRPr b="0" lang="en-US" sz="8400" spc="-1" strike="noStrike">
+            <a:endParaRPr lang="en-US" sz="8400" b="0" strike="noStrike" spc="-1">
               <a:solidFill>
                 <a:srgbClr val="000000"/>
               </a:solidFill>
@@ -2750,9 +2934,10 @@
           </a:ln>
         </p:spPr>
         <p:txBody>
-          <a:bodyPr lIns="0" rIns="0" tIns="0" bIns="0" anchor="t">
+          <a:bodyPr lIns="0" tIns="0" rIns="0" bIns="0" anchor="t">
             <a:normAutofit/>
           </a:bodyPr>
+          <a:lstStyle/>
           <a:p>
             <a:pPr indent="0">
               <a:lnSpc>
@@ -2763,7 +2948,7 @@
               </a:spcBef>
               <a:buNone/>
             </a:pPr>
-            <a:endParaRPr b="0" lang="en-US" sz="8400" spc="-1" strike="noStrike">
+            <a:endParaRPr lang="en-US" sz="8400" b="0" strike="noStrike" spc="-1">
               <a:solidFill>
                 <a:srgbClr val="000000"/>
               </a:solidFill>
@@ -2785,6 +2970,7 @@
         <p:spPr/>
         <p:txBody>
           <a:bodyPr/>
+          <a:lstStyle/>
           <a:p>
             <a:r>
               <a:t>Footer</a:t>
@@ -2805,10 +2991,12 @@
         <p:spPr/>
         <p:txBody>
           <a:bodyPr/>
+          <a:lstStyle/>
           <a:p>
             <a:fld id="{DB9B341C-388D-43A6-B307-33CB0F4D759A}" type="slidenum">
-              <a:t>&lt;#&gt;</a:t>
+              <a:t>‹#›</a:t>
             </a:fld>
+            <a:endParaRPr/>
           </a:p>
         </p:txBody>
       </p:sp>
@@ -2825,21 +3013,22 @@
         <p:spPr/>
         <p:txBody>
           <a:bodyPr/>
-          <a:p>
-            <a:r>
-              <a:rPr lang="en-US"/>
-              <a:t/>
-            </a:r>
+          <a:lstStyle/>
+          <a:p>
+            <a:endParaRPr/>
           </a:p>
         </p:txBody>
       </p:sp>
     </p:spTree>
   </p:cSld>
+  <p:clrMapOvr>
+    <a:masterClrMapping/>
+  </p:clrMapOvr>
 </p:sldLayout>
 </file>
 
 <file path=ppt/slideLayouts/slideLayout22.xml><?xml version="1.0" encoding="utf-8"?>
-<p:sldLayout xmlns:a="http://schemas.openxmlformats.org/drawingml/2006/main" xmlns:p="http://schemas.openxmlformats.org/presentationml/2006/main" xmlns:r="http://schemas.openxmlformats.org/officeDocument/2006/relationships" xmlns:p14="http://schemas.microsoft.com/office/powerpoint/2010/main" xmlns:p15="http://schemas.microsoft.com/office/powerpoint/2012/main" xmlns:mc="http://schemas.openxmlformats.org/markup-compatibility/2006" type="objOverTx" preserve="1">
+<p:sldLayout xmlns:a="http://schemas.openxmlformats.org/drawingml/2006/main" xmlns:r="http://schemas.openxmlformats.org/officeDocument/2006/relationships" xmlns:p="http://schemas.openxmlformats.org/presentationml/2006/main" type="objOverTx" preserve="1">
   <p:cSld name="Title, Content over Content">
     <p:spTree>
       <p:nvGrpSpPr>
@@ -2879,14 +3068,15 @@
           </a:ln>
         </p:spPr>
         <p:txBody>
-          <a:bodyPr lIns="0" rIns="0" tIns="0" bIns="0" anchor="ctr">
+          <a:bodyPr lIns="0" tIns="0" rIns="0" bIns="0" anchor="ctr">
             <a:noAutofit/>
           </a:bodyPr>
+          <a:lstStyle/>
           <a:p>
             <a:pPr indent="0">
               <a:buNone/>
             </a:pPr>
-            <a:endParaRPr b="0" lang="en-US" sz="6910" spc="-1" strike="noStrike">
+            <a:endParaRPr lang="en-US" sz="6910" b="0" strike="noStrike" spc="-1">
               <a:solidFill>
                 <a:srgbClr val="000000"/>
               </a:solidFill>
@@ -2919,9 +3109,10 @@
           </a:ln>
         </p:spPr>
         <p:txBody>
-          <a:bodyPr lIns="0" rIns="0" tIns="0" bIns="0" anchor="t">
+          <a:bodyPr lIns="0" tIns="0" rIns="0" bIns="0" anchor="t">
             <a:normAutofit/>
           </a:bodyPr>
+          <a:lstStyle/>
           <a:p>
             <a:pPr indent="0">
               <a:lnSpc>
@@ -2932,7 +3123,7 @@
               </a:spcBef>
               <a:buNone/>
             </a:pPr>
-            <a:endParaRPr b="0" lang="en-US" sz="8400" spc="-1" strike="noStrike">
+            <a:endParaRPr lang="en-US" sz="8400" b="0" strike="noStrike" spc="-1">
               <a:solidFill>
                 <a:srgbClr val="000000"/>
               </a:solidFill>
@@ -2965,9 +3156,10 @@
           </a:ln>
         </p:spPr>
         <p:txBody>
-          <a:bodyPr lIns="0" rIns="0" tIns="0" bIns="0" anchor="t">
+          <a:bodyPr lIns="0" tIns="0" rIns="0" bIns="0" anchor="t">
             <a:normAutofit/>
           </a:bodyPr>
+          <a:lstStyle/>
           <a:p>
             <a:pPr indent="0">
               <a:lnSpc>
@@ -2978,7 +3170,7 @@
               </a:spcBef>
               <a:buNone/>
             </a:pPr>
-            <a:endParaRPr b="0" lang="en-US" sz="8400" spc="-1" strike="noStrike">
+            <a:endParaRPr lang="en-US" sz="8400" b="0" strike="noStrike" spc="-1">
               <a:solidFill>
                 <a:srgbClr val="000000"/>
               </a:solidFill>
@@ -3000,6 +3192,7 @@
         <p:spPr/>
         <p:txBody>
           <a:bodyPr/>
+          <a:lstStyle/>
           <a:p>
             <a:r>
               <a:t>Footer</a:t>
@@ -3020,10 +3213,12 @@
         <p:spPr/>
         <p:txBody>
           <a:bodyPr/>
+          <a:lstStyle/>
           <a:p>
             <a:fld id="{D1279788-96B9-49BA-9CE1-0D4B056EBD8C}" type="slidenum">
-              <a:t>&lt;#&gt;</a:t>
+              <a:t>‹#›</a:t>
             </a:fld>
+            <a:endParaRPr/>
           </a:p>
         </p:txBody>
       </p:sp>
@@ -3040,21 +3235,22 @@
         <p:spPr/>
         <p:txBody>
           <a:bodyPr/>
-          <a:p>
-            <a:r>
-              <a:rPr lang="en-US"/>
-              <a:t/>
-            </a:r>
+          <a:lstStyle/>
+          <a:p>
+            <a:endParaRPr/>
           </a:p>
         </p:txBody>
       </p:sp>
     </p:spTree>
   </p:cSld>
+  <p:clrMapOvr>
+    <a:masterClrMapping/>
+  </p:clrMapOvr>
 </p:sldLayout>
 </file>
 
 <file path=ppt/slideLayouts/slideLayout23.xml><?xml version="1.0" encoding="utf-8"?>
-<p:sldLayout xmlns:a="http://schemas.openxmlformats.org/drawingml/2006/main" xmlns:p="http://schemas.openxmlformats.org/presentationml/2006/main" xmlns:r="http://schemas.openxmlformats.org/officeDocument/2006/relationships" xmlns:p14="http://schemas.microsoft.com/office/powerpoint/2010/main" xmlns:p15="http://schemas.microsoft.com/office/powerpoint/2012/main" xmlns:mc="http://schemas.openxmlformats.org/markup-compatibility/2006" type="fourObj" preserve="1">
+<p:sldLayout xmlns:a="http://schemas.openxmlformats.org/drawingml/2006/main" xmlns:r="http://schemas.openxmlformats.org/officeDocument/2006/relationships" xmlns:p="http://schemas.openxmlformats.org/presentationml/2006/main" type="fourObj" preserve="1">
   <p:cSld name="Title, 4 Content">
     <p:spTree>
       <p:nvGrpSpPr>
@@ -3094,14 +3290,15 @@
           </a:ln>
         </p:spPr>
         <p:txBody>
-          <a:bodyPr lIns="0" rIns="0" tIns="0" bIns="0" anchor="ctr">
+          <a:bodyPr lIns="0" tIns="0" rIns="0" bIns="0" anchor="ctr">
             <a:noAutofit/>
           </a:bodyPr>
+          <a:lstStyle/>
           <a:p>
             <a:pPr indent="0">
               <a:buNone/>
             </a:pPr>
-            <a:endParaRPr b="0" lang="en-US" sz="6910" spc="-1" strike="noStrike">
+            <a:endParaRPr lang="en-US" sz="6910" b="0" strike="noStrike" spc="-1">
               <a:solidFill>
                 <a:srgbClr val="000000"/>
               </a:solidFill>
@@ -3134,9 +3331,10 @@
           </a:ln>
         </p:spPr>
         <p:txBody>
-          <a:bodyPr lIns="0" rIns="0" tIns="0" bIns="0" anchor="t">
+          <a:bodyPr lIns="0" tIns="0" rIns="0" bIns="0" anchor="t">
             <a:normAutofit/>
           </a:bodyPr>
+          <a:lstStyle/>
           <a:p>
             <a:pPr indent="0">
               <a:lnSpc>
@@ -3147,7 +3345,7 @@
               </a:spcBef>
               <a:buNone/>
             </a:pPr>
-            <a:endParaRPr b="0" lang="en-US" sz="8400" spc="-1" strike="noStrike">
+            <a:endParaRPr lang="en-US" sz="8400" b="0" strike="noStrike" spc="-1">
               <a:solidFill>
                 <a:srgbClr val="000000"/>
               </a:solidFill>
@@ -3180,9 +3378,10 @@
           </a:ln>
         </p:spPr>
         <p:txBody>
-          <a:bodyPr lIns="0" rIns="0" tIns="0" bIns="0" anchor="t">
+          <a:bodyPr lIns="0" tIns="0" rIns="0" bIns="0" anchor="t">
             <a:normAutofit/>
           </a:bodyPr>
+          <a:lstStyle/>
           <a:p>
             <a:pPr indent="0">
               <a:lnSpc>
@@ -3193,7 +3392,7 @@
               </a:spcBef>
               <a:buNone/>
             </a:pPr>
-            <a:endParaRPr b="0" lang="en-US" sz="8400" spc="-1" strike="noStrike">
+            <a:endParaRPr lang="en-US" sz="8400" b="0" strike="noStrike" spc="-1">
               <a:solidFill>
                 <a:srgbClr val="000000"/>
               </a:solidFill>
@@ -3226,9 +3425,10 @@
           </a:ln>
         </p:spPr>
         <p:txBody>
-          <a:bodyPr lIns="0" rIns="0" tIns="0" bIns="0" anchor="t">
+          <a:bodyPr lIns="0" tIns="0" rIns="0" bIns="0" anchor="t">
             <a:normAutofit/>
           </a:bodyPr>
+          <a:lstStyle/>
           <a:p>
             <a:pPr indent="0">
               <a:lnSpc>
@@ -3239,7 +3439,7 @@
               </a:spcBef>
               <a:buNone/>
             </a:pPr>
-            <a:endParaRPr b="0" lang="en-US" sz="8400" spc="-1" strike="noStrike">
+            <a:endParaRPr lang="en-US" sz="8400" b="0" strike="noStrike" spc="-1">
               <a:solidFill>
                 <a:srgbClr val="000000"/>
               </a:solidFill>
@@ -3272,9 +3472,10 @@
           </a:ln>
         </p:spPr>
         <p:txBody>
-          <a:bodyPr lIns="0" rIns="0" tIns="0" bIns="0" anchor="t">
+          <a:bodyPr lIns="0" tIns="0" rIns="0" bIns="0" anchor="t">
             <a:normAutofit/>
           </a:bodyPr>
+          <a:lstStyle/>
           <a:p>
             <a:pPr indent="0">
               <a:lnSpc>
@@ -3285,7 +3486,7 @@
               </a:spcBef>
               <a:buNone/>
             </a:pPr>
-            <a:endParaRPr b="0" lang="en-US" sz="8400" spc="-1" strike="noStrike">
+            <a:endParaRPr lang="en-US" sz="8400" b="0" strike="noStrike" spc="-1">
               <a:solidFill>
                 <a:srgbClr val="000000"/>
               </a:solidFill>
@@ -3307,6 +3508,7 @@
         <p:spPr/>
         <p:txBody>
           <a:bodyPr/>
+          <a:lstStyle/>
           <a:p>
             <a:r>
               <a:t>Footer</a:t>
@@ -3327,10 +3529,12 @@
         <p:spPr/>
         <p:txBody>
           <a:bodyPr/>
+          <a:lstStyle/>
           <a:p>
             <a:fld id="{B0B19BEE-BCD2-4DDF-9B9E-462D957700B3}" type="slidenum">
-              <a:t>&lt;#&gt;</a:t>
+              <a:t>‹#›</a:t>
             </a:fld>
+            <a:endParaRPr/>
           </a:p>
         </p:txBody>
       </p:sp>
@@ -3347,21 +3551,22 @@
         <p:spPr/>
         <p:txBody>
           <a:bodyPr/>
-          <a:p>
-            <a:r>
-              <a:rPr lang="en-US"/>
-              <a:t/>
-            </a:r>
+          <a:lstStyle/>
+          <a:p>
+            <a:endParaRPr/>
           </a:p>
         </p:txBody>
       </p:sp>
     </p:spTree>
   </p:cSld>
+  <p:clrMapOvr>
+    <a:masterClrMapping/>
+  </p:clrMapOvr>
 </p:sldLayout>
 </file>
 
 <file path=ppt/slideLayouts/slideLayout24.xml><?xml version="1.0" encoding="utf-8"?>
-<p:sldLayout xmlns:a="http://schemas.openxmlformats.org/drawingml/2006/main" xmlns:p="http://schemas.openxmlformats.org/presentationml/2006/main" xmlns:r="http://schemas.openxmlformats.org/officeDocument/2006/relationships" xmlns:p14="http://schemas.microsoft.com/office/powerpoint/2010/main" xmlns:p15="http://schemas.microsoft.com/office/powerpoint/2012/main" xmlns:mc="http://schemas.openxmlformats.org/markup-compatibility/2006" type="blank" preserve="1">
+<p:sldLayout xmlns:a="http://schemas.openxmlformats.org/drawingml/2006/main" xmlns:r="http://schemas.openxmlformats.org/officeDocument/2006/relationships" xmlns:p="http://schemas.openxmlformats.org/presentationml/2006/main" type="blank" preserve="1">
   <p:cSld name="Title, 6 Content">
     <p:spTree>
       <p:nvGrpSpPr>
@@ -3401,14 +3606,15 @@
           </a:ln>
         </p:spPr>
         <p:txBody>
-          <a:bodyPr lIns="0" rIns="0" tIns="0" bIns="0" anchor="ctr">
+          <a:bodyPr lIns="0" tIns="0" rIns="0" bIns="0" anchor="ctr">
             <a:noAutofit/>
           </a:bodyPr>
+          <a:lstStyle/>
           <a:p>
             <a:pPr indent="0">
               <a:buNone/>
             </a:pPr>
-            <a:endParaRPr b="0" lang="en-US" sz="6910" spc="-1" strike="noStrike">
+            <a:endParaRPr lang="en-US" sz="6910" b="0" strike="noStrike" spc="-1">
               <a:solidFill>
                 <a:srgbClr val="000000"/>
               </a:solidFill>
@@ -3441,9 +3647,10 @@
           </a:ln>
         </p:spPr>
         <p:txBody>
-          <a:bodyPr lIns="0" rIns="0" tIns="0" bIns="0" anchor="t">
+          <a:bodyPr lIns="0" tIns="0" rIns="0" bIns="0" anchor="t">
             <a:normAutofit/>
           </a:bodyPr>
+          <a:lstStyle/>
           <a:p>
             <a:pPr indent="0">
               <a:lnSpc>
@@ -3454,7 +3661,7 @@
               </a:spcBef>
               <a:buNone/>
             </a:pPr>
-            <a:endParaRPr b="0" lang="en-US" sz="8400" spc="-1" strike="noStrike">
+            <a:endParaRPr lang="en-US" sz="8400" b="0" strike="noStrike" spc="-1">
               <a:solidFill>
                 <a:srgbClr val="000000"/>
               </a:solidFill>
@@ -3487,9 +3694,10 @@
           </a:ln>
         </p:spPr>
         <p:txBody>
-          <a:bodyPr lIns="0" rIns="0" tIns="0" bIns="0" anchor="t">
+          <a:bodyPr lIns="0" tIns="0" rIns="0" bIns="0" anchor="t">
             <a:normAutofit/>
           </a:bodyPr>
+          <a:lstStyle/>
           <a:p>
             <a:pPr indent="0">
               <a:lnSpc>
@@ -3500,7 +3708,7 @@
               </a:spcBef>
               <a:buNone/>
             </a:pPr>
-            <a:endParaRPr b="0" lang="en-US" sz="8400" spc="-1" strike="noStrike">
+            <a:endParaRPr lang="en-US" sz="8400" b="0" strike="noStrike" spc="-1">
               <a:solidFill>
                 <a:srgbClr val="000000"/>
               </a:solidFill>
@@ -3533,9 +3741,10 @@
           </a:ln>
         </p:spPr>
         <p:txBody>
-          <a:bodyPr lIns="0" rIns="0" tIns="0" bIns="0" anchor="t">
+          <a:bodyPr lIns="0" tIns="0" rIns="0" bIns="0" anchor="t">
             <a:normAutofit/>
           </a:bodyPr>
+          <a:lstStyle/>
           <a:p>
             <a:pPr indent="0">
               <a:lnSpc>
@@ -3546,7 +3755,7 @@
               </a:spcBef>
               <a:buNone/>
             </a:pPr>
-            <a:endParaRPr b="0" lang="en-US" sz="8400" spc="-1" strike="noStrike">
+            <a:endParaRPr lang="en-US" sz="8400" b="0" strike="noStrike" spc="-1">
               <a:solidFill>
                 <a:srgbClr val="000000"/>
               </a:solidFill>
@@ -3579,9 +3788,10 @@
           </a:ln>
         </p:spPr>
         <p:txBody>
-          <a:bodyPr lIns="0" rIns="0" tIns="0" bIns="0" anchor="t">
+          <a:bodyPr lIns="0" tIns="0" rIns="0" bIns="0" anchor="t">
             <a:normAutofit/>
           </a:bodyPr>
+          <a:lstStyle/>
           <a:p>
             <a:pPr indent="0">
               <a:lnSpc>
@@ -3592,7 +3802,7 @@
               </a:spcBef>
               <a:buNone/>
             </a:pPr>
-            <a:endParaRPr b="0" lang="en-US" sz="8400" spc="-1" strike="noStrike">
+            <a:endParaRPr lang="en-US" sz="8400" b="0" strike="noStrike" spc="-1">
               <a:solidFill>
                 <a:srgbClr val="000000"/>
               </a:solidFill>
@@ -3625,9 +3835,10 @@
           </a:ln>
         </p:spPr>
         <p:txBody>
-          <a:bodyPr lIns="0" rIns="0" tIns="0" bIns="0" anchor="t">
+          <a:bodyPr lIns="0" tIns="0" rIns="0" bIns="0" anchor="t">
             <a:normAutofit/>
           </a:bodyPr>
+          <a:lstStyle/>
           <a:p>
             <a:pPr indent="0">
               <a:lnSpc>
@@ -3638,7 +3849,7 @@
               </a:spcBef>
               <a:buNone/>
             </a:pPr>
-            <a:endParaRPr b="0" lang="en-US" sz="8400" spc="-1" strike="noStrike">
+            <a:endParaRPr lang="en-US" sz="8400" b="0" strike="noStrike" spc="-1">
               <a:solidFill>
                 <a:srgbClr val="000000"/>
               </a:solidFill>
@@ -3671,9 +3882,10 @@
           </a:ln>
         </p:spPr>
         <p:txBody>
-          <a:bodyPr lIns="0" rIns="0" tIns="0" bIns="0" anchor="t">
+          <a:bodyPr lIns="0" tIns="0" rIns="0" bIns="0" anchor="t">
             <a:normAutofit/>
           </a:bodyPr>
+          <a:lstStyle/>
           <a:p>
             <a:pPr indent="0">
               <a:lnSpc>
@@ -3684,7 +3896,7 @@
               </a:spcBef>
               <a:buNone/>
             </a:pPr>
-            <a:endParaRPr b="0" lang="en-US" sz="8400" spc="-1" strike="noStrike">
+            <a:endParaRPr lang="en-US" sz="8400" b="0" strike="noStrike" spc="-1">
               <a:solidFill>
                 <a:srgbClr val="000000"/>
               </a:solidFill>
@@ -3706,6 +3918,7 @@
         <p:spPr/>
         <p:txBody>
           <a:bodyPr/>
+          <a:lstStyle/>
           <a:p>
             <a:r>
               <a:t>Footer</a:t>
@@ -3726,10 +3939,12 @@
         <p:spPr/>
         <p:txBody>
           <a:bodyPr/>
+          <a:lstStyle/>
           <a:p>
             <a:fld id="{980D396B-5655-45F5-9639-385A1265003D}" type="slidenum">
-              <a:t>&lt;#&gt;</a:t>
+              <a:t>‹#›</a:t>
             </a:fld>
+            <a:endParaRPr/>
           </a:p>
         </p:txBody>
       </p:sp>
@@ -3746,21 +3961,22 @@
         <p:spPr/>
         <p:txBody>
           <a:bodyPr/>
-          <a:p>
-            <a:r>
-              <a:rPr lang="en-US"/>
-              <a:t/>
-            </a:r>
+          <a:lstStyle/>
+          <a:p>
+            <a:endParaRPr/>
           </a:p>
         </p:txBody>
       </p:sp>
     </p:spTree>
   </p:cSld>
+  <p:clrMapOvr>
+    <a:masterClrMapping/>
+  </p:clrMapOvr>
 </p:sldLayout>
 </file>
 
 <file path=ppt/slideLayouts/slideLayout3.xml><?xml version="1.0" encoding="utf-8"?>
-<p:sldLayout xmlns:a="http://schemas.openxmlformats.org/drawingml/2006/main" xmlns:p="http://schemas.openxmlformats.org/presentationml/2006/main" xmlns:r="http://schemas.openxmlformats.org/officeDocument/2006/relationships" xmlns:p14="http://schemas.microsoft.com/office/powerpoint/2010/main" xmlns:p15="http://schemas.microsoft.com/office/powerpoint/2012/main" xmlns:mc="http://schemas.openxmlformats.org/markup-compatibility/2006" type="obj" preserve="1">
+<p:sldLayout xmlns:a="http://schemas.openxmlformats.org/drawingml/2006/main" xmlns:r="http://schemas.openxmlformats.org/officeDocument/2006/relationships" xmlns:p="http://schemas.openxmlformats.org/presentationml/2006/main" type="obj" preserve="1">
   <p:cSld name="Title, Content">
     <p:spTree>
       <p:nvGrpSpPr>
@@ -3800,14 +4016,15 @@
           </a:ln>
         </p:spPr>
         <p:txBody>
-          <a:bodyPr lIns="0" rIns="0" tIns="0" bIns="0" anchor="ctr">
+          <a:bodyPr lIns="0" tIns="0" rIns="0" bIns="0" anchor="ctr">
             <a:noAutofit/>
           </a:bodyPr>
+          <a:lstStyle/>
           <a:p>
             <a:pPr indent="0">
               <a:buNone/>
             </a:pPr>
-            <a:endParaRPr b="0" lang="en-US" sz="6910" spc="-1" strike="noStrike">
+            <a:endParaRPr lang="en-US" sz="6910" b="0" strike="noStrike" spc="-1">
               <a:solidFill>
                 <a:srgbClr val="000000"/>
               </a:solidFill>
@@ -3840,9 +4057,10 @@
           </a:ln>
         </p:spPr>
         <p:txBody>
-          <a:bodyPr lIns="0" rIns="0" tIns="0" bIns="0" anchor="t">
+          <a:bodyPr lIns="0" tIns="0" rIns="0" bIns="0" anchor="t">
             <a:normAutofit/>
           </a:bodyPr>
+          <a:lstStyle/>
           <a:p>
             <a:pPr indent="0">
               <a:lnSpc>
@@ -3853,7 +4071,7 @@
               </a:spcBef>
               <a:buNone/>
             </a:pPr>
-            <a:endParaRPr b="0" lang="en-US" sz="8400" spc="-1" strike="noStrike">
+            <a:endParaRPr lang="en-US" sz="8400" b="0" strike="noStrike" spc="-1">
               <a:solidFill>
                 <a:srgbClr val="000000"/>
               </a:solidFill>
@@ -3875,6 +4093,7 @@
         <p:spPr/>
         <p:txBody>
           <a:bodyPr/>
+          <a:lstStyle/>
           <a:p>
             <a:r>
               <a:t>Footer</a:t>
@@ -3895,10 +4114,12 @@
         <p:spPr/>
         <p:txBody>
           <a:bodyPr/>
+          <a:lstStyle/>
           <a:p>
             <a:fld id="{4DEE7F27-0220-4D95-97C3-F030A047A16A}" type="slidenum">
-              <a:t>&lt;#&gt;</a:t>
+              <a:t>‹#›</a:t>
             </a:fld>
+            <a:endParaRPr/>
           </a:p>
         </p:txBody>
       </p:sp>
@@ -3915,21 +4136,22 @@
         <p:spPr/>
         <p:txBody>
           <a:bodyPr/>
-          <a:p>
-            <a:r>
-              <a:rPr lang="en-US"/>
-              <a:t/>
-            </a:r>
+          <a:lstStyle/>
+          <a:p>
+            <a:endParaRPr/>
           </a:p>
         </p:txBody>
       </p:sp>
     </p:spTree>
   </p:cSld>
+  <p:clrMapOvr>
+    <a:masterClrMapping/>
+  </p:clrMapOvr>
 </p:sldLayout>
 </file>
 
 <file path=ppt/slideLayouts/slideLayout4.xml><?xml version="1.0" encoding="utf-8"?>
-<p:sldLayout xmlns:a="http://schemas.openxmlformats.org/drawingml/2006/main" xmlns:p="http://schemas.openxmlformats.org/presentationml/2006/main" xmlns:r="http://schemas.openxmlformats.org/officeDocument/2006/relationships" xmlns:p14="http://schemas.microsoft.com/office/powerpoint/2010/main" xmlns:p15="http://schemas.microsoft.com/office/powerpoint/2012/main" xmlns:mc="http://schemas.openxmlformats.org/markup-compatibility/2006" type="twoObj" preserve="1">
+<p:sldLayout xmlns:a="http://schemas.openxmlformats.org/drawingml/2006/main" xmlns:r="http://schemas.openxmlformats.org/officeDocument/2006/relationships" xmlns:p="http://schemas.openxmlformats.org/presentationml/2006/main" type="twoObj" preserve="1">
   <p:cSld name="Title, 2 Content">
     <p:spTree>
       <p:nvGrpSpPr>
@@ -3969,14 +4191,15 @@
           </a:ln>
         </p:spPr>
         <p:txBody>
-          <a:bodyPr lIns="0" rIns="0" tIns="0" bIns="0" anchor="ctr">
+          <a:bodyPr lIns="0" tIns="0" rIns="0" bIns="0" anchor="ctr">
             <a:noAutofit/>
           </a:bodyPr>
+          <a:lstStyle/>
           <a:p>
             <a:pPr indent="0">
               <a:buNone/>
             </a:pPr>
-            <a:endParaRPr b="0" lang="en-US" sz="6910" spc="-1" strike="noStrike">
+            <a:endParaRPr lang="en-US" sz="6910" b="0" strike="noStrike" spc="-1">
               <a:solidFill>
                 <a:srgbClr val="000000"/>
               </a:solidFill>
@@ -4009,9 +4232,10 @@
           </a:ln>
         </p:spPr>
         <p:txBody>
-          <a:bodyPr lIns="0" rIns="0" tIns="0" bIns="0" anchor="t">
+          <a:bodyPr lIns="0" tIns="0" rIns="0" bIns="0" anchor="t">
             <a:normAutofit/>
           </a:bodyPr>
+          <a:lstStyle/>
           <a:p>
             <a:pPr indent="0">
               <a:lnSpc>
@@ -4022,7 +4246,7 @@
               </a:spcBef>
               <a:buNone/>
             </a:pPr>
-            <a:endParaRPr b="0" lang="en-US" sz="8400" spc="-1" strike="noStrike">
+            <a:endParaRPr lang="en-US" sz="8400" b="0" strike="noStrike" spc="-1">
               <a:solidFill>
                 <a:srgbClr val="000000"/>
               </a:solidFill>
@@ -4055,9 +4279,10 @@
           </a:ln>
         </p:spPr>
         <p:txBody>
-          <a:bodyPr lIns="0" rIns="0" tIns="0" bIns="0" anchor="t">
+          <a:bodyPr lIns="0" tIns="0" rIns="0" bIns="0" anchor="t">
             <a:normAutofit/>
           </a:bodyPr>
+          <a:lstStyle/>
           <a:p>
             <a:pPr indent="0">
               <a:lnSpc>
@@ -4068,7 +4293,7 @@
               </a:spcBef>
               <a:buNone/>
             </a:pPr>
-            <a:endParaRPr b="0" lang="en-US" sz="8400" spc="-1" strike="noStrike">
+            <a:endParaRPr lang="en-US" sz="8400" b="0" strike="noStrike" spc="-1">
               <a:solidFill>
                 <a:srgbClr val="000000"/>
               </a:solidFill>
@@ -4090,6 +4315,7 @@
         <p:spPr/>
         <p:txBody>
           <a:bodyPr/>
+          <a:lstStyle/>
           <a:p>
             <a:r>
               <a:t>Footer</a:t>
@@ -4110,10 +4336,12 @@
         <p:spPr/>
         <p:txBody>
           <a:bodyPr/>
+          <a:lstStyle/>
           <a:p>
             <a:fld id="{1336CC2E-9EBD-4161-914A-EE7985941769}" type="slidenum">
-              <a:t>&lt;#&gt;</a:t>
+              <a:t>‹#›</a:t>
             </a:fld>
+            <a:endParaRPr/>
           </a:p>
         </p:txBody>
       </p:sp>
@@ -4130,21 +4358,22 @@
         <p:spPr/>
         <p:txBody>
           <a:bodyPr/>
-          <a:p>
-            <a:r>
-              <a:rPr lang="en-US"/>
-              <a:t/>
-            </a:r>
+          <a:lstStyle/>
+          <a:p>
+            <a:endParaRPr/>
           </a:p>
         </p:txBody>
       </p:sp>
     </p:spTree>
   </p:cSld>
+  <p:clrMapOvr>
+    <a:masterClrMapping/>
+  </p:clrMapOvr>
 </p:sldLayout>
 </file>
 
 <file path=ppt/slideLayouts/slideLayout5.xml><?xml version="1.0" encoding="utf-8"?>
-<p:sldLayout xmlns:a="http://schemas.openxmlformats.org/drawingml/2006/main" xmlns:p="http://schemas.openxmlformats.org/presentationml/2006/main" xmlns:r="http://schemas.openxmlformats.org/officeDocument/2006/relationships" xmlns:p14="http://schemas.microsoft.com/office/powerpoint/2010/main" xmlns:p15="http://schemas.microsoft.com/office/powerpoint/2012/main" xmlns:mc="http://schemas.openxmlformats.org/markup-compatibility/2006" type="titleOnly" preserve="1">
+<p:sldLayout xmlns:a="http://schemas.openxmlformats.org/drawingml/2006/main" xmlns:r="http://schemas.openxmlformats.org/officeDocument/2006/relationships" xmlns:p="http://schemas.openxmlformats.org/presentationml/2006/main" type="titleOnly" preserve="1">
   <p:cSld name="Title Only">
     <p:spTree>
       <p:nvGrpSpPr>
@@ -4184,14 +4413,15 @@
           </a:ln>
         </p:spPr>
         <p:txBody>
-          <a:bodyPr lIns="0" rIns="0" tIns="0" bIns="0" anchor="ctr">
+          <a:bodyPr lIns="0" tIns="0" rIns="0" bIns="0" anchor="ctr">
             <a:noAutofit/>
           </a:bodyPr>
+          <a:lstStyle/>
           <a:p>
             <a:pPr indent="0">
               <a:buNone/>
             </a:pPr>
-            <a:endParaRPr b="0" lang="en-US" sz="6910" spc="-1" strike="noStrike">
+            <a:endParaRPr lang="en-US" sz="6910" b="0" strike="noStrike" spc="-1">
               <a:solidFill>
                 <a:srgbClr val="000000"/>
               </a:solidFill>
@@ -4213,6 +4443,7 @@
         <p:spPr/>
         <p:txBody>
           <a:bodyPr/>
+          <a:lstStyle/>
           <a:p>
             <a:r>
               <a:t>Footer</a:t>
@@ -4233,10 +4464,12 @@
         <p:spPr/>
         <p:txBody>
           <a:bodyPr/>
+          <a:lstStyle/>
           <a:p>
             <a:fld id="{78BF95C5-23FC-41A6-A68C-92D695DDB51D}" type="slidenum">
-              <a:t>&lt;#&gt;</a:t>
+              <a:t>‹#›</a:t>
             </a:fld>
+            <a:endParaRPr/>
           </a:p>
         </p:txBody>
       </p:sp>
@@ -4253,21 +4486,22 @@
         <p:spPr/>
         <p:txBody>
           <a:bodyPr/>
-          <a:p>
-            <a:r>
-              <a:rPr lang="en-US"/>
-              <a:t/>
-            </a:r>
+          <a:lstStyle/>
+          <a:p>
+            <a:endParaRPr/>
           </a:p>
         </p:txBody>
       </p:sp>
     </p:spTree>
   </p:cSld>
+  <p:clrMapOvr>
+    <a:masterClrMapping/>
+  </p:clrMapOvr>
 </p:sldLayout>
 </file>
 
 <file path=ppt/slideLayouts/slideLayout6.xml><?xml version="1.0" encoding="utf-8"?>
-<p:sldLayout xmlns:a="http://schemas.openxmlformats.org/drawingml/2006/main" xmlns:p="http://schemas.openxmlformats.org/presentationml/2006/main" xmlns:r="http://schemas.openxmlformats.org/officeDocument/2006/relationships" xmlns:p14="http://schemas.microsoft.com/office/powerpoint/2010/main" xmlns:p15="http://schemas.microsoft.com/office/powerpoint/2012/main" xmlns:mc="http://schemas.openxmlformats.org/markup-compatibility/2006" type="objOnly" preserve="1">
+<p:sldLayout xmlns:a="http://schemas.openxmlformats.org/drawingml/2006/main" xmlns:r="http://schemas.openxmlformats.org/officeDocument/2006/relationships" xmlns:p="http://schemas.openxmlformats.org/presentationml/2006/main" type="objOnly" preserve="1">
   <p:cSld name="Centered Text">
     <p:spTree>
       <p:nvGrpSpPr>
@@ -4307,12 +4541,13 @@
           </a:ln>
         </p:spPr>
         <p:txBody>
-          <a:bodyPr lIns="0" rIns="0" tIns="0" bIns="0" anchor="ctr">
+          <a:bodyPr lIns="0" tIns="0" rIns="0" bIns="0" anchor="ctr">
             <a:noAutofit/>
           </a:bodyPr>
+          <a:lstStyle/>
           <a:p>
             <a:pPr algn="ctr"/>
-            <a:endParaRPr b="0" lang="en-US" sz="3200" spc="-1" strike="noStrike">
+            <a:endParaRPr lang="en-US" sz="3200" b="0" strike="noStrike" spc="-1">
               <a:solidFill>
                 <a:srgbClr val="000000"/>
               </a:solidFill>
@@ -4334,6 +4569,7 @@
         <p:spPr/>
         <p:txBody>
           <a:bodyPr/>
+          <a:lstStyle/>
           <a:p>
             <a:r>
               <a:t>Footer</a:t>
@@ -4354,10 +4590,12 @@
         <p:spPr/>
         <p:txBody>
           <a:bodyPr/>
+          <a:lstStyle/>
           <a:p>
             <a:fld id="{8D17BAF3-B895-4961-83E1-D54FDAAD4EED}" type="slidenum">
-              <a:t>&lt;#&gt;</a:t>
+              <a:t>‹#›</a:t>
             </a:fld>
+            <a:endParaRPr/>
           </a:p>
         </p:txBody>
       </p:sp>
@@ -4374,21 +4612,22 @@
         <p:spPr/>
         <p:txBody>
           <a:bodyPr/>
-          <a:p>
-            <a:r>
-              <a:rPr lang="en-US"/>
-              <a:t/>
-            </a:r>
+          <a:lstStyle/>
+          <a:p>
+            <a:endParaRPr/>
           </a:p>
         </p:txBody>
       </p:sp>
     </p:spTree>
   </p:cSld>
+  <p:clrMapOvr>
+    <a:masterClrMapping/>
+  </p:clrMapOvr>
 </p:sldLayout>
 </file>
 
 <file path=ppt/slideLayouts/slideLayout7.xml><?xml version="1.0" encoding="utf-8"?>
-<p:sldLayout xmlns:a="http://schemas.openxmlformats.org/drawingml/2006/main" xmlns:p="http://schemas.openxmlformats.org/presentationml/2006/main" xmlns:r="http://schemas.openxmlformats.org/officeDocument/2006/relationships" xmlns:p14="http://schemas.microsoft.com/office/powerpoint/2010/main" xmlns:p15="http://schemas.microsoft.com/office/powerpoint/2012/main" xmlns:mc="http://schemas.openxmlformats.org/markup-compatibility/2006" type="twoObjAndObj" preserve="1">
+<p:sldLayout xmlns:a="http://schemas.openxmlformats.org/drawingml/2006/main" xmlns:r="http://schemas.openxmlformats.org/officeDocument/2006/relationships" xmlns:p="http://schemas.openxmlformats.org/presentationml/2006/main" type="twoObjAndObj" preserve="1">
   <p:cSld name="Title, 2 Content and Content">
     <p:spTree>
       <p:nvGrpSpPr>
@@ -4428,14 +4667,15 @@
           </a:ln>
         </p:spPr>
         <p:txBody>
-          <a:bodyPr lIns="0" rIns="0" tIns="0" bIns="0" anchor="ctr">
+          <a:bodyPr lIns="0" tIns="0" rIns="0" bIns="0" anchor="ctr">
             <a:noAutofit/>
           </a:bodyPr>
+          <a:lstStyle/>
           <a:p>
             <a:pPr indent="0">
               <a:buNone/>
             </a:pPr>
-            <a:endParaRPr b="0" lang="en-US" sz="6910" spc="-1" strike="noStrike">
+            <a:endParaRPr lang="en-US" sz="6910" b="0" strike="noStrike" spc="-1">
               <a:solidFill>
                 <a:srgbClr val="000000"/>
               </a:solidFill>
@@ -4468,9 +4708,10 @@
           </a:ln>
         </p:spPr>
         <p:txBody>
-          <a:bodyPr lIns="0" rIns="0" tIns="0" bIns="0" anchor="t">
+          <a:bodyPr lIns="0" tIns="0" rIns="0" bIns="0" anchor="t">
             <a:normAutofit/>
           </a:bodyPr>
+          <a:lstStyle/>
           <a:p>
             <a:pPr indent="0">
               <a:lnSpc>
@@ -4481,7 +4722,7 @@
               </a:spcBef>
               <a:buNone/>
             </a:pPr>
-            <a:endParaRPr b="0" lang="en-US" sz="8400" spc="-1" strike="noStrike">
+            <a:endParaRPr lang="en-US" sz="8400" b="0" strike="noStrike" spc="-1">
               <a:solidFill>
                 <a:srgbClr val="000000"/>
               </a:solidFill>
@@ -4514,9 +4755,10 @@
           </a:ln>
         </p:spPr>
         <p:txBody>
-          <a:bodyPr lIns="0" rIns="0" tIns="0" bIns="0" anchor="t">
+          <a:bodyPr lIns="0" tIns="0" rIns="0" bIns="0" anchor="t">
             <a:normAutofit/>
           </a:bodyPr>
+          <a:lstStyle/>
           <a:p>
             <a:pPr indent="0">
               <a:lnSpc>
@@ -4527,7 +4769,7 @@
               </a:spcBef>
               <a:buNone/>
             </a:pPr>
-            <a:endParaRPr b="0" lang="en-US" sz="8400" spc="-1" strike="noStrike">
+            <a:endParaRPr lang="en-US" sz="8400" b="0" strike="noStrike" spc="-1">
               <a:solidFill>
                 <a:srgbClr val="000000"/>
               </a:solidFill>
@@ -4560,9 +4802,10 @@
           </a:ln>
         </p:spPr>
         <p:txBody>
-          <a:bodyPr lIns="0" rIns="0" tIns="0" bIns="0" anchor="t">
+          <a:bodyPr lIns="0" tIns="0" rIns="0" bIns="0" anchor="t">
             <a:normAutofit/>
           </a:bodyPr>
+          <a:lstStyle/>
           <a:p>
             <a:pPr indent="0">
               <a:lnSpc>
@@ -4573,7 +4816,7 @@
               </a:spcBef>
               <a:buNone/>
             </a:pPr>
-            <a:endParaRPr b="0" lang="en-US" sz="8400" spc="-1" strike="noStrike">
+            <a:endParaRPr lang="en-US" sz="8400" b="0" strike="noStrike" spc="-1">
               <a:solidFill>
                 <a:srgbClr val="000000"/>
               </a:solidFill>
@@ -4595,6 +4838,7 @@
         <p:spPr/>
         <p:txBody>
           <a:bodyPr/>
+          <a:lstStyle/>
           <a:p>
             <a:r>
               <a:t>Footer</a:t>
@@ -4615,10 +4859,12 @@
         <p:spPr/>
         <p:txBody>
           <a:bodyPr/>
+          <a:lstStyle/>
           <a:p>
             <a:fld id="{AB0FE10C-F7D8-45CE-A2D7-9BBCCA4DCAFF}" type="slidenum">
-              <a:t>&lt;#&gt;</a:t>
+              <a:t>‹#›</a:t>
             </a:fld>
+            <a:endParaRPr/>
           </a:p>
         </p:txBody>
       </p:sp>
@@ -4635,21 +4881,22 @@
         <p:spPr/>
         <p:txBody>
           <a:bodyPr/>
-          <a:p>
-            <a:r>
-              <a:rPr lang="en-US"/>
-              <a:t/>
-            </a:r>
+          <a:lstStyle/>
+          <a:p>
+            <a:endParaRPr/>
           </a:p>
         </p:txBody>
       </p:sp>
     </p:spTree>
   </p:cSld>
+  <p:clrMapOvr>
+    <a:masterClrMapping/>
+  </p:clrMapOvr>
 </p:sldLayout>
 </file>
 
 <file path=ppt/slideLayouts/slideLayout8.xml><?xml version="1.0" encoding="utf-8"?>
-<p:sldLayout xmlns:a="http://schemas.openxmlformats.org/drawingml/2006/main" xmlns:p="http://schemas.openxmlformats.org/presentationml/2006/main" xmlns:r="http://schemas.openxmlformats.org/officeDocument/2006/relationships" xmlns:p14="http://schemas.microsoft.com/office/powerpoint/2010/main" xmlns:p15="http://schemas.microsoft.com/office/powerpoint/2012/main" xmlns:mc="http://schemas.openxmlformats.org/markup-compatibility/2006" type="objAndTwoObj" preserve="1">
+<p:sldLayout xmlns:a="http://schemas.openxmlformats.org/drawingml/2006/main" xmlns:r="http://schemas.openxmlformats.org/officeDocument/2006/relationships" xmlns:p="http://schemas.openxmlformats.org/presentationml/2006/main" type="objAndTwoObj" preserve="1">
   <p:cSld name="Title Content and 2 Content">
     <p:spTree>
       <p:nvGrpSpPr>
@@ -4689,14 +4936,15 @@
           </a:ln>
         </p:spPr>
         <p:txBody>
-          <a:bodyPr lIns="0" rIns="0" tIns="0" bIns="0" anchor="ctr">
+          <a:bodyPr lIns="0" tIns="0" rIns="0" bIns="0" anchor="ctr">
             <a:noAutofit/>
           </a:bodyPr>
+          <a:lstStyle/>
           <a:p>
             <a:pPr indent="0">
               <a:buNone/>
             </a:pPr>
-            <a:endParaRPr b="0" lang="en-US" sz="6910" spc="-1" strike="noStrike">
+            <a:endParaRPr lang="en-US" sz="6910" b="0" strike="noStrike" spc="-1">
               <a:solidFill>
                 <a:srgbClr val="000000"/>
               </a:solidFill>
@@ -4729,9 +4977,10 @@
           </a:ln>
         </p:spPr>
         <p:txBody>
-          <a:bodyPr lIns="0" rIns="0" tIns="0" bIns="0" anchor="t">
+          <a:bodyPr lIns="0" tIns="0" rIns="0" bIns="0" anchor="t">
             <a:normAutofit/>
           </a:bodyPr>
+          <a:lstStyle/>
           <a:p>
             <a:pPr indent="0">
               <a:lnSpc>
@@ -4742,7 +4991,7 @@
               </a:spcBef>
               <a:buNone/>
             </a:pPr>
-            <a:endParaRPr b="0" lang="en-US" sz="8400" spc="-1" strike="noStrike">
+            <a:endParaRPr lang="en-US" sz="8400" b="0" strike="noStrike" spc="-1">
               <a:solidFill>
                 <a:srgbClr val="000000"/>
               </a:solidFill>
@@ -4775,9 +5024,10 @@
           </a:ln>
         </p:spPr>
         <p:txBody>
-          <a:bodyPr lIns="0" rIns="0" tIns="0" bIns="0" anchor="t">
+          <a:bodyPr lIns="0" tIns="0" rIns="0" bIns="0" anchor="t">
             <a:normAutofit/>
           </a:bodyPr>
+          <a:lstStyle/>
           <a:p>
             <a:pPr indent="0">
               <a:lnSpc>
@@ -4788,7 +5038,7 @@
               </a:spcBef>
               <a:buNone/>
             </a:pPr>
-            <a:endParaRPr b="0" lang="en-US" sz="8400" spc="-1" strike="noStrike">
+            <a:endParaRPr lang="en-US" sz="8400" b="0" strike="noStrike" spc="-1">
               <a:solidFill>
                 <a:srgbClr val="000000"/>
               </a:solidFill>
@@ -4821,9 +5071,10 @@
           </a:ln>
         </p:spPr>
         <p:txBody>
-          <a:bodyPr lIns="0" rIns="0" tIns="0" bIns="0" anchor="t">
+          <a:bodyPr lIns="0" tIns="0" rIns="0" bIns="0" anchor="t">
             <a:normAutofit/>
           </a:bodyPr>
+          <a:lstStyle/>
           <a:p>
             <a:pPr indent="0">
               <a:lnSpc>
@@ -4834,7 +5085,7 @@
               </a:spcBef>
               <a:buNone/>
             </a:pPr>
-            <a:endParaRPr b="0" lang="en-US" sz="8400" spc="-1" strike="noStrike">
+            <a:endParaRPr lang="en-US" sz="8400" b="0" strike="noStrike" spc="-1">
               <a:solidFill>
                 <a:srgbClr val="000000"/>
               </a:solidFill>
@@ -4856,6 +5107,7 @@
         <p:spPr/>
         <p:txBody>
           <a:bodyPr/>
+          <a:lstStyle/>
           <a:p>
             <a:r>
               <a:t>Footer</a:t>
@@ -4876,10 +5128,12 @@
         <p:spPr/>
         <p:txBody>
           <a:bodyPr/>
+          <a:lstStyle/>
           <a:p>
             <a:fld id="{272A6681-4B23-47B7-B119-6B216104CD10}" type="slidenum">
-              <a:t>&lt;#&gt;</a:t>
+              <a:t>‹#›</a:t>
             </a:fld>
+            <a:endParaRPr/>
           </a:p>
         </p:txBody>
       </p:sp>
@@ -4896,21 +5150,22 @@
         <p:spPr/>
         <p:txBody>
           <a:bodyPr/>
-          <a:p>
-            <a:r>
-              <a:rPr lang="en-US"/>
-              <a:t/>
-            </a:r>
+          <a:lstStyle/>
+          <a:p>
+            <a:endParaRPr/>
           </a:p>
         </p:txBody>
       </p:sp>
     </p:spTree>
   </p:cSld>
+  <p:clrMapOvr>
+    <a:masterClrMapping/>
+  </p:clrMapOvr>
 </p:sldLayout>
 </file>
 
 <file path=ppt/slideLayouts/slideLayout9.xml><?xml version="1.0" encoding="utf-8"?>
-<p:sldLayout xmlns:a="http://schemas.openxmlformats.org/drawingml/2006/main" xmlns:p="http://schemas.openxmlformats.org/presentationml/2006/main" xmlns:r="http://schemas.openxmlformats.org/officeDocument/2006/relationships" xmlns:p14="http://schemas.microsoft.com/office/powerpoint/2010/main" xmlns:p15="http://schemas.microsoft.com/office/powerpoint/2012/main" xmlns:mc="http://schemas.openxmlformats.org/markup-compatibility/2006" type="twoObjOverTx" preserve="1">
+<p:sldLayout xmlns:a="http://schemas.openxmlformats.org/drawingml/2006/main" xmlns:r="http://schemas.openxmlformats.org/officeDocument/2006/relationships" xmlns:p="http://schemas.openxmlformats.org/presentationml/2006/main" type="twoObjOverTx" preserve="1">
   <p:cSld name="Title, 2 Content over Content">
     <p:spTree>
       <p:nvGrpSpPr>
@@ -4950,14 +5205,15 @@
           </a:ln>
         </p:spPr>
         <p:txBody>
-          <a:bodyPr lIns="0" rIns="0" tIns="0" bIns="0" anchor="ctr">
+          <a:bodyPr lIns="0" tIns="0" rIns="0" bIns="0" anchor="ctr">
             <a:noAutofit/>
           </a:bodyPr>
+          <a:lstStyle/>
           <a:p>
             <a:pPr indent="0">
               <a:buNone/>
             </a:pPr>
-            <a:endParaRPr b="0" lang="en-US" sz="6910" spc="-1" strike="noStrike">
+            <a:endParaRPr lang="en-US" sz="6910" b="0" strike="noStrike" spc="-1">
               <a:solidFill>
                 <a:srgbClr val="000000"/>
               </a:solidFill>
@@ -4990,9 +5246,10 @@
           </a:ln>
         </p:spPr>
         <p:txBody>
-          <a:bodyPr lIns="0" rIns="0" tIns="0" bIns="0" anchor="t">
+          <a:bodyPr lIns="0" tIns="0" rIns="0" bIns="0" anchor="t">
             <a:normAutofit/>
           </a:bodyPr>
+          <a:lstStyle/>
           <a:p>
             <a:pPr indent="0">
               <a:lnSpc>
@@ -5003,7 +5260,7 @@
               </a:spcBef>
               <a:buNone/>
             </a:pPr>
-            <a:endParaRPr b="0" lang="en-US" sz="8400" spc="-1" strike="noStrike">
+            <a:endParaRPr lang="en-US" sz="8400" b="0" strike="noStrike" spc="-1">
               <a:solidFill>
                 <a:srgbClr val="000000"/>
               </a:solidFill>
@@ -5036,9 +5293,10 @@
           </a:ln>
         </p:spPr>
         <p:txBody>
-          <a:bodyPr lIns="0" rIns="0" tIns="0" bIns="0" anchor="t">
+          <a:bodyPr lIns="0" tIns="0" rIns="0" bIns="0" anchor="t">
             <a:normAutofit/>
           </a:bodyPr>
+          <a:lstStyle/>
           <a:p>
             <a:pPr indent="0">
               <a:lnSpc>
@@ -5049,7 +5307,7 @@
               </a:spcBef>
               <a:buNone/>
             </a:pPr>
-            <a:endParaRPr b="0" lang="en-US" sz="8400" spc="-1" strike="noStrike">
+            <a:endParaRPr lang="en-US" sz="8400" b="0" strike="noStrike" spc="-1">
               <a:solidFill>
                 <a:srgbClr val="000000"/>
               </a:solidFill>
@@ -5082,9 +5340,10 @@
           </a:ln>
         </p:spPr>
         <p:txBody>
-          <a:bodyPr lIns="0" rIns="0" tIns="0" bIns="0" anchor="t">
+          <a:bodyPr lIns="0" tIns="0" rIns="0" bIns="0" anchor="t">
             <a:normAutofit/>
           </a:bodyPr>
+          <a:lstStyle/>
           <a:p>
             <a:pPr indent="0">
               <a:lnSpc>
@@ -5095,7 +5354,7 @@
               </a:spcBef>
               <a:buNone/>
             </a:pPr>
-            <a:endParaRPr b="0" lang="en-US" sz="8400" spc="-1" strike="noStrike">
+            <a:endParaRPr lang="en-US" sz="8400" b="0" strike="noStrike" spc="-1">
               <a:solidFill>
                 <a:srgbClr val="000000"/>
               </a:solidFill>
@@ -5117,6 +5376,7 @@
         <p:spPr/>
         <p:txBody>
           <a:bodyPr/>
+          <a:lstStyle/>
           <a:p>
             <a:r>
               <a:t>Footer</a:t>
@@ -5137,10 +5397,12 @@
         <p:spPr/>
         <p:txBody>
           <a:bodyPr/>
+          <a:lstStyle/>
           <a:p>
             <a:fld id="{C5E971C3-0554-4AF5-A161-8D93AD02628D}" type="slidenum">
-              <a:t>&lt;#&gt;</a:t>
+              <a:t>‹#›</a:t>
             </a:fld>
+            <a:endParaRPr/>
           </a:p>
         </p:txBody>
       </p:sp>
@@ -5157,27 +5419,29 @@
         <p:spPr/>
         <p:txBody>
           <a:bodyPr/>
-          <a:p>
-            <a:r>
-              <a:rPr lang="en-US"/>
-              <a:t/>
-            </a:r>
+          <a:lstStyle/>
+          <a:p>
+            <a:endParaRPr/>
           </a:p>
         </p:txBody>
       </p:sp>
     </p:spTree>
   </p:cSld>
+  <p:clrMapOvr>
+    <a:masterClrMapping/>
+  </p:clrMapOvr>
 </p:sldLayout>
 </file>
 
 <file path=ppt/slideMasters/slideMaster1.xml><?xml version="1.0" encoding="utf-8"?>
-<p:sldMaster xmlns:a="http://schemas.openxmlformats.org/drawingml/2006/main" xmlns:p="http://schemas.openxmlformats.org/presentationml/2006/main" xmlns:r="http://schemas.openxmlformats.org/officeDocument/2006/relationships" xmlns:p14="http://schemas.microsoft.com/office/powerpoint/2010/main" xmlns:p15="http://schemas.microsoft.com/office/powerpoint/2012/main" xmlns:mc="http://schemas.openxmlformats.org/markup-compatibility/2006">
+<p:sldMaster xmlns:a="http://schemas.openxmlformats.org/drawingml/2006/main" xmlns:r="http://schemas.openxmlformats.org/officeDocument/2006/relationships" xmlns:p="http://schemas.openxmlformats.org/presentationml/2006/main">
   <p:cSld>
     <p:bg>
       <p:bgPr>
         <a:solidFill>
-          <a:srgbClr val="ffffff"/>
+          <a:srgbClr val="FFFFFF"/>
         </a:solidFill>
+        <a:effectLst/>
       </p:bgPr>
     </p:bg>
     <p:spTree>
@@ -5196,7 +5460,7 @@
       </p:grpSpPr>
       <p:sp>
         <p:nvSpPr>
-          <p:cNvPr id="0" name="PlaceHolder 1"/>
+          <p:cNvPr id="5" name="PlaceHolder 1"/>
           <p:cNvSpPr>
             <a:spLocks noGrp="1"/>
           </p:cNvSpPr>
@@ -5221,6 +5485,7 @@
           <a:bodyPr anchor="b">
             <a:noAutofit/>
           </a:bodyPr>
+          <a:lstStyle/>
           <a:p>
             <a:pPr indent="0" algn="ctr">
               <a:lnSpc>
@@ -5229,7 +5494,7 @@
               <a:buNone/>
             </a:pPr>
             <a:r>
-              <a:rPr b="0" lang="en-US" sz="18000" spc="-1" strike="noStrike">
+              <a:rPr lang="en-US" sz="18000" b="0" strike="noStrike" spc="-1">
                 <a:solidFill>
                   <a:srgbClr val="000000"/>
                 </a:solidFill>
@@ -5237,7 +5502,7 @@
               </a:rPr>
               <a:t>Click to edit Master title style</a:t>
             </a:r>
-            <a:endParaRPr b="0" lang="en-US" sz="18000" spc="-1" strike="noStrike">
+            <a:endParaRPr lang="en-US" sz="18000" b="0" strike="noStrike" spc="-1">
               <a:solidFill>
                 <a:srgbClr val="000000"/>
               </a:solidFill>
@@ -5248,7 +5513,7 @@
       </p:sp>
       <p:sp>
         <p:nvSpPr>
-          <p:cNvPr id="1" name="PlaceHolder 2"/>
+          <p:cNvPr id="6" name="PlaceHolder 2"/>
           <p:cNvSpPr>
             <a:spLocks noGrp="1"/>
           </p:cNvSpPr>
@@ -5279,9 +5544,9 @@
                 <a:spcPct val="100000"/>
               </a:lnSpc>
               <a:buNone/>
-              <a:defRPr b="0" lang="en-US" sz="3600" spc="-1" strike="noStrike">
+              <a:defRPr lang="en-US" sz="3600" b="0" strike="noStrike" spc="-1">
                 <a:solidFill>
-                  <a:srgbClr val="8b8b8b"/>
+                  <a:srgbClr val="8B8B8B"/>
                 </a:solidFill>
                 <a:latin typeface="Calibri"/>
               </a:defRPr>
@@ -5295,15 +5560,15 @@
               <a:buNone/>
             </a:pPr>
             <a:r>
-              <a:rPr b="0" lang="en-US" sz="3600" spc="-1" strike="noStrike">
+              <a:rPr lang="en-US" sz="3600" b="0" strike="noStrike" spc="-1">
                 <a:solidFill>
-                  <a:srgbClr val="8b8b8b"/>
+                  <a:srgbClr val="8B8B8B"/>
                 </a:solidFill>
                 <a:latin typeface="Calibri"/>
               </a:rPr>
               <a:t>&lt;date/time&gt;</a:t>
             </a:r>
-            <a:endParaRPr b="0" lang="en-US" sz="3600" spc="-1" strike="noStrike">
+            <a:endParaRPr lang="en-US" sz="3600" b="0" strike="noStrike" spc="-1">
               <a:solidFill>
                 <a:srgbClr val="000000"/>
               </a:solidFill>
@@ -5342,7 +5607,7 @@
           <a:lstStyle>
             <a:lvl1pPr indent="0" algn="ctr">
               <a:buNone/>
-              <a:defRPr b="0" lang="en-US" sz="1400" spc="-1" strike="noStrike">
+              <a:defRPr lang="en-US" sz="1400" b="0" strike="noStrike" spc="-1">
                 <a:solidFill>
                   <a:srgbClr val="000000"/>
                 </a:solidFill>
@@ -5355,7 +5620,7 @@
               <a:buNone/>
             </a:pPr>
             <a:r>
-              <a:rPr b="0" lang="en-US" sz="1400" spc="-1" strike="noStrike">
+              <a:rPr lang="en-US" sz="1400" b="0" strike="noStrike" spc="-1">
                 <a:solidFill>
                   <a:srgbClr val="000000"/>
                 </a:solidFill>
@@ -5363,12 +5628,6 @@
               </a:rPr>
               <a:t>&lt;footer&gt;</a:t>
             </a:r>
-            <a:endParaRPr b="0" lang="en-US" sz="1400" spc="-1" strike="noStrike">
-              <a:solidFill>
-                <a:srgbClr val="000000"/>
-              </a:solidFill>
-              <a:latin typeface="Times New Roman"/>
-            </a:endParaRPr>
           </a:p>
         </p:txBody>
       </p:sp>
@@ -5405,9 +5664,9 @@
                 <a:spcPct val="100000"/>
               </a:lnSpc>
               <a:buNone/>
-              <a:defRPr b="0" lang="en-US" sz="3600" spc="-1" strike="noStrike">
+              <a:defRPr lang="en-US" sz="3600" b="0" strike="noStrike" spc="-1">
                 <a:solidFill>
-                  <a:srgbClr val="8b8b8b"/>
+                  <a:srgbClr val="8B8B8B"/>
                 </a:solidFill>
                 <a:latin typeface="Calibri"/>
               </a:defRPr>
@@ -5421,15 +5680,15 @@
               <a:buNone/>
             </a:pPr>
             <a:fld id="{77D89D04-50EA-4B78-A6FF-D921BCD49050}" type="slidenum">
-              <a:rPr b="0" lang="en-US" sz="3600" spc="-1" strike="noStrike">
+              <a:rPr lang="en-US" sz="3600" b="0" strike="noStrike" spc="-1">
                 <a:solidFill>
-                  <a:srgbClr val="8b8b8b"/>
+                  <a:srgbClr val="8B8B8B"/>
                 </a:solidFill>
                 <a:latin typeface="Calibri"/>
               </a:rPr>
-              <a:t>&lt;number&gt;</a:t>
+              <a:t>‹#›</a:t>
             </a:fld>
-            <a:endParaRPr b="0" lang="en-US" sz="3600" spc="-1" strike="noStrike">
+            <a:endParaRPr lang="en-US" sz="3600" b="0" strike="noStrike" spc="-1">
               <a:solidFill>
                 <a:srgbClr val="000000"/>
               </a:solidFill>
@@ -5462,9 +5721,10 @@
           </a:ln>
         </p:spPr>
         <p:txBody>
-          <a:bodyPr lIns="0" rIns="0" tIns="0" bIns="0" anchor="t">
+          <a:bodyPr lIns="0" tIns="0" rIns="0" bIns="0" anchor="t">
             <a:normAutofit/>
           </a:bodyPr>
+          <a:lstStyle/>
           <a:p>
             <a:pPr marL="432000" indent="-324000">
               <a:lnSpc>
@@ -5481,7 +5741,7 @@
               <a:buChar char=""/>
             </a:pPr>
             <a:r>
-              <a:rPr b="0" lang="en-US" sz="8400" spc="-1" strike="noStrike">
+              <a:rPr lang="en-US" sz="8400" b="0" strike="noStrike" spc="-1">
                 <a:solidFill>
                   <a:srgbClr val="000000"/>
                 </a:solidFill>
@@ -5489,15 +5749,9 @@
               </a:rPr>
               <a:t>Click to edit the outline text format</a:t>
             </a:r>
-            <a:endParaRPr b="0" lang="en-US" sz="8400" spc="-1" strike="noStrike">
-              <a:solidFill>
-                <a:srgbClr val="000000"/>
-              </a:solidFill>
-              <a:latin typeface="Calibri"/>
-            </a:endParaRPr>
-          </a:p>
-          <a:p>
-            <a:pPr lvl="1" marL="864000" indent="-324000">
+          </a:p>
+          <a:p>
+            <a:pPr marL="864000" lvl="1" indent="-324000">
               <a:lnSpc>
                 <a:spcPct val="90000"/>
               </a:lnSpc>
@@ -5512,7 +5766,7 @@
               <a:buChar char=""/>
             </a:pPr>
             <a:r>
-              <a:rPr b="0" lang="en-US" sz="6000" spc="-1" strike="noStrike">
+              <a:rPr lang="en-US" sz="6000" b="0" strike="noStrike" spc="-1">
                 <a:solidFill>
                   <a:srgbClr val="000000"/>
                 </a:solidFill>
@@ -5520,15 +5774,9 @@
               </a:rPr>
               <a:t>Second Outline Level</a:t>
             </a:r>
-            <a:endParaRPr b="0" lang="en-US" sz="6000" spc="-1" strike="noStrike">
-              <a:solidFill>
-                <a:srgbClr val="000000"/>
-              </a:solidFill>
-              <a:latin typeface="Calibri"/>
-            </a:endParaRPr>
-          </a:p>
-          <a:p>
-            <a:pPr lvl="2" marL="1296000" indent="-288000">
+          </a:p>
+          <a:p>
+            <a:pPr marL="1296000" lvl="2" indent="-288000">
               <a:lnSpc>
                 <a:spcPct val="90000"/>
               </a:lnSpc>
@@ -5543,7 +5791,7 @@
               <a:buChar char=""/>
             </a:pPr>
             <a:r>
-              <a:rPr b="0" lang="en-US" sz="5400" spc="-1" strike="noStrike">
+              <a:rPr lang="en-US" sz="5400" b="0" strike="noStrike" spc="-1">
                 <a:solidFill>
                   <a:srgbClr val="000000"/>
                 </a:solidFill>
@@ -5551,15 +5799,9 @@
               </a:rPr>
               <a:t>Third Outline Level</a:t>
             </a:r>
-            <a:endParaRPr b="0" lang="en-US" sz="5400" spc="-1" strike="noStrike">
-              <a:solidFill>
-                <a:srgbClr val="000000"/>
-              </a:solidFill>
-              <a:latin typeface="Calibri"/>
-            </a:endParaRPr>
-          </a:p>
-          <a:p>
-            <a:pPr lvl="3" marL="1728000" indent="-216000">
+          </a:p>
+          <a:p>
+            <a:pPr marL="1728000" lvl="3" indent="-216000">
               <a:lnSpc>
                 <a:spcPct val="90000"/>
               </a:lnSpc>
@@ -5574,7 +5816,7 @@
               <a:buChar char=""/>
             </a:pPr>
             <a:r>
-              <a:rPr b="0" lang="en-US" sz="5400" spc="-1" strike="noStrike">
+              <a:rPr lang="en-US" sz="5400" b="0" strike="noStrike" spc="-1">
                 <a:solidFill>
                   <a:srgbClr val="000000"/>
                 </a:solidFill>
@@ -5582,15 +5824,9 @@
               </a:rPr>
               <a:t>Fourth Outline Level</a:t>
             </a:r>
-            <a:endParaRPr b="0" lang="en-US" sz="5400" spc="-1" strike="noStrike">
-              <a:solidFill>
-                <a:srgbClr val="000000"/>
-              </a:solidFill>
-              <a:latin typeface="Calibri"/>
-            </a:endParaRPr>
-          </a:p>
-          <a:p>
-            <a:pPr lvl="4" marL="2160000" indent="-216000">
+          </a:p>
+          <a:p>
+            <a:pPr marL="2160000" lvl="4" indent="-216000">
               <a:lnSpc>
                 <a:spcPct val="90000"/>
               </a:lnSpc>
@@ -5605,7 +5841,7 @@
               <a:buChar char=""/>
             </a:pPr>
             <a:r>
-              <a:rPr b="0" lang="en-US" sz="2000" spc="-1" strike="noStrike">
+              <a:rPr lang="en-US" sz="2000" b="0" strike="noStrike" spc="-1">
                 <a:solidFill>
                   <a:srgbClr val="000000"/>
                 </a:solidFill>
@@ -5613,15 +5849,9 @@
               </a:rPr>
               <a:t>Fifth Outline Level</a:t>
             </a:r>
-            <a:endParaRPr b="0" lang="en-US" sz="2000" spc="-1" strike="noStrike">
-              <a:solidFill>
-                <a:srgbClr val="000000"/>
-              </a:solidFill>
-              <a:latin typeface="Calibri"/>
-            </a:endParaRPr>
-          </a:p>
-          <a:p>
-            <a:pPr lvl="5" marL="2592000" indent="-216000">
+          </a:p>
+          <a:p>
+            <a:pPr marL="2592000" lvl="5" indent="-216000">
               <a:lnSpc>
                 <a:spcPct val="90000"/>
               </a:lnSpc>
@@ -5636,7 +5866,7 @@
               <a:buChar char=""/>
             </a:pPr>
             <a:r>
-              <a:rPr b="0" lang="en-US" sz="2000" spc="-1" strike="noStrike">
+              <a:rPr lang="en-US" sz="2000" b="0" strike="noStrike" spc="-1">
                 <a:solidFill>
                   <a:srgbClr val="000000"/>
                 </a:solidFill>
@@ -5644,15 +5874,9 @@
               </a:rPr>
               <a:t>Sixth Outline Level</a:t>
             </a:r>
-            <a:endParaRPr b="0" lang="en-US" sz="2000" spc="-1" strike="noStrike">
-              <a:solidFill>
-                <a:srgbClr val="000000"/>
-              </a:solidFill>
-              <a:latin typeface="Calibri"/>
-            </a:endParaRPr>
-          </a:p>
-          <a:p>
-            <a:pPr lvl="6" marL="3024000" indent="-216000">
+          </a:p>
+          <a:p>
+            <a:pPr marL="3024000" lvl="6" indent="-216000">
               <a:lnSpc>
                 <a:spcPct val="90000"/>
               </a:lnSpc>
@@ -5667,7 +5891,7 @@
               <a:buChar char=""/>
             </a:pPr>
             <a:r>
-              <a:rPr b="0" lang="en-US" sz="2000" spc="-1" strike="noStrike">
+              <a:rPr lang="en-US" sz="2000" b="0" strike="noStrike" spc="-1">
                 <a:solidFill>
                   <a:srgbClr val="000000"/>
                 </a:solidFill>
@@ -5675,43 +5899,318 @@
               </a:rPr>
               <a:t>Seventh Outline Level</a:t>
             </a:r>
-            <a:endParaRPr b="0" lang="en-US" sz="2000" spc="-1" strike="noStrike">
-              <a:solidFill>
-                <a:srgbClr val="000000"/>
-              </a:solidFill>
-              <a:latin typeface="Calibri"/>
-            </a:endParaRPr>
           </a:p>
         </p:txBody>
       </p:sp>
     </p:spTree>
   </p:cSld>
-  <p:clrMap bg1="lt1" bg2="lt2" tx1="dk1" tx2="dk2" accent1="accent1" accent2="accent2" accent3="accent3" accent4="accent4" accent5="accent5" accent6="accent6" hlink="hlink" folHlink="folHlink"/>
+  <p:clrMap bg1="lt1" tx1="dk1" bg2="lt2" tx2="dk2" accent1="accent1" accent2="accent2" accent3="accent3" accent4="accent4" accent5="accent5" accent6="accent6" hlink="hlink" folHlink="folHlink"/>
   <p:sldLayoutIdLst>
-    <p:sldLayoutId id="2147483649" r:id="rId2"/>
-    <p:sldLayoutId id="2147483650" r:id="rId3"/>
-    <p:sldLayoutId id="2147483651" r:id="rId4"/>
-    <p:sldLayoutId id="2147483652" r:id="rId5"/>
-    <p:sldLayoutId id="2147483653" r:id="rId6"/>
-    <p:sldLayoutId id="2147483654" r:id="rId7"/>
-    <p:sldLayoutId id="2147483655" r:id="rId8"/>
-    <p:sldLayoutId id="2147483656" r:id="rId9"/>
-    <p:sldLayoutId id="2147483657" r:id="rId10"/>
-    <p:sldLayoutId id="2147483658" r:id="rId11"/>
-    <p:sldLayoutId id="2147483659" r:id="rId12"/>
-    <p:sldLayoutId id="2147483660" r:id="rId13"/>
+    <p:sldLayoutId id="2147483649" r:id="rId1"/>
+    <p:sldLayoutId id="2147483650" r:id="rId2"/>
+    <p:sldLayoutId id="2147483651" r:id="rId3"/>
+    <p:sldLayoutId id="2147483652" r:id="rId4"/>
+    <p:sldLayoutId id="2147483653" r:id="rId5"/>
+    <p:sldLayoutId id="2147483654" r:id="rId6"/>
+    <p:sldLayoutId id="2147483655" r:id="rId7"/>
+    <p:sldLayoutId id="2147483656" r:id="rId8"/>
+    <p:sldLayoutId id="2147483657" r:id="rId9"/>
+    <p:sldLayoutId id="2147483658" r:id="rId10"/>
+    <p:sldLayoutId id="2147483659" r:id="rId11"/>
+    <p:sldLayoutId id="2147483660" r:id="rId12"/>
   </p:sldLayoutIdLst>
+  <p:txStyles>
+    <p:titleStyle>
+      <a:lvl1pPr algn="l" defTabSz="914400" rtl="0" eaLnBrk="1" latinLnBrk="0" hangingPunct="1">
+        <a:lnSpc>
+          <a:spcPct val="90000"/>
+        </a:lnSpc>
+        <a:spcBef>
+          <a:spcPct val="0"/>
+        </a:spcBef>
+        <a:buNone/>
+        <a:defRPr sz="4400" kern="1200">
+          <a:solidFill>
+            <a:schemeClr val="tx1"/>
+          </a:solidFill>
+          <a:latin typeface="+mj-lt"/>
+          <a:ea typeface="+mj-ea"/>
+          <a:cs typeface="+mj-cs"/>
+        </a:defRPr>
+      </a:lvl1pPr>
+    </p:titleStyle>
+    <p:bodyStyle>
+      <a:lvl1pPr marL="228600" indent="-228600" algn="l" defTabSz="914400" rtl="0" eaLnBrk="1" latinLnBrk="0" hangingPunct="1">
+        <a:lnSpc>
+          <a:spcPct val="90000"/>
+        </a:lnSpc>
+        <a:spcBef>
+          <a:spcPts val="1000"/>
+        </a:spcBef>
+        <a:buFont typeface="Arial" panose="020B0604020202020204" pitchFamily="34" charset="0"/>
+        <a:buChar char="•"/>
+        <a:defRPr sz="2800" kern="1200">
+          <a:solidFill>
+            <a:schemeClr val="tx1"/>
+          </a:solidFill>
+          <a:latin typeface="+mn-lt"/>
+          <a:ea typeface="+mn-ea"/>
+          <a:cs typeface="+mn-cs"/>
+        </a:defRPr>
+      </a:lvl1pPr>
+      <a:lvl2pPr marL="685800" indent="-228600" algn="l" defTabSz="914400" rtl="0" eaLnBrk="1" latinLnBrk="0" hangingPunct="1">
+        <a:lnSpc>
+          <a:spcPct val="90000"/>
+        </a:lnSpc>
+        <a:spcBef>
+          <a:spcPts val="500"/>
+        </a:spcBef>
+        <a:buFont typeface="Arial" panose="020B0604020202020204" pitchFamily="34" charset="0"/>
+        <a:buChar char="•"/>
+        <a:defRPr sz="2400" kern="1200">
+          <a:solidFill>
+            <a:schemeClr val="tx1"/>
+          </a:solidFill>
+          <a:latin typeface="+mn-lt"/>
+          <a:ea typeface="+mn-ea"/>
+          <a:cs typeface="+mn-cs"/>
+        </a:defRPr>
+      </a:lvl2pPr>
+      <a:lvl3pPr marL="1143000" indent="-228600" algn="l" defTabSz="914400" rtl="0" eaLnBrk="1" latinLnBrk="0" hangingPunct="1">
+        <a:lnSpc>
+          <a:spcPct val="90000"/>
+        </a:lnSpc>
+        <a:spcBef>
+          <a:spcPts val="500"/>
+        </a:spcBef>
+        <a:buFont typeface="Arial" panose="020B0604020202020204" pitchFamily="34" charset="0"/>
+        <a:buChar char="•"/>
+        <a:defRPr sz="2000" kern="1200">
+          <a:solidFill>
+            <a:schemeClr val="tx1"/>
+          </a:solidFill>
+          <a:latin typeface="+mn-lt"/>
+          <a:ea typeface="+mn-ea"/>
+          <a:cs typeface="+mn-cs"/>
+        </a:defRPr>
+      </a:lvl3pPr>
+      <a:lvl4pPr marL="1600200" indent="-228600" algn="l" defTabSz="914400" rtl="0" eaLnBrk="1" latinLnBrk="0" hangingPunct="1">
+        <a:lnSpc>
+          <a:spcPct val="90000"/>
+        </a:lnSpc>
+        <a:spcBef>
+          <a:spcPts val="500"/>
+        </a:spcBef>
+        <a:buFont typeface="Arial" panose="020B0604020202020204" pitchFamily="34" charset="0"/>
+        <a:buChar char="•"/>
+        <a:defRPr sz="1800" kern="1200">
+          <a:solidFill>
+            <a:schemeClr val="tx1"/>
+          </a:solidFill>
+          <a:latin typeface="+mn-lt"/>
+          <a:ea typeface="+mn-ea"/>
+          <a:cs typeface="+mn-cs"/>
+        </a:defRPr>
+      </a:lvl4pPr>
+      <a:lvl5pPr marL="2057400" indent="-228600" algn="l" defTabSz="914400" rtl="0" eaLnBrk="1" latinLnBrk="0" hangingPunct="1">
+        <a:lnSpc>
+          <a:spcPct val="90000"/>
+        </a:lnSpc>
+        <a:spcBef>
+          <a:spcPts val="500"/>
+        </a:spcBef>
+        <a:buFont typeface="Arial" panose="020B0604020202020204" pitchFamily="34" charset="0"/>
+        <a:buChar char="•"/>
+        <a:defRPr sz="1800" kern="1200">
+          <a:solidFill>
+            <a:schemeClr val="tx1"/>
+          </a:solidFill>
+          <a:latin typeface="+mn-lt"/>
+          <a:ea typeface="+mn-ea"/>
+          <a:cs typeface="+mn-cs"/>
+        </a:defRPr>
+      </a:lvl5pPr>
+      <a:lvl6pPr marL="2514600" indent="-228600" algn="l" defTabSz="914400" rtl="0" eaLnBrk="1" latinLnBrk="0" hangingPunct="1">
+        <a:lnSpc>
+          <a:spcPct val="90000"/>
+        </a:lnSpc>
+        <a:spcBef>
+          <a:spcPts val="500"/>
+        </a:spcBef>
+        <a:buFont typeface="Arial" panose="020B0604020202020204" pitchFamily="34" charset="0"/>
+        <a:buChar char="•"/>
+        <a:defRPr sz="1800" kern="1200">
+          <a:solidFill>
+            <a:schemeClr val="tx1"/>
+          </a:solidFill>
+          <a:latin typeface="+mn-lt"/>
+          <a:ea typeface="+mn-ea"/>
+          <a:cs typeface="+mn-cs"/>
+        </a:defRPr>
+      </a:lvl6pPr>
+      <a:lvl7pPr marL="2971800" indent="-228600" algn="l" defTabSz="914400" rtl="0" eaLnBrk="1" latinLnBrk="0" hangingPunct="1">
+        <a:lnSpc>
+          <a:spcPct val="90000"/>
+        </a:lnSpc>
+        <a:spcBef>
+          <a:spcPts val="500"/>
+        </a:spcBef>
+        <a:buFont typeface="Arial" panose="020B0604020202020204" pitchFamily="34" charset="0"/>
+        <a:buChar char="•"/>
+        <a:defRPr sz="1800" kern="1200">
+          <a:solidFill>
+            <a:schemeClr val="tx1"/>
+          </a:solidFill>
+          <a:latin typeface="+mn-lt"/>
+          <a:ea typeface="+mn-ea"/>
+          <a:cs typeface="+mn-cs"/>
+        </a:defRPr>
+      </a:lvl7pPr>
+      <a:lvl8pPr marL="3429000" indent="-228600" algn="l" defTabSz="914400" rtl="0" eaLnBrk="1" latinLnBrk="0" hangingPunct="1">
+        <a:lnSpc>
+          <a:spcPct val="90000"/>
+        </a:lnSpc>
+        <a:spcBef>
+          <a:spcPts val="500"/>
+        </a:spcBef>
+        <a:buFont typeface="Arial" panose="020B0604020202020204" pitchFamily="34" charset="0"/>
+        <a:buChar char="•"/>
+        <a:defRPr sz="1800" kern="1200">
+          <a:solidFill>
+            <a:schemeClr val="tx1"/>
+          </a:solidFill>
+          <a:latin typeface="+mn-lt"/>
+          <a:ea typeface="+mn-ea"/>
+          <a:cs typeface="+mn-cs"/>
+        </a:defRPr>
+      </a:lvl8pPr>
+      <a:lvl9pPr marL="3886200" indent="-228600" algn="l" defTabSz="914400" rtl="0" eaLnBrk="1" latinLnBrk="0" hangingPunct="1">
+        <a:lnSpc>
+          <a:spcPct val="90000"/>
+        </a:lnSpc>
+        <a:spcBef>
+          <a:spcPts val="500"/>
+        </a:spcBef>
+        <a:buFont typeface="Arial" panose="020B0604020202020204" pitchFamily="34" charset="0"/>
+        <a:buChar char="•"/>
+        <a:defRPr sz="1800" kern="1200">
+          <a:solidFill>
+            <a:schemeClr val="tx1"/>
+          </a:solidFill>
+          <a:latin typeface="+mn-lt"/>
+          <a:ea typeface="+mn-ea"/>
+          <a:cs typeface="+mn-cs"/>
+        </a:defRPr>
+      </a:lvl9pPr>
+    </p:bodyStyle>
+    <p:otherStyle>
+      <a:defPPr>
+        <a:defRPr lang="en-US"/>
+      </a:defPPr>
+      <a:lvl1pPr marL="0" algn="l" defTabSz="914400" rtl="0" eaLnBrk="1" latinLnBrk="0" hangingPunct="1">
+        <a:defRPr sz="1800" kern="1200">
+          <a:solidFill>
+            <a:schemeClr val="tx1"/>
+          </a:solidFill>
+          <a:latin typeface="+mn-lt"/>
+          <a:ea typeface="+mn-ea"/>
+          <a:cs typeface="+mn-cs"/>
+        </a:defRPr>
+      </a:lvl1pPr>
+      <a:lvl2pPr marL="457200" algn="l" defTabSz="914400" rtl="0" eaLnBrk="1" latinLnBrk="0" hangingPunct="1">
+        <a:defRPr sz="1800" kern="1200">
+          <a:solidFill>
+            <a:schemeClr val="tx1"/>
+          </a:solidFill>
+          <a:latin typeface="+mn-lt"/>
+          <a:ea typeface="+mn-ea"/>
+          <a:cs typeface="+mn-cs"/>
+        </a:defRPr>
+      </a:lvl2pPr>
+      <a:lvl3pPr marL="914400" algn="l" defTabSz="914400" rtl="0" eaLnBrk="1" latinLnBrk="0" hangingPunct="1">
+        <a:defRPr sz="1800" kern="1200">
+          <a:solidFill>
+            <a:schemeClr val="tx1"/>
+          </a:solidFill>
+          <a:latin typeface="+mn-lt"/>
+          <a:ea typeface="+mn-ea"/>
+          <a:cs typeface="+mn-cs"/>
+        </a:defRPr>
+      </a:lvl3pPr>
+      <a:lvl4pPr marL="1371600" algn="l" defTabSz="914400" rtl="0" eaLnBrk="1" latinLnBrk="0" hangingPunct="1">
+        <a:defRPr sz="1800" kern="1200">
+          <a:solidFill>
+            <a:schemeClr val="tx1"/>
+          </a:solidFill>
+          <a:latin typeface="+mn-lt"/>
+          <a:ea typeface="+mn-ea"/>
+          <a:cs typeface="+mn-cs"/>
+        </a:defRPr>
+      </a:lvl4pPr>
+      <a:lvl5pPr marL="1828800" algn="l" defTabSz="914400" rtl="0" eaLnBrk="1" latinLnBrk="0" hangingPunct="1">
+        <a:defRPr sz="1800" kern="1200">
+          <a:solidFill>
+            <a:schemeClr val="tx1"/>
+          </a:solidFill>
+          <a:latin typeface="+mn-lt"/>
+          <a:ea typeface="+mn-ea"/>
+          <a:cs typeface="+mn-cs"/>
+        </a:defRPr>
+      </a:lvl5pPr>
+      <a:lvl6pPr marL="2286000" algn="l" defTabSz="914400" rtl="0" eaLnBrk="1" latinLnBrk="0" hangingPunct="1">
+        <a:defRPr sz="1800" kern="1200">
+          <a:solidFill>
+            <a:schemeClr val="tx1"/>
+          </a:solidFill>
+          <a:latin typeface="+mn-lt"/>
+          <a:ea typeface="+mn-ea"/>
+          <a:cs typeface="+mn-cs"/>
+        </a:defRPr>
+      </a:lvl6pPr>
+      <a:lvl7pPr marL="2743200" algn="l" defTabSz="914400" rtl="0" eaLnBrk="1" latinLnBrk="0" hangingPunct="1">
+        <a:defRPr sz="1800" kern="1200">
+          <a:solidFill>
+            <a:schemeClr val="tx1"/>
+          </a:solidFill>
+          <a:latin typeface="+mn-lt"/>
+          <a:ea typeface="+mn-ea"/>
+          <a:cs typeface="+mn-cs"/>
+        </a:defRPr>
+      </a:lvl7pPr>
+      <a:lvl8pPr marL="3200400" algn="l" defTabSz="914400" rtl="0" eaLnBrk="1" latinLnBrk="0" hangingPunct="1">
+        <a:defRPr sz="1800" kern="1200">
+          <a:solidFill>
+            <a:schemeClr val="tx1"/>
+          </a:solidFill>
+          <a:latin typeface="+mn-lt"/>
+          <a:ea typeface="+mn-ea"/>
+          <a:cs typeface="+mn-cs"/>
+        </a:defRPr>
+      </a:lvl8pPr>
+      <a:lvl9pPr marL="3657600" algn="l" defTabSz="914400" rtl="0" eaLnBrk="1" latinLnBrk="0" hangingPunct="1">
+        <a:defRPr sz="1800" kern="1200">
+          <a:solidFill>
+            <a:schemeClr val="tx1"/>
+          </a:solidFill>
+          <a:latin typeface="+mn-lt"/>
+          <a:ea typeface="+mn-ea"/>
+          <a:cs typeface="+mn-cs"/>
+        </a:defRPr>
+      </a:lvl9pPr>
+    </p:otherStyle>
+  </p:txStyles>
 </p:sldMaster>
 </file>
 
 <file path=ppt/slideMasters/slideMaster2.xml><?xml version="1.0" encoding="utf-8"?>
-<p:sldMaster xmlns:a="http://schemas.openxmlformats.org/drawingml/2006/main" xmlns:p="http://schemas.openxmlformats.org/presentationml/2006/main" xmlns:r="http://schemas.openxmlformats.org/officeDocument/2006/relationships" xmlns:p14="http://schemas.microsoft.com/office/powerpoint/2010/main" xmlns:p15="http://schemas.microsoft.com/office/powerpoint/2012/main" xmlns:mc="http://schemas.openxmlformats.org/markup-compatibility/2006">
+<p:sldMaster xmlns:a="http://schemas.openxmlformats.org/drawingml/2006/main" xmlns:r="http://schemas.openxmlformats.org/officeDocument/2006/relationships" xmlns:p="http://schemas.openxmlformats.org/presentationml/2006/main">
   <p:cSld>
     <p:bg>
       <p:bgPr>
         <a:solidFill>
-          <a:srgbClr val="ffffff"/>
+          <a:srgbClr val="FFFFFF"/>
         </a:solidFill>
+        <a:effectLst/>
       </p:bgPr>
     </p:bg>
     <p:spTree>
@@ -5755,6 +6254,7 @@
           <a:bodyPr anchor="ctr">
             <a:noAutofit/>
           </a:bodyPr>
+          <a:lstStyle/>
           <a:p>
             <a:pPr indent="0">
               <a:lnSpc>
@@ -5763,7 +6263,7 @@
               <a:buNone/>
             </a:pPr>
             <a:r>
-              <a:rPr b="0" lang="en-US" sz="13200" spc="-1" strike="noStrike">
+              <a:rPr lang="en-US" sz="13200" b="0" strike="noStrike" spc="-1">
                 <a:solidFill>
                   <a:srgbClr val="000000"/>
                 </a:solidFill>
@@ -5771,7 +6271,7 @@
               </a:rPr>
               <a:t>Click to edit Master title style</a:t>
             </a:r>
-            <a:endParaRPr b="0" lang="en-US" sz="13200" spc="-1" strike="noStrike">
+            <a:endParaRPr lang="en-US" sz="13200" b="0" strike="noStrike" spc="-1">
               <a:solidFill>
                 <a:srgbClr val="000000"/>
               </a:solidFill>
@@ -5807,6 +6307,7 @@
           <a:bodyPr anchor="t">
             <a:noAutofit/>
           </a:bodyPr>
+          <a:lstStyle/>
           <a:p>
             <a:pPr marL="685800" indent="-685800">
               <a:lnSpc>
@@ -5822,7 +6323,7 @@
               <a:buChar char="•"/>
             </a:pPr>
             <a:r>
-              <a:rPr b="0" lang="en-US" sz="8400" spc="-1" strike="noStrike">
+              <a:rPr lang="en-US" sz="8400" b="0" strike="noStrike" spc="-1">
                 <a:solidFill>
                   <a:srgbClr val="000000"/>
                 </a:solidFill>
@@ -5830,15 +6331,9 @@
               </a:rPr>
               <a:t>Click to edit Master text styles</a:t>
             </a:r>
-            <a:endParaRPr b="0" lang="en-US" sz="8400" spc="-1" strike="noStrike">
-              <a:solidFill>
-                <a:srgbClr val="000000"/>
-              </a:solidFill>
-              <a:latin typeface="Calibri"/>
-            </a:endParaRPr>
-          </a:p>
-          <a:p>
-            <a:pPr lvl="1" marL="2057400" indent="-685800">
+          </a:p>
+          <a:p>
+            <a:pPr marL="2057400" lvl="1" indent="-685800">
               <a:lnSpc>
                 <a:spcPct val="90000"/>
               </a:lnSpc>
@@ -5852,7 +6347,7 @@
               <a:buChar char="•"/>
             </a:pPr>
             <a:r>
-              <a:rPr b="0" lang="en-US" sz="7200" spc="-1" strike="noStrike">
+              <a:rPr lang="en-US" sz="7200" b="0" strike="noStrike" spc="-1">
                 <a:solidFill>
                   <a:srgbClr val="000000"/>
                 </a:solidFill>
@@ -5860,15 +6355,9 @@
               </a:rPr>
               <a:t>Second level</a:t>
             </a:r>
-            <a:endParaRPr b="0" lang="en-US" sz="7200" spc="-1" strike="noStrike">
-              <a:solidFill>
-                <a:srgbClr val="000000"/>
-              </a:solidFill>
-              <a:latin typeface="Calibri"/>
-            </a:endParaRPr>
-          </a:p>
-          <a:p>
-            <a:pPr lvl="2" marL="3429000" indent="-685800">
+          </a:p>
+          <a:p>
+            <a:pPr marL="3429000" lvl="2" indent="-685800">
               <a:lnSpc>
                 <a:spcPct val="90000"/>
               </a:lnSpc>
@@ -5882,7 +6371,7 @@
               <a:buChar char="•"/>
             </a:pPr>
             <a:r>
-              <a:rPr b="0" lang="en-US" sz="6000" spc="-1" strike="noStrike">
+              <a:rPr lang="en-US" sz="6000" b="0" strike="noStrike" spc="-1">
                 <a:solidFill>
                   <a:srgbClr val="000000"/>
                 </a:solidFill>
@@ -5890,15 +6379,9 @@
               </a:rPr>
               <a:t>Third level</a:t>
             </a:r>
-            <a:endParaRPr b="0" lang="en-US" sz="6000" spc="-1" strike="noStrike">
-              <a:solidFill>
-                <a:srgbClr val="000000"/>
-              </a:solidFill>
-              <a:latin typeface="Calibri"/>
-            </a:endParaRPr>
-          </a:p>
-          <a:p>
-            <a:pPr lvl="3" marL="4800600" indent="-685800">
+          </a:p>
+          <a:p>
+            <a:pPr marL="4800600" lvl="3" indent="-685800">
               <a:lnSpc>
                 <a:spcPct val="90000"/>
               </a:lnSpc>
@@ -5912,7 +6395,7 @@
               <a:buChar char="•"/>
             </a:pPr>
             <a:r>
-              <a:rPr b="0" lang="en-US" sz="5400" spc="-1" strike="noStrike">
+              <a:rPr lang="en-US" sz="5400" b="0" strike="noStrike" spc="-1">
                 <a:solidFill>
                   <a:srgbClr val="000000"/>
                 </a:solidFill>
@@ -5920,15 +6403,9 @@
               </a:rPr>
               <a:t>Fourth level</a:t>
             </a:r>
-            <a:endParaRPr b="0" lang="en-US" sz="5400" spc="-1" strike="noStrike">
-              <a:solidFill>
-                <a:srgbClr val="000000"/>
-              </a:solidFill>
-              <a:latin typeface="Calibri"/>
-            </a:endParaRPr>
-          </a:p>
-          <a:p>
-            <a:pPr lvl="4" marL="6172200" indent="-685800">
+          </a:p>
+          <a:p>
+            <a:pPr marL="6172200" lvl="4" indent="-685800">
               <a:lnSpc>
                 <a:spcPct val="90000"/>
               </a:lnSpc>
@@ -5942,7 +6419,7 @@
               <a:buChar char="•"/>
             </a:pPr>
             <a:r>
-              <a:rPr b="0" lang="en-US" sz="5400" spc="-1" strike="noStrike">
+              <a:rPr lang="en-US" sz="5400" b="0" strike="noStrike" spc="-1">
                 <a:solidFill>
                   <a:srgbClr val="000000"/>
                 </a:solidFill>
@@ -5950,12 +6427,6 @@
               </a:rPr>
               <a:t>Fifth level</a:t>
             </a:r>
-            <a:endParaRPr b="0" lang="en-US" sz="5400" spc="-1" strike="noStrike">
-              <a:solidFill>
-                <a:srgbClr val="000000"/>
-              </a:solidFill>
-              <a:latin typeface="Calibri"/>
-            </a:endParaRPr>
           </a:p>
         </p:txBody>
       </p:sp>
@@ -5992,9 +6463,9 @@
                 <a:spcPct val="100000"/>
               </a:lnSpc>
               <a:buNone/>
-              <a:defRPr b="0" lang="en-US" sz="3600" spc="-1" strike="noStrike">
+              <a:defRPr lang="en-US" sz="3600" b="0" strike="noStrike" spc="-1">
                 <a:solidFill>
-                  <a:srgbClr val="8b8b8b"/>
+                  <a:srgbClr val="8B8B8B"/>
                 </a:solidFill>
                 <a:latin typeface="Calibri"/>
               </a:defRPr>
@@ -6008,15 +6479,15 @@
               <a:buNone/>
             </a:pPr>
             <a:r>
-              <a:rPr b="0" lang="en-US" sz="3600" spc="-1" strike="noStrike">
+              <a:rPr lang="en-US" sz="3600" b="0" strike="noStrike" spc="-1">
                 <a:solidFill>
-                  <a:srgbClr val="8b8b8b"/>
+                  <a:srgbClr val="8B8B8B"/>
                 </a:solidFill>
                 <a:latin typeface="Calibri"/>
               </a:rPr>
               <a:t>&lt;date/time&gt;</a:t>
             </a:r>
-            <a:endParaRPr b="0" lang="en-US" sz="3600" spc="-1" strike="noStrike">
+            <a:endParaRPr lang="en-US" sz="3600" b="0" strike="noStrike" spc="-1">
               <a:solidFill>
                 <a:srgbClr val="000000"/>
               </a:solidFill>
@@ -6055,7 +6526,7 @@
           <a:lstStyle>
             <a:lvl1pPr indent="0" algn="ctr">
               <a:buNone/>
-              <a:defRPr b="0" lang="en-US" sz="1400" spc="-1" strike="noStrike">
+              <a:defRPr lang="en-US" sz="1400" b="0" strike="noStrike" spc="-1">
                 <a:solidFill>
                   <a:srgbClr val="000000"/>
                 </a:solidFill>
@@ -6068,7 +6539,7 @@
               <a:buNone/>
             </a:pPr>
             <a:r>
-              <a:rPr b="0" lang="en-US" sz="1400" spc="-1" strike="noStrike">
+              <a:rPr lang="en-US" sz="1400" b="0" strike="noStrike" spc="-1">
                 <a:solidFill>
                   <a:srgbClr val="000000"/>
                 </a:solidFill>
@@ -6076,12 +6547,6 @@
               </a:rPr>
               <a:t>&lt;footer&gt;</a:t>
             </a:r>
-            <a:endParaRPr b="0" lang="en-US" sz="1400" spc="-1" strike="noStrike">
-              <a:solidFill>
-                <a:srgbClr val="000000"/>
-              </a:solidFill>
-              <a:latin typeface="Times New Roman"/>
-            </a:endParaRPr>
           </a:p>
         </p:txBody>
       </p:sp>
@@ -6118,9 +6583,9 @@
                 <a:spcPct val="100000"/>
               </a:lnSpc>
               <a:buNone/>
-              <a:defRPr b="0" lang="en-US" sz="3600" spc="-1" strike="noStrike">
+              <a:defRPr lang="en-US" sz="3600" b="0" strike="noStrike" spc="-1">
                 <a:solidFill>
-                  <a:srgbClr val="8b8b8b"/>
+                  <a:srgbClr val="8B8B8B"/>
                 </a:solidFill>
                 <a:latin typeface="Calibri"/>
               </a:defRPr>
@@ -6134,15 +6599,15 @@
               <a:buNone/>
             </a:pPr>
             <a:fld id="{166FE416-D7CB-4277-A78D-BF70C49D9EFC}" type="slidenum">
-              <a:rPr b="0" lang="en-US" sz="3600" spc="-1" strike="noStrike">
+              <a:rPr lang="en-US" sz="3600" b="0" strike="noStrike" spc="-1">
                 <a:solidFill>
-                  <a:srgbClr val="8b8b8b"/>
+                  <a:srgbClr val="8B8B8B"/>
                 </a:solidFill>
                 <a:latin typeface="Calibri"/>
               </a:rPr>
-              <a:t>&lt;number&gt;</a:t>
+              <a:t>‹#›</a:t>
             </a:fld>
-            <a:endParaRPr b="0" lang="en-US" sz="3600" spc="-1" strike="noStrike">
+            <a:endParaRPr lang="en-US" sz="3600" b="0" strike="noStrike" spc="-1">
               <a:solidFill>
                 <a:srgbClr val="000000"/>
               </a:solidFill>
@@ -6153,26 +6618,306 @@
       </p:sp>
     </p:spTree>
   </p:cSld>
-  <p:clrMap bg1="lt1" bg2="lt2" tx1="dk1" tx2="dk2" accent1="accent1" accent2="accent2" accent3="accent3" accent4="accent4" accent5="accent5" accent6="accent6" hlink="hlink" folHlink="folHlink"/>
+  <p:clrMap bg1="lt1" tx1="dk1" bg2="lt2" tx2="dk2" accent1="accent1" accent2="accent2" accent3="accent3" accent4="accent4" accent5="accent5" accent6="accent6" hlink="hlink" folHlink="folHlink"/>
   <p:sldLayoutIdLst>
-    <p:sldLayoutId id="2147483662" r:id="rId2"/>
-    <p:sldLayoutId id="2147483663" r:id="rId3"/>
-    <p:sldLayoutId id="2147483664" r:id="rId4"/>
-    <p:sldLayoutId id="2147483665" r:id="rId5"/>
-    <p:sldLayoutId id="2147483666" r:id="rId6"/>
-    <p:sldLayoutId id="2147483667" r:id="rId7"/>
-    <p:sldLayoutId id="2147483668" r:id="rId8"/>
-    <p:sldLayoutId id="2147483669" r:id="rId9"/>
-    <p:sldLayoutId id="2147483670" r:id="rId10"/>
-    <p:sldLayoutId id="2147483671" r:id="rId11"/>
-    <p:sldLayoutId id="2147483672" r:id="rId12"/>
-    <p:sldLayoutId id="2147483673" r:id="rId13"/>
+    <p:sldLayoutId id="2147483662" r:id="rId1"/>
+    <p:sldLayoutId id="2147483663" r:id="rId2"/>
+    <p:sldLayoutId id="2147483664" r:id="rId3"/>
+    <p:sldLayoutId id="2147483665" r:id="rId4"/>
+    <p:sldLayoutId id="2147483666" r:id="rId5"/>
+    <p:sldLayoutId id="2147483667" r:id="rId6"/>
+    <p:sldLayoutId id="2147483668" r:id="rId7"/>
+    <p:sldLayoutId id="2147483669" r:id="rId8"/>
+    <p:sldLayoutId id="2147483670" r:id="rId9"/>
+    <p:sldLayoutId id="2147483671" r:id="rId10"/>
+    <p:sldLayoutId id="2147483672" r:id="rId11"/>
+    <p:sldLayoutId id="2147483673" r:id="rId12"/>
   </p:sldLayoutIdLst>
+  <p:txStyles>
+    <p:titleStyle>
+      <a:lvl1pPr algn="l" defTabSz="914400" rtl="0" eaLnBrk="1" latinLnBrk="0" hangingPunct="1">
+        <a:lnSpc>
+          <a:spcPct val="90000"/>
+        </a:lnSpc>
+        <a:spcBef>
+          <a:spcPct val="0"/>
+        </a:spcBef>
+        <a:buNone/>
+        <a:defRPr sz="4400" kern="1200">
+          <a:solidFill>
+            <a:schemeClr val="tx1"/>
+          </a:solidFill>
+          <a:latin typeface="+mj-lt"/>
+          <a:ea typeface="+mj-ea"/>
+          <a:cs typeface="+mj-cs"/>
+        </a:defRPr>
+      </a:lvl1pPr>
+    </p:titleStyle>
+    <p:bodyStyle>
+      <a:lvl1pPr marL="228600" indent="-228600" algn="l" defTabSz="914400" rtl="0" eaLnBrk="1" latinLnBrk="0" hangingPunct="1">
+        <a:lnSpc>
+          <a:spcPct val="90000"/>
+        </a:lnSpc>
+        <a:spcBef>
+          <a:spcPts val="1000"/>
+        </a:spcBef>
+        <a:buFont typeface="Arial" panose="020B0604020202020204" pitchFamily="34" charset="0"/>
+        <a:buChar char="•"/>
+        <a:defRPr sz="2800" kern="1200">
+          <a:solidFill>
+            <a:schemeClr val="tx1"/>
+          </a:solidFill>
+          <a:latin typeface="+mn-lt"/>
+          <a:ea typeface="+mn-ea"/>
+          <a:cs typeface="+mn-cs"/>
+        </a:defRPr>
+      </a:lvl1pPr>
+      <a:lvl2pPr marL="685800" indent="-228600" algn="l" defTabSz="914400" rtl="0" eaLnBrk="1" latinLnBrk="0" hangingPunct="1">
+        <a:lnSpc>
+          <a:spcPct val="90000"/>
+        </a:lnSpc>
+        <a:spcBef>
+          <a:spcPts val="500"/>
+        </a:spcBef>
+        <a:buFont typeface="Arial" panose="020B0604020202020204" pitchFamily="34" charset="0"/>
+        <a:buChar char="•"/>
+        <a:defRPr sz="2400" kern="1200">
+          <a:solidFill>
+            <a:schemeClr val="tx1"/>
+          </a:solidFill>
+          <a:latin typeface="+mn-lt"/>
+          <a:ea typeface="+mn-ea"/>
+          <a:cs typeface="+mn-cs"/>
+        </a:defRPr>
+      </a:lvl2pPr>
+      <a:lvl3pPr marL="1143000" indent="-228600" algn="l" defTabSz="914400" rtl="0" eaLnBrk="1" latinLnBrk="0" hangingPunct="1">
+        <a:lnSpc>
+          <a:spcPct val="90000"/>
+        </a:lnSpc>
+        <a:spcBef>
+          <a:spcPts val="500"/>
+        </a:spcBef>
+        <a:buFont typeface="Arial" panose="020B0604020202020204" pitchFamily="34" charset="0"/>
+        <a:buChar char="•"/>
+        <a:defRPr sz="2000" kern="1200">
+          <a:solidFill>
+            <a:schemeClr val="tx1"/>
+          </a:solidFill>
+          <a:latin typeface="+mn-lt"/>
+          <a:ea typeface="+mn-ea"/>
+          <a:cs typeface="+mn-cs"/>
+        </a:defRPr>
+      </a:lvl3pPr>
+      <a:lvl4pPr marL="1600200" indent="-228600" algn="l" defTabSz="914400" rtl="0" eaLnBrk="1" latinLnBrk="0" hangingPunct="1">
+        <a:lnSpc>
+          <a:spcPct val="90000"/>
+        </a:lnSpc>
+        <a:spcBef>
+          <a:spcPts val="500"/>
+        </a:spcBef>
+        <a:buFont typeface="Arial" panose="020B0604020202020204" pitchFamily="34" charset="0"/>
+        <a:buChar char="•"/>
+        <a:defRPr sz="1800" kern="1200">
+          <a:solidFill>
+            <a:schemeClr val="tx1"/>
+          </a:solidFill>
+          <a:latin typeface="+mn-lt"/>
+          <a:ea typeface="+mn-ea"/>
+          <a:cs typeface="+mn-cs"/>
+        </a:defRPr>
+      </a:lvl4pPr>
+      <a:lvl5pPr marL="2057400" indent="-228600" algn="l" defTabSz="914400" rtl="0" eaLnBrk="1" latinLnBrk="0" hangingPunct="1">
+        <a:lnSpc>
+          <a:spcPct val="90000"/>
+        </a:lnSpc>
+        <a:spcBef>
+          <a:spcPts val="500"/>
+        </a:spcBef>
+        <a:buFont typeface="Arial" panose="020B0604020202020204" pitchFamily="34" charset="0"/>
+        <a:buChar char="•"/>
+        <a:defRPr sz="1800" kern="1200">
+          <a:solidFill>
+            <a:schemeClr val="tx1"/>
+          </a:solidFill>
+          <a:latin typeface="+mn-lt"/>
+          <a:ea typeface="+mn-ea"/>
+          <a:cs typeface="+mn-cs"/>
+        </a:defRPr>
+      </a:lvl5pPr>
+      <a:lvl6pPr marL="2514600" indent="-228600" algn="l" defTabSz="914400" rtl="0" eaLnBrk="1" latinLnBrk="0" hangingPunct="1">
+        <a:lnSpc>
+          <a:spcPct val="90000"/>
+        </a:lnSpc>
+        <a:spcBef>
+          <a:spcPts val="500"/>
+        </a:spcBef>
+        <a:buFont typeface="Arial" panose="020B0604020202020204" pitchFamily="34" charset="0"/>
+        <a:buChar char="•"/>
+        <a:defRPr sz="1800" kern="1200">
+          <a:solidFill>
+            <a:schemeClr val="tx1"/>
+          </a:solidFill>
+          <a:latin typeface="+mn-lt"/>
+          <a:ea typeface="+mn-ea"/>
+          <a:cs typeface="+mn-cs"/>
+        </a:defRPr>
+      </a:lvl6pPr>
+      <a:lvl7pPr marL="2971800" indent="-228600" algn="l" defTabSz="914400" rtl="0" eaLnBrk="1" latinLnBrk="0" hangingPunct="1">
+        <a:lnSpc>
+          <a:spcPct val="90000"/>
+        </a:lnSpc>
+        <a:spcBef>
+          <a:spcPts val="500"/>
+        </a:spcBef>
+        <a:buFont typeface="Arial" panose="020B0604020202020204" pitchFamily="34" charset="0"/>
+        <a:buChar char="•"/>
+        <a:defRPr sz="1800" kern="1200">
+          <a:solidFill>
+            <a:schemeClr val="tx1"/>
+          </a:solidFill>
+          <a:latin typeface="+mn-lt"/>
+          <a:ea typeface="+mn-ea"/>
+          <a:cs typeface="+mn-cs"/>
+        </a:defRPr>
+      </a:lvl7pPr>
+      <a:lvl8pPr marL="3429000" indent="-228600" algn="l" defTabSz="914400" rtl="0" eaLnBrk="1" latinLnBrk="0" hangingPunct="1">
+        <a:lnSpc>
+          <a:spcPct val="90000"/>
+        </a:lnSpc>
+        <a:spcBef>
+          <a:spcPts val="500"/>
+        </a:spcBef>
+        <a:buFont typeface="Arial" panose="020B0604020202020204" pitchFamily="34" charset="0"/>
+        <a:buChar char="•"/>
+        <a:defRPr sz="1800" kern="1200">
+          <a:solidFill>
+            <a:schemeClr val="tx1"/>
+          </a:solidFill>
+          <a:latin typeface="+mn-lt"/>
+          <a:ea typeface="+mn-ea"/>
+          <a:cs typeface="+mn-cs"/>
+        </a:defRPr>
+      </a:lvl8pPr>
+      <a:lvl9pPr marL="3886200" indent="-228600" algn="l" defTabSz="914400" rtl="0" eaLnBrk="1" latinLnBrk="0" hangingPunct="1">
+        <a:lnSpc>
+          <a:spcPct val="90000"/>
+        </a:lnSpc>
+        <a:spcBef>
+          <a:spcPts val="500"/>
+        </a:spcBef>
+        <a:buFont typeface="Arial" panose="020B0604020202020204" pitchFamily="34" charset="0"/>
+        <a:buChar char="•"/>
+        <a:defRPr sz="1800" kern="1200">
+          <a:solidFill>
+            <a:schemeClr val="tx1"/>
+          </a:solidFill>
+          <a:latin typeface="+mn-lt"/>
+          <a:ea typeface="+mn-ea"/>
+          <a:cs typeface="+mn-cs"/>
+        </a:defRPr>
+      </a:lvl9pPr>
+    </p:bodyStyle>
+    <p:otherStyle>
+      <a:defPPr>
+        <a:defRPr lang="en-US"/>
+      </a:defPPr>
+      <a:lvl1pPr marL="0" algn="l" defTabSz="914400" rtl="0" eaLnBrk="1" latinLnBrk="0" hangingPunct="1">
+        <a:defRPr sz="1800" kern="1200">
+          <a:solidFill>
+            <a:schemeClr val="tx1"/>
+          </a:solidFill>
+          <a:latin typeface="+mn-lt"/>
+          <a:ea typeface="+mn-ea"/>
+          <a:cs typeface="+mn-cs"/>
+        </a:defRPr>
+      </a:lvl1pPr>
+      <a:lvl2pPr marL="457200" algn="l" defTabSz="914400" rtl="0" eaLnBrk="1" latinLnBrk="0" hangingPunct="1">
+        <a:defRPr sz="1800" kern="1200">
+          <a:solidFill>
+            <a:schemeClr val="tx1"/>
+          </a:solidFill>
+          <a:latin typeface="+mn-lt"/>
+          <a:ea typeface="+mn-ea"/>
+          <a:cs typeface="+mn-cs"/>
+        </a:defRPr>
+      </a:lvl2pPr>
+      <a:lvl3pPr marL="914400" algn="l" defTabSz="914400" rtl="0" eaLnBrk="1" latinLnBrk="0" hangingPunct="1">
+        <a:defRPr sz="1800" kern="1200">
+          <a:solidFill>
+            <a:schemeClr val="tx1"/>
+          </a:solidFill>
+          <a:latin typeface="+mn-lt"/>
+          <a:ea typeface="+mn-ea"/>
+          <a:cs typeface="+mn-cs"/>
+        </a:defRPr>
+      </a:lvl3pPr>
+      <a:lvl4pPr marL="1371600" algn="l" defTabSz="914400" rtl="0" eaLnBrk="1" latinLnBrk="0" hangingPunct="1">
+        <a:defRPr sz="1800" kern="1200">
+          <a:solidFill>
+            <a:schemeClr val="tx1"/>
+          </a:solidFill>
+          <a:latin typeface="+mn-lt"/>
+          <a:ea typeface="+mn-ea"/>
+          <a:cs typeface="+mn-cs"/>
+        </a:defRPr>
+      </a:lvl4pPr>
+      <a:lvl5pPr marL="1828800" algn="l" defTabSz="914400" rtl="0" eaLnBrk="1" latinLnBrk="0" hangingPunct="1">
+        <a:defRPr sz="1800" kern="1200">
+          <a:solidFill>
+            <a:schemeClr val="tx1"/>
+          </a:solidFill>
+          <a:latin typeface="+mn-lt"/>
+          <a:ea typeface="+mn-ea"/>
+          <a:cs typeface="+mn-cs"/>
+        </a:defRPr>
+      </a:lvl5pPr>
+      <a:lvl6pPr marL="2286000" algn="l" defTabSz="914400" rtl="0" eaLnBrk="1" latinLnBrk="0" hangingPunct="1">
+        <a:defRPr sz="1800" kern="1200">
+          <a:solidFill>
+            <a:schemeClr val="tx1"/>
+          </a:solidFill>
+          <a:latin typeface="+mn-lt"/>
+          <a:ea typeface="+mn-ea"/>
+          <a:cs typeface="+mn-cs"/>
+        </a:defRPr>
+      </a:lvl6pPr>
+      <a:lvl7pPr marL="2743200" algn="l" defTabSz="914400" rtl="0" eaLnBrk="1" latinLnBrk="0" hangingPunct="1">
+        <a:defRPr sz="1800" kern="1200">
+          <a:solidFill>
+            <a:schemeClr val="tx1"/>
+          </a:solidFill>
+          <a:latin typeface="+mn-lt"/>
+          <a:ea typeface="+mn-ea"/>
+          <a:cs typeface="+mn-cs"/>
+        </a:defRPr>
+      </a:lvl7pPr>
+      <a:lvl8pPr marL="3200400" algn="l" defTabSz="914400" rtl="0" eaLnBrk="1" latinLnBrk="0" hangingPunct="1">
+        <a:defRPr sz="1800" kern="1200">
+          <a:solidFill>
+            <a:schemeClr val="tx1"/>
+          </a:solidFill>
+          <a:latin typeface="+mn-lt"/>
+          <a:ea typeface="+mn-ea"/>
+          <a:cs typeface="+mn-cs"/>
+        </a:defRPr>
+      </a:lvl8pPr>
+      <a:lvl9pPr marL="3657600" algn="l" defTabSz="914400" rtl="0" eaLnBrk="1" latinLnBrk="0" hangingPunct="1">
+        <a:defRPr sz="1800" kern="1200">
+          <a:solidFill>
+            <a:schemeClr val="tx1"/>
+          </a:solidFill>
+          <a:latin typeface="+mn-lt"/>
+          <a:ea typeface="+mn-ea"/>
+          <a:cs typeface="+mn-cs"/>
+        </a:defRPr>
+      </a:lvl9pPr>
+    </p:otherStyle>
+  </p:txStyles>
 </p:sldMaster>
 </file>
 
 <file path=ppt/slides/slide1.xml><?xml version="1.0" encoding="utf-8"?>
-<p:sld xmlns:a="http://schemas.openxmlformats.org/drawingml/2006/main" xmlns:p="http://schemas.openxmlformats.org/presentationml/2006/main" xmlns:r="http://schemas.openxmlformats.org/officeDocument/2006/relationships" xmlns:p14="http://schemas.microsoft.com/office/powerpoint/2010/main" xmlns:p15="http://schemas.microsoft.com/office/powerpoint/2012/main" xmlns:mc="http://schemas.openxmlformats.org/markup-compatibility/2006">
+<p:sld xmlns:a="http://schemas.openxmlformats.org/drawingml/2006/main" xmlns:r="http://schemas.openxmlformats.org/officeDocument/2006/relationships" xmlns:p="http://schemas.openxmlformats.org/presentationml/2006/main">
   <p:cSld>
     <p:spTree>
       <p:nvGrpSpPr>
@@ -6203,13 +6948,13 @@
             <a:avLst/>
           </a:prstGeom>
           <a:solidFill>
-            <a:srgbClr val="a269e3"/>
+            <a:srgbClr val="A269E3"/>
           </a:solidFill>
           <a:ln>
             <a:noFill/>
           </a:ln>
           <a:effectLst>
-            <a:outerShdw algn="t" blurRad="635040" dir="5400000" dist="76320" rotWithShape="0">
+            <a:outerShdw blurRad="635040" dist="76320" dir="5400000" algn="t" rotWithShape="0">
               <a:srgbClr val="000000">
                 <a:alpha val="40000"/>
               </a:srgbClr>
@@ -6231,16 +6976,17 @@
           <a:fontRef idx="minor"/>
         </p:style>
         <p:txBody>
-          <a:bodyPr lIns="90000" rIns="90000" tIns="45000" bIns="45000" anchor="ctr">
+          <a:bodyPr lIns="90000" tIns="45000" rIns="90000" bIns="45000" anchor="ctr">
             <a:noAutofit/>
           </a:bodyPr>
+          <a:lstStyle/>
           <a:p>
             <a:pPr algn="ctr">
               <a:lnSpc>
                 <a:spcPct val="100000"/>
               </a:lnSpc>
             </a:pPr>
-            <a:endParaRPr b="0" lang="en-US" sz="6910" spc="-1" strike="noStrike">
+            <a:endParaRPr lang="en-US" sz="6910" b="0" strike="noStrike" spc="-1">
               <a:solidFill>
                 <a:schemeClr val="lt1"/>
               </a:solidFill>
@@ -6264,7 +7010,7 @@
             <a:avLst/>
           </a:prstGeom>
           <a:solidFill>
-            <a:srgbClr val="c3aaff"/>
+            <a:srgbClr val="C3AAFF"/>
           </a:solidFill>
           <a:ln>
             <a:noFill/>
@@ -6285,16 +7031,17 @@
           <a:fontRef idx="minor"/>
         </p:style>
         <p:txBody>
-          <a:bodyPr lIns="90000" rIns="90000" tIns="45000" bIns="45000" anchor="ctr">
+          <a:bodyPr lIns="90000" tIns="45000" rIns="90000" bIns="45000" anchor="ctr">
             <a:noAutofit/>
           </a:bodyPr>
+          <a:lstStyle/>
           <a:p>
             <a:pPr algn="ctr">
               <a:lnSpc>
                 <a:spcPct val="100000"/>
               </a:lnSpc>
             </a:pPr>
-            <a:endParaRPr b="0" lang="en-US" sz="6910" spc="-1" strike="noStrike">
+            <a:endParaRPr lang="en-US" sz="6910" b="0" strike="noStrike" spc="-1">
               <a:solidFill>
                 <a:schemeClr val="lt1"/>
               </a:solidFill>
@@ -6323,15 +7070,22 @@
           </a:ln>
         </p:spPr>
         <p:style>
-          <a:lnRef idx="0"/>
-          <a:fillRef idx="0"/>
-          <a:effectRef idx="0"/>
+          <a:lnRef idx="0">
+            <a:scrgbClr r="0" g="0" b="0"/>
+          </a:lnRef>
+          <a:fillRef idx="0">
+            <a:scrgbClr r="0" g="0" b="0"/>
+          </a:fillRef>
+          <a:effectRef idx="0">
+            <a:scrgbClr r="0" g="0" b="0"/>
+          </a:effectRef>
           <a:fontRef idx="minor"/>
         </p:style>
         <p:txBody>
-          <a:bodyPr wrap="none" lIns="90000" rIns="90000" tIns="45000" bIns="45000" anchor="t">
+          <a:bodyPr wrap="none" lIns="90000" tIns="45000" rIns="90000" bIns="45000" anchor="t">
             <a:spAutoFit/>
           </a:bodyPr>
+          <a:lstStyle/>
           <a:p>
             <a:pPr>
               <a:lnSpc>
@@ -6339,7 +7093,7 @@
               </a:lnSpc>
             </a:pPr>
             <a:r>
-              <a:rPr b="0" lang="en-US" sz="4800" spc="-1" strike="noStrike">
+              <a:rPr lang="en-US" sz="4800" b="0" strike="noStrike" spc="-1">
                 <a:solidFill>
                   <a:srgbClr val="000000"/>
                 </a:solidFill>
@@ -6348,7 +7102,7 @@
               </a:rPr>
               <a:t>Advisor Name:</a:t>
             </a:r>
-            <a:endParaRPr b="0" lang="en-US" sz="4800" spc="-1" strike="noStrike">
+            <a:endParaRPr lang="en-US" sz="4800" b="0" strike="noStrike" spc="-1">
               <a:solidFill>
                 <a:srgbClr val="000000"/>
               </a:solidFill>
@@ -6361,7 +7115,7 @@
                 <a:spcPct val="100000"/>
               </a:lnSpc>
             </a:pPr>
-            <a:endParaRPr b="0" lang="en-US" sz="4800" spc="-1" strike="noStrike">
+            <a:endParaRPr lang="en-US" sz="4800" b="0" strike="noStrike" spc="-1">
               <a:solidFill>
                 <a:srgbClr val="000000"/>
               </a:solidFill>
@@ -6375,7 +7129,7 @@
               </a:lnSpc>
             </a:pPr>
             <a:r>
-              <a:rPr b="0" lang="en-US" sz="4800" spc="-1" strike="noStrike">
+              <a:rPr lang="en-US" sz="4800" b="0" strike="noStrike" spc="-1">
                 <a:solidFill>
                   <a:srgbClr val="000000"/>
                 </a:solidFill>
@@ -6384,7 +7138,7 @@
               </a:rPr>
               <a:t>Grand Canyon University</a:t>
             </a:r>
-            <a:endParaRPr b="0" lang="en-US" sz="4800" spc="-1" strike="noStrike">
+            <a:endParaRPr lang="en-US" sz="4800" b="0" strike="noStrike" spc="-1">
               <a:solidFill>
                 <a:srgbClr val="000000"/>
               </a:solidFill>
@@ -6413,15 +7167,22 @@
           </a:ln>
         </p:spPr>
         <p:style>
-          <a:lnRef idx="0"/>
-          <a:fillRef idx="0"/>
-          <a:effectRef idx="0"/>
+          <a:lnRef idx="0">
+            <a:scrgbClr r="0" g="0" b="0"/>
+          </a:lnRef>
+          <a:fillRef idx="0">
+            <a:scrgbClr r="0" g="0" b="0"/>
+          </a:fillRef>
+          <a:effectRef idx="0">
+            <a:scrgbClr r="0" g="0" b="0"/>
+          </a:effectRef>
           <a:fontRef idx="minor"/>
         </p:style>
         <p:txBody>
-          <a:bodyPr lIns="90000" rIns="90000" tIns="45000" bIns="45000" anchor="t">
+          <a:bodyPr lIns="90000" tIns="45000" rIns="90000" bIns="45000" anchor="t">
             <a:spAutoFit/>
           </a:bodyPr>
+          <a:lstStyle/>
           <a:p>
             <a:pPr algn="ctr">
               <a:lnSpc>
@@ -6429,7 +7190,7 @@
               </a:lnSpc>
             </a:pPr>
             <a:r>
-              <a:rPr b="1" lang="en-US" sz="8000" spc="-1" strike="noStrike">
+              <a:rPr lang="en-US" sz="8000" b="1" strike="noStrike" spc="-1">
                 <a:solidFill>
                   <a:srgbClr val="000000"/>
                 </a:solidFill>
@@ -6438,7 +7199,7 @@
               </a:rPr>
               <a:t>The Utilization of Artificial Intelligence to Diagnose Tumors</a:t>
             </a:r>
-            <a:endParaRPr b="0" lang="en-US" sz="8000" spc="-1" strike="noStrike">
+            <a:endParaRPr lang="en-US" sz="8000" b="0" strike="noStrike" spc="-1">
               <a:solidFill>
                 <a:srgbClr val="000000"/>
               </a:solidFill>
@@ -6452,7 +7213,7 @@
               </a:lnSpc>
             </a:pPr>
             <a:r>
-              <a:rPr b="0" lang="en-US" sz="4800" spc="-1" strike="noStrike">
+              <a:rPr lang="en-US" sz="4800" b="0" strike="noStrike" spc="-1">
                 <a:solidFill>
                   <a:srgbClr val="000000"/>
                 </a:solidFill>
@@ -6461,7 +7222,7 @@
               </a:rPr>
               <a:t>Wilson B. Peguero Rosario</a:t>
             </a:r>
-            <a:endParaRPr b="0" lang="en-US" sz="4800" spc="-1" strike="noStrike">
+            <a:endParaRPr lang="en-US" sz="4800" b="0" strike="noStrike" spc="-1">
               <a:solidFill>
                 <a:srgbClr val="000000"/>
               </a:solidFill>
@@ -6496,7 +7257,7 @@
             <a:noFill/>
           </a:ln>
           <a:effectLst>
-            <a:outerShdw algn="tr" blurRad="635040" dir="8100000" dist="75858" rotWithShape="0">
+            <a:outerShdw blurRad="635040" dist="75858" dir="8100000" algn="tr" rotWithShape="0">
               <a:srgbClr val="000000">
                 <a:alpha val="40000"/>
               </a:srgbClr>
@@ -6518,9 +7279,10 @@
           <a:fontRef idx="minor"/>
         </p:style>
         <p:txBody>
-          <a:bodyPr lIns="90000" rIns="90000" tIns="45000" bIns="45000" anchor="ctr">
+          <a:bodyPr lIns="90000" tIns="45000" rIns="90000" bIns="45000" anchor="ctr">
             <a:noAutofit/>
           </a:bodyPr>
+          <a:lstStyle/>
           <a:p>
             <a:pPr algn="ctr">
               <a:lnSpc>
@@ -6528,7 +7290,7 @@
               </a:lnSpc>
             </a:pPr>
             <a:r>
-              <a:rPr b="0" lang="en-US" sz="6000" spc="-1" strike="noStrike" u="sng">
+              <a:rPr lang="en-US" sz="6000" b="0" u="sng" strike="noStrike" spc="-1" dirty="0">
                 <a:solidFill>
                   <a:srgbClr val="000000"/>
                 </a:solidFill>
@@ -6538,7 +7300,7 @@
               </a:rPr>
               <a:t>Context &amp; Background</a:t>
             </a:r>
-            <a:endParaRPr b="0" lang="en-US" sz="6000" spc="-1" strike="noStrike">
+            <a:endParaRPr lang="en-US" sz="6000" b="0" strike="noStrike" spc="-1" dirty="0">
               <a:solidFill>
                 <a:srgbClr val="000000"/>
               </a:solidFill>
@@ -6557,7 +7319,7 @@
               <a:buChar char="•"/>
             </a:pPr>
             <a:r>
-              <a:rPr b="0" lang="en-US" sz="4400" spc="-1" strike="noStrike">
+              <a:rPr lang="en-US" sz="4400" b="0" strike="noStrike" spc="-1" dirty="0">
                 <a:solidFill>
                   <a:srgbClr val="000000"/>
                 </a:solidFill>
@@ -6566,7 +7328,7 @@
               </a:rPr>
               <a:t>Use deep learning algorithms to classify DICOM images of possible tumors as benign or malignant</a:t>
             </a:r>
-            <a:endParaRPr b="0" lang="en-US" sz="4400" spc="-1" strike="noStrike">
+            <a:endParaRPr lang="en-US" sz="4400" b="0" strike="noStrike" spc="-1" dirty="0">
               <a:solidFill>
                 <a:srgbClr val="000000"/>
               </a:solidFill>
@@ -6585,7 +7347,7 @@
               <a:buChar char="•"/>
             </a:pPr>
             <a:r>
-              <a:rPr b="0" lang="en-US" sz="4400" spc="-1" strike="noStrike">
+              <a:rPr lang="en-US" sz="4400" b="0" strike="noStrike" spc="-1" dirty="0">
                 <a:solidFill>
                   <a:srgbClr val="000000"/>
                 </a:solidFill>
@@ -6594,7 +7356,7 @@
               </a:rPr>
               <a:t>Initial application will be based on retrospective mammograms.</a:t>
             </a:r>
-            <a:endParaRPr b="0" lang="en-US" sz="4400" spc="-1" strike="noStrike">
+            <a:endParaRPr lang="en-US" sz="4400" b="0" strike="noStrike" spc="-1" dirty="0">
               <a:solidFill>
                 <a:srgbClr val="000000"/>
               </a:solidFill>
@@ -6602,7 +7364,7 @@
             </a:endParaRPr>
           </a:p>
           <a:p>
-            <a:pPr lvl="1" marL="2612880" indent="-857160" algn="just">
+            <a:pPr marL="2612880" lvl="1" indent="-857160" algn="just">
               <a:lnSpc>
                 <a:spcPct val="100000"/>
               </a:lnSpc>
@@ -6613,7 +7375,7 @@
               <a:buChar char="•"/>
             </a:pPr>
             <a:r>
-              <a:rPr b="0" lang="en-US" sz="4400" spc="-1" strike="noStrike">
+              <a:rPr lang="en-US" sz="4400" b="0" strike="noStrike" spc="-1" dirty="0">
                 <a:solidFill>
                   <a:srgbClr val="000000"/>
                 </a:solidFill>
@@ -6622,7 +7384,7 @@
               </a:rPr>
               <a:t>Metadata available will be used to assist the algorithm.</a:t>
             </a:r>
-            <a:endParaRPr b="0" lang="en-US" sz="4400" spc="-1" strike="noStrike">
+            <a:endParaRPr lang="en-US" sz="4400" b="0" strike="noStrike" spc="-1" dirty="0">
               <a:solidFill>
                 <a:srgbClr val="000000"/>
               </a:solidFill>
@@ -6636,7 +7398,7 @@
               </a:lnSpc>
             </a:pPr>
             <a:r>
-              <a:rPr b="0" lang="en-US" sz="6000" spc="-1" strike="noStrike" u="sng">
+              <a:rPr lang="en-US" sz="6000" b="0" u="sng" strike="noStrike" spc="-1" dirty="0">
                 <a:solidFill>
                   <a:srgbClr val="000000"/>
                 </a:solidFill>
@@ -6646,7 +7408,7 @@
               </a:rPr>
               <a:t>Research Question</a:t>
             </a:r>
-            <a:endParaRPr b="0" lang="en-US" sz="6000" spc="-1" strike="noStrike">
+            <a:endParaRPr lang="en-US" sz="6000" b="0" strike="noStrike" spc="-1" dirty="0">
               <a:solidFill>
                 <a:srgbClr val="000000"/>
               </a:solidFill>
@@ -6660,7 +7422,7 @@
               </a:lnSpc>
             </a:pPr>
             <a:r>
-              <a:rPr b="0" lang="en-US" sz="4400" spc="-1" strike="noStrike">
+              <a:rPr lang="en-US" sz="4400" b="0" strike="noStrike" spc="-1" dirty="0">
                 <a:solidFill>
                   <a:srgbClr val="000000"/>
                 </a:solidFill>
@@ -6669,7 +7431,7 @@
               </a:rPr>
               <a:t>Can machine learning algorithms be used to mitigate the demand for radiologists?</a:t>
             </a:r>
-            <a:endParaRPr b="0" lang="en-US" sz="4400" spc="-1" strike="noStrike">
+            <a:endParaRPr lang="en-US" sz="4400" b="0" strike="noStrike" spc="-1" dirty="0">
               <a:solidFill>
                 <a:srgbClr val="000000"/>
               </a:solidFill>
@@ -6704,7 +7466,7 @@
             <a:noFill/>
           </a:ln>
           <a:effectLst>
-            <a:outerShdw algn="tr" blurRad="635040" dir="8100000" dist="75858" rotWithShape="0">
+            <a:outerShdw blurRad="635040" dist="75858" dir="8100000" algn="tr" rotWithShape="0">
               <a:srgbClr val="000000">
                 <a:alpha val="40000"/>
               </a:srgbClr>
@@ -6726,21 +7488,22 @@
           <a:fontRef idx="minor"/>
         </p:style>
         <p:txBody>
-          <a:bodyPr lIns="90000" rIns="90000" tIns="45000" bIns="45000" anchor="ctr">
+          <a:bodyPr lIns="90000" tIns="45000" rIns="90000" bIns="45000" anchor="b">
             <a:noAutofit/>
           </a:bodyPr>
+          <a:lstStyle/>
           <a:p>
             <a:pPr algn="ctr">
               <a:lnSpc>
                 <a:spcPct val="100000"/>
               </a:lnSpc>
             </a:pPr>
-            <a:endParaRPr b="0" lang="en-US" sz="6910" spc="-1" strike="noStrike">
-              <a:solidFill>
-                <a:schemeClr val="lt1"/>
-              </a:solidFill>
-              <a:latin typeface="Calibri"/>
-            </a:endParaRPr>
+            <a:r>
+              <a:rPr lang="en-US" sz="4000" b="0" strike="noStrike" spc="-1" dirty="0">
+                <a:latin typeface="Calibri"/>
+              </a:rPr>
+              <a:t>Machine Learning Model Flow Chart</a:t>
+            </a:r>
           </a:p>
         </p:txBody>
       </p:sp>
@@ -6770,7 +7533,7 @@
             <a:noFill/>
           </a:ln>
           <a:effectLst>
-            <a:outerShdw algn="tr" blurRad="635040" dir="8100000" dist="75858" rotWithShape="0">
+            <a:outerShdw blurRad="635040" dist="75858" dir="8100000" algn="tr" rotWithShape="0">
               <a:srgbClr val="000000">
                 <a:alpha val="40000"/>
               </a:srgbClr>
@@ -6792,12 +7555,152 @@
           <a:fontRef idx="minor"/>
         </p:style>
         <p:txBody>
-          <a:bodyPr lIns="90000" rIns="90000" tIns="45000" bIns="45000" anchor="ctr">
+          <a:bodyPr lIns="90000" tIns="45000" rIns="90000" bIns="45000" anchor="t">
             <a:noAutofit/>
           </a:bodyPr>
+          <a:lstStyle/>
           <a:p>
             <a:pPr algn="ctr"/>
-            <a:endParaRPr b="0" lang="en-US" sz="3200" spc="-1" strike="noStrike">
+            <a:r>
+              <a:rPr lang="en-US" sz="6000" u="sng" spc="-1" dirty="0">
+                <a:solidFill>
+                  <a:srgbClr val="000000"/>
+                </a:solidFill>
+                <a:latin typeface="Roboto"/>
+                <a:ea typeface="Roboto"/>
+              </a:rPr>
+              <a:t>Implications</a:t>
+            </a:r>
+          </a:p>
+          <a:p>
+            <a:pPr marL="571500" indent="-571500" algn="just">
+              <a:buFont typeface="Arial" panose="020B0604020202020204" pitchFamily="34" charset="0"/>
+              <a:buChar char="•"/>
+            </a:pPr>
+            <a:r>
+              <a:rPr lang="en-US" sz="4400" spc="-1" dirty="0">
+                <a:solidFill>
+                  <a:srgbClr val="000000"/>
+                </a:solidFill>
+                <a:latin typeface="Roboto"/>
+                <a:ea typeface="Roboto"/>
+              </a:rPr>
+              <a:t>Patient Benefits</a:t>
+            </a:r>
+          </a:p>
+          <a:p>
+            <a:pPr marL="1028700" lvl="1" indent="-571500" algn="just">
+              <a:buFont typeface="Arial" panose="020B0604020202020204" pitchFamily="34" charset="0"/>
+              <a:buChar char="•"/>
+            </a:pPr>
+            <a:r>
+              <a:rPr lang="en-US" sz="4400" b="0" strike="noStrike" spc="-1" dirty="0">
+                <a:solidFill>
+                  <a:srgbClr val="000000"/>
+                </a:solidFill>
+                <a:latin typeface="Roboto"/>
+                <a:ea typeface="Roboto"/>
+              </a:rPr>
+              <a:t>Faster Diagnosi</a:t>
+            </a:r>
+            <a:r>
+              <a:rPr lang="en-US" sz="4400" spc="-1" dirty="0">
+                <a:solidFill>
+                  <a:srgbClr val="000000"/>
+                </a:solidFill>
+                <a:latin typeface="Roboto"/>
+                <a:ea typeface="Roboto"/>
+              </a:rPr>
+              <a:t>s</a:t>
+            </a:r>
+          </a:p>
+          <a:p>
+            <a:pPr marL="1028700" lvl="1" indent="-571500" algn="just">
+              <a:buFont typeface="Arial" panose="020B0604020202020204" pitchFamily="34" charset="0"/>
+              <a:buChar char="•"/>
+            </a:pPr>
+            <a:r>
+              <a:rPr lang="en-US" sz="4400" b="0" strike="noStrike" spc="-1" dirty="0">
+                <a:solidFill>
+                  <a:srgbClr val="000000"/>
+                </a:solidFill>
+                <a:latin typeface="Roboto"/>
+                <a:ea typeface="Roboto"/>
+              </a:rPr>
+              <a:t>Decrease in misdiagnosis</a:t>
+            </a:r>
+          </a:p>
+          <a:p>
+            <a:pPr marL="571500" indent="-571500" algn="just">
+              <a:buFont typeface="Arial" panose="020B0604020202020204" pitchFamily="34" charset="0"/>
+              <a:buChar char="•"/>
+            </a:pPr>
+            <a:r>
+              <a:rPr lang="en-US" sz="4400" spc="-1" dirty="0">
+                <a:solidFill>
+                  <a:srgbClr val="000000"/>
+                </a:solidFill>
+                <a:latin typeface="Roboto"/>
+                <a:ea typeface="Roboto"/>
+              </a:rPr>
+              <a:t>Overall Benefits</a:t>
+            </a:r>
+          </a:p>
+          <a:p>
+            <a:pPr marL="1028700" lvl="1" indent="-571500" algn="just">
+              <a:buFont typeface="Arial" panose="020B0604020202020204" pitchFamily="34" charset="0"/>
+              <a:buChar char="•"/>
+            </a:pPr>
+            <a:r>
+              <a:rPr lang="en-US" sz="4400" b="0" strike="noStrike" spc="-1" dirty="0">
+                <a:solidFill>
+                  <a:srgbClr val="000000"/>
+                </a:solidFill>
+                <a:latin typeface="Roboto"/>
+                <a:ea typeface="Roboto"/>
+              </a:rPr>
+              <a:t>Versatility in Diagnosis (able to diagnose using any modality/ medical history)</a:t>
+            </a:r>
+          </a:p>
+          <a:p>
+            <a:pPr marL="1028700" lvl="1" indent="-571500" algn="just">
+              <a:buFont typeface="Arial" panose="020B0604020202020204" pitchFamily="34" charset="0"/>
+              <a:buChar char="•"/>
+            </a:pPr>
+            <a:r>
+              <a:rPr lang="en-US" sz="4400" b="0" strike="noStrike" spc="-1" dirty="0">
+                <a:solidFill>
+                  <a:srgbClr val="000000"/>
+                </a:solidFill>
+                <a:latin typeface="Roboto"/>
+                <a:ea typeface="Roboto"/>
+              </a:rPr>
+              <a:t>Future version may pinpoint tumor for </a:t>
+            </a:r>
+            <a:r>
+              <a:rPr lang="en-US" sz="4400" spc="-1" dirty="0">
+                <a:solidFill>
+                  <a:srgbClr val="000000"/>
+                </a:solidFill>
+                <a:latin typeface="Roboto"/>
+                <a:ea typeface="Roboto"/>
+              </a:rPr>
+              <a:t>surgical extraction</a:t>
+            </a:r>
+            <a:endParaRPr lang="en-US" sz="4400" b="0" strike="noStrike" spc="-1" dirty="0">
+              <a:solidFill>
+                <a:srgbClr val="000000"/>
+              </a:solidFill>
+              <a:latin typeface="Roboto"/>
+              <a:ea typeface="Roboto"/>
+            </a:endParaRPr>
+          </a:p>
+          <a:p>
+            <a:pPr marL="1028700" lvl="1" indent="-571500" algn="just">
+              <a:buFont typeface="Arial" panose="020B0604020202020204" pitchFamily="34" charset="0"/>
+              <a:buChar char="•"/>
+            </a:pPr>
+            <a:endParaRPr lang="en-US" sz="4400" b="0" strike="noStrike" spc="-1" dirty="0">
               <a:solidFill>
                 <a:srgbClr val="000000"/>
               </a:solidFill>
@@ -6833,7 +7736,7 @@
             <a:noFill/>
           </a:ln>
           <a:effectLst>
-            <a:outerShdw algn="tr" blurRad="635040" dir="8100000" dist="75858" rotWithShape="0">
+            <a:outerShdw blurRad="635040" dist="75858" dir="8100000" algn="tr" rotWithShape="0">
               <a:srgbClr val="000000">
                 <a:alpha val="40000"/>
               </a:srgbClr>
@@ -6855,16 +7758,102 @@
           <a:fontRef idx="minor"/>
         </p:style>
         <p:txBody>
-          <a:bodyPr lIns="90000" rIns="90000" tIns="45000" bIns="45000" anchor="ctr">
+          <a:bodyPr lIns="90000" tIns="45000" rIns="90000" bIns="45000" anchor="t">
             <a:noAutofit/>
           </a:bodyPr>
+          <a:lstStyle/>
+          <a:p>
+            <a:pPr algn="ctr">
+              <a:lnSpc>
+                <a:spcPct val="100000"/>
+              </a:lnSpc>
+            </a:pPr>
+            <a:r>
+              <a:rPr lang="en-US" sz="6000" b="0" u="sng" strike="noStrike" spc="-1" dirty="0">
+                <a:solidFill>
+                  <a:srgbClr val="000000"/>
+                </a:solidFill>
+                <a:latin typeface="Arial"/>
+              </a:rPr>
+              <a:t>Materials and Methods</a:t>
+            </a:r>
+          </a:p>
           <a:p>
             <a:pPr>
               <a:lnSpc>
                 <a:spcPct val="100000"/>
               </a:lnSpc>
             </a:pPr>
-            <a:endParaRPr b="0" lang="en-US" sz="4000" spc="-1" strike="noStrike">
+            <a:endParaRPr lang="en-US" sz="4000" b="0" strike="noStrike" spc="-1" dirty="0">
+              <a:solidFill>
+                <a:srgbClr val="000000"/>
+              </a:solidFill>
+              <a:latin typeface="Arial"/>
+            </a:endParaRPr>
+          </a:p>
+          <a:p>
+            <a:pPr marL="571500" indent="-571500">
+              <a:lnSpc>
+                <a:spcPct val="100000"/>
+              </a:lnSpc>
+              <a:buFont typeface="Arial" panose="020B0604020202020204" pitchFamily="34" charset="0"/>
+              <a:buChar char="•"/>
+            </a:pPr>
+            <a:r>
+              <a:rPr lang="en-US" sz="4400" b="0" strike="noStrike" spc="-1" dirty="0">
+                <a:solidFill>
+                  <a:srgbClr val="000000"/>
+                </a:solidFill>
+                <a:latin typeface="Arial"/>
+              </a:rPr>
+              <a:t>TensorFlow Platform</a:t>
+            </a:r>
+          </a:p>
+          <a:p>
+            <a:pPr marL="571500" indent="-571500">
+              <a:lnSpc>
+                <a:spcPct val="100000"/>
+              </a:lnSpc>
+              <a:buFont typeface="Arial" panose="020B0604020202020204" pitchFamily="34" charset="0"/>
+              <a:buChar char="•"/>
+            </a:pPr>
+            <a:r>
+              <a:rPr lang="en-US" sz="4400" spc="-1" dirty="0">
+                <a:solidFill>
+                  <a:srgbClr val="000000"/>
+                </a:solidFill>
+                <a:latin typeface="Arial"/>
+              </a:rPr>
+              <a:t>Dash library for building Dashboards</a:t>
+            </a:r>
+          </a:p>
+          <a:p>
+            <a:pPr marL="571500" indent="-571500">
+              <a:lnSpc>
+                <a:spcPct val="100000"/>
+              </a:lnSpc>
+              <a:buFont typeface="Arial" panose="020B0604020202020204" pitchFamily="34" charset="0"/>
+              <a:buChar char="•"/>
+            </a:pPr>
+            <a:r>
+              <a:rPr lang="en-US" sz="4400" b="0" strike="noStrike" spc="-1" dirty="0">
+                <a:solidFill>
+                  <a:srgbClr val="000000"/>
+                </a:solidFill>
+                <a:latin typeface="Arial"/>
+              </a:rPr>
+              <a:t>DICOM data set from TCIA</a:t>
+            </a:r>
+          </a:p>
+          <a:p>
+            <a:pPr marL="571500" indent="-571500">
+              <a:lnSpc>
+                <a:spcPct val="100000"/>
+              </a:lnSpc>
+              <a:buFont typeface="Arial" panose="020B0604020202020204" pitchFamily="34" charset="0"/>
+              <a:buChar char="•"/>
+            </a:pPr>
+            <a:endParaRPr lang="en-US" sz="4400" b="0" strike="noStrike" spc="-1" dirty="0">
               <a:solidFill>
                 <a:srgbClr val="000000"/>
               </a:solidFill>
@@ -6877,7 +7866,7 @@
                 <a:spcPct val="100000"/>
               </a:lnSpc>
             </a:pPr>
-            <a:endParaRPr b="0" lang="en-US" sz="4000" spc="-1" strike="noStrike">
+            <a:endParaRPr lang="en-US" sz="4000" b="0" strike="noStrike" spc="-1" dirty="0">
               <a:solidFill>
                 <a:srgbClr val="000000"/>
               </a:solidFill>
@@ -6890,7 +7879,7 @@
                 <a:spcPct val="100000"/>
               </a:lnSpc>
             </a:pPr>
-            <a:endParaRPr b="0" lang="en-US" sz="4000" spc="-1" strike="noStrike">
+            <a:endParaRPr lang="en-US" sz="4000" b="0" strike="noStrike" spc="-1" dirty="0">
               <a:solidFill>
                 <a:srgbClr val="000000"/>
               </a:solidFill>
@@ -6903,33 +7892,7 @@
                 <a:spcPct val="100000"/>
               </a:lnSpc>
             </a:pPr>
-            <a:endParaRPr b="0" lang="en-US" sz="4000" spc="-1" strike="noStrike">
-              <a:solidFill>
-                <a:srgbClr val="000000"/>
-              </a:solidFill>
-              <a:latin typeface="Arial"/>
-            </a:endParaRPr>
-          </a:p>
-          <a:p>
-            <a:pPr>
-              <a:lnSpc>
-                <a:spcPct val="100000"/>
-              </a:lnSpc>
-            </a:pPr>
-            <a:endParaRPr b="0" lang="en-US" sz="4000" spc="-1" strike="noStrike">
-              <a:solidFill>
-                <a:srgbClr val="000000"/>
-              </a:solidFill>
-              <a:latin typeface="Arial"/>
-            </a:endParaRPr>
-          </a:p>
-          <a:p>
-            <a:pPr>
-              <a:lnSpc>
-                <a:spcPct val="100000"/>
-              </a:lnSpc>
-            </a:pPr>
-            <a:endParaRPr b="0" lang="en-US" sz="3600" spc="-1" strike="noStrike">
+            <a:endParaRPr lang="en-US" sz="3600" b="0" strike="noStrike" spc="-1" dirty="0">
               <a:solidFill>
                 <a:srgbClr val="000000"/>
               </a:solidFill>
@@ -6964,7 +7927,7 @@
             <a:noFill/>
           </a:ln>
           <a:effectLst>
-            <a:outerShdw algn="tr" blurRad="635040" dir="8100000" dist="75858" rotWithShape="0">
+            <a:outerShdw blurRad="635040" dist="75858" dir="8100000" algn="tr" rotWithShape="0">
               <a:srgbClr val="000000">
                 <a:alpha val="40000"/>
               </a:srgbClr>
@@ -6986,21 +7949,22 @@
           <a:fontRef idx="minor"/>
         </p:style>
         <p:txBody>
-          <a:bodyPr lIns="90000" rIns="90000" tIns="45000" bIns="45000" anchor="ctr">
+          <a:bodyPr lIns="90000" tIns="45000" rIns="90000" bIns="45000" anchor="b">
             <a:noAutofit/>
           </a:bodyPr>
+          <a:lstStyle/>
           <a:p>
             <a:pPr algn="ctr">
               <a:lnSpc>
                 <a:spcPct val="100000"/>
               </a:lnSpc>
             </a:pPr>
-            <a:endParaRPr b="0" lang="en-US" sz="6910" spc="-1" strike="noStrike">
-              <a:solidFill>
-                <a:schemeClr val="lt1"/>
-              </a:solidFill>
-              <a:latin typeface="Calibri"/>
-            </a:endParaRPr>
+            <a:r>
+              <a:rPr lang="en-US" sz="6910" b="0" strike="noStrike" spc="-1" dirty="0">
+                <a:latin typeface="Calibri"/>
+              </a:rPr>
+              <a:t>Preview of the Dashboard</a:t>
+            </a:r>
           </a:p>
         </p:txBody>
       </p:sp>
@@ -7030,7 +7994,7 @@
             <a:noFill/>
           </a:ln>
           <a:effectLst>
-            <a:outerShdw algn="tr" blurRad="635040" dir="8100000" dist="75858" rotWithShape="0">
+            <a:outerShdw blurRad="635040" dist="75858" dir="8100000" algn="tr" rotWithShape="0">
               <a:srgbClr val="000000">
                 <a:alpha val="40000"/>
               </a:srgbClr>
@@ -7052,19 +8016,71 @@
           <a:fontRef idx="minor"/>
         </p:style>
         <p:txBody>
-          <a:bodyPr lIns="90000" rIns="90000" tIns="45000" bIns="45000" anchor="ctr">
+          <a:bodyPr lIns="90000" tIns="45000" rIns="90000" bIns="45000" anchor="t">
             <a:noAutofit/>
           </a:bodyPr>
-          <a:p>
-            <a:pPr>
+          <a:lstStyle/>
+          <a:p>
+            <a:pPr algn="ctr">
               <a:lnSpc>
                 <a:spcPct val="100000"/>
               </a:lnSpc>
             </a:pPr>
-            <a:endParaRPr b="0" lang="en-US" sz="2800" spc="-1" strike="noStrike">
-              <a:solidFill>
-                <a:srgbClr val="000000"/>
-              </a:solidFill>
+            <a:r>
+              <a:rPr lang="en-US" sz="6000" b="0" u="sng" strike="noStrike" spc="-1" dirty="0">
+                <a:solidFill>
+                  <a:srgbClr val="000000"/>
+                </a:solidFill>
+                <a:latin typeface="Roboto"/>
+                <a:ea typeface="Roboto"/>
+              </a:rPr>
+              <a:t>Reference</a:t>
+            </a:r>
+            <a:endParaRPr lang="en-US" sz="6000" u="sng" spc="-1" dirty="0">
+              <a:solidFill>
+                <a:srgbClr val="000000"/>
+              </a:solidFill>
+              <a:latin typeface="Roboto"/>
+              <a:ea typeface="Roboto"/>
+            </a:endParaRPr>
+          </a:p>
+          <a:p>
+            <a:pPr marL="857250" indent="-857250" algn="just">
+              <a:lnSpc>
+                <a:spcPct val="100000"/>
+              </a:lnSpc>
+              <a:buFont typeface="Arial" panose="020B0604020202020204" pitchFamily="34" charset="0"/>
+              <a:buChar char="•"/>
+            </a:pPr>
+            <a:r>
+              <a:rPr lang="en-US" sz="4000" dirty="0">
+                <a:hlinkClick r:id="rId2"/>
+              </a:rPr>
+              <a:t>Can Artificial Intelligence Help See Cancer in New Ways? – NCI</a:t>
+            </a:r>
+            <a:endParaRPr lang="en-US" sz="4000" u="sng" spc="-1" dirty="0">
+              <a:solidFill>
+                <a:srgbClr val="000000"/>
+              </a:solidFill>
+              <a:latin typeface="Roboto"/>
+              <a:ea typeface="Roboto"/>
+            </a:endParaRPr>
+          </a:p>
+          <a:p>
+            <a:pPr marL="857250" indent="-857250" algn="just">
+              <a:lnSpc>
+                <a:spcPct val="100000"/>
+              </a:lnSpc>
+              <a:buFont typeface="Arial" panose="020B0604020202020204" pitchFamily="34" charset="0"/>
+              <a:buChar char="•"/>
+            </a:pPr>
+            <a:r>
+              <a:rPr lang="en-US" sz="4000" dirty="0">
+                <a:hlinkClick r:id="rId3"/>
+              </a:rPr>
+              <a:t>The Role of Artificial Intelligence in Early Cancer Diagnosis - PMC (nih.gov)</a:t>
+            </a:r>
+            <a:endParaRPr lang="en-US" sz="4000" b="0" u="sng" strike="noStrike" spc="-1" dirty="0">
               <a:latin typeface="Roboto"/>
               <a:ea typeface="Roboto"/>
             </a:endParaRPr>
@@ -7086,7 +8102,7 @@
             <a:avLst/>
           </a:prstGeom>
           <a:solidFill>
-            <a:srgbClr val="a269e3"/>
+            <a:srgbClr val="A269E3"/>
           </a:solidFill>
           <a:ln>
             <a:noFill/>
@@ -7107,9 +8123,10 @@
           <a:fontRef idx="minor"/>
         </p:style>
         <p:txBody>
-          <a:bodyPr lIns="90000" rIns="90000" tIns="45000" bIns="45000" anchor="ctr">
+          <a:bodyPr lIns="90000" tIns="45000" rIns="90000" bIns="45000" anchor="ctr">
             <a:noAutofit/>
           </a:bodyPr>
+          <a:lstStyle/>
           <a:p>
             <a:pPr algn="ctr">
               <a:lnSpc>
@@ -7117,7 +8134,7 @@
               </a:lnSpc>
             </a:pPr>
             <a:r>
-              <a:rPr b="0" i="1" lang="en-US" sz="6600" spc="-1" strike="noStrike">
+              <a:rPr lang="en-US" sz="6600" b="0" i="1" strike="noStrike" spc="-1">
                 <a:solidFill>
                   <a:srgbClr val="000000"/>
                 </a:solidFill>
@@ -7126,7 +8143,7 @@
               </a:rPr>
               <a:t>We would like to acknowledge ....</a:t>
             </a:r>
-            <a:endParaRPr b="0" lang="en-US" sz="6600" spc="-1" strike="noStrike">
+            <a:endParaRPr lang="en-US" sz="6600" b="0" strike="noStrike" spc="-1">
               <a:solidFill>
                 <a:srgbClr val="000000"/>
               </a:solidFill>
@@ -7137,12 +8154,12 @@
       </p:sp>
       <p:pic>
         <p:nvPicPr>
-          <p:cNvPr id="93" name="Picture 7" descr=""/>
+          <p:cNvPr id="93" name="Picture 7"/>
           <p:cNvPicPr/>
           <p:nvPr/>
         </p:nvPicPr>
         <p:blipFill>
-          <a:blip r:embed="rId1"/>
+          <a:blip r:embed="rId4"/>
           <a:stretch/>
         </p:blipFill>
         <p:spPr>
@@ -7156,23 +8173,78 @@
           <a:ln w="0">
             <a:noFill/>
           </a:ln>
+        </p:spPr>
+      </p:pic>
+      <p:pic>
+        <p:nvPicPr>
+          <p:cNvPr id="3" name="Picture 2">
+            <a:extLst>
+              <a:ext uri="{FF2B5EF4-FFF2-40B4-BE49-F238E27FC236}">
+                <a16:creationId xmlns:a16="http://schemas.microsoft.com/office/drawing/2014/main" id="{B0DBFCA4-EB22-BC9C-2767-6E479B5F218F}"/>
+              </a:ext>
+            </a:extLst>
+          </p:cNvPr>
+          <p:cNvPicPr>
+            <a:picLocks noChangeAspect="1"/>
+          </p:cNvPicPr>
+          <p:nvPr/>
+        </p:nvPicPr>
+        <p:blipFill>
+          <a:blip r:embed="rId5"/>
+          <a:stretch>
+            <a:fillRect/>
+          </a:stretch>
+        </p:blipFill>
+        <p:spPr>
+          <a:xfrm>
+            <a:off x="14189760" y="7331773"/>
+            <a:ext cx="8531987" cy="8539599"/>
+          </a:xfrm>
+          <a:prstGeom prst="rect">
+            <a:avLst/>
+          </a:prstGeom>
+        </p:spPr>
+      </p:pic>
+      <p:pic>
+        <p:nvPicPr>
+          <p:cNvPr id="5" name="Picture 4">
+            <a:extLst>
+              <a:ext uri="{FF2B5EF4-FFF2-40B4-BE49-F238E27FC236}">
+                <a16:creationId xmlns:a16="http://schemas.microsoft.com/office/drawing/2014/main" id="{B2FE6F43-C3C9-EA4A-3626-F72EFCFF94B2}"/>
+              </a:ext>
+            </a:extLst>
+          </p:cNvPr>
+          <p:cNvPicPr>
+            <a:picLocks noChangeAspect="1"/>
+          </p:cNvPicPr>
+          <p:nvPr/>
+        </p:nvPicPr>
+        <p:blipFill>
+          <a:blip r:embed="rId6"/>
+          <a:stretch>
+            <a:fillRect/>
+          </a:stretch>
+        </p:blipFill>
+        <p:spPr>
+          <a:xfrm>
+            <a:off x="13843652" y="22110730"/>
+            <a:ext cx="8907776" cy="5223300"/>
+          </a:xfrm>
+          <a:prstGeom prst="rect">
+            <a:avLst/>
+          </a:prstGeom>
         </p:spPr>
       </p:pic>
     </p:spTree>
   </p:cSld>
-  <mc:AlternateContent>
-    <mc:Choice Requires="p14">
-      <p:transition spd="slow" p14:dur="2000"/>
-    </mc:Choice>
-    <mc:Fallback>
-      <p:transition spd="slow"/>
-    </mc:Fallback>
-  </mc:AlternateContent>
+  <p:clrMapOvr>
+    <a:masterClrMapping/>
+  </p:clrMapOvr>
 </p:sld>
 </file>
 
 <file path=ppt/slides/slide2.xml><?xml version="1.0" encoding="utf-8"?>
-<p:sld xmlns:a="http://schemas.openxmlformats.org/drawingml/2006/main" xmlns:p="http://schemas.openxmlformats.org/presentationml/2006/main" xmlns:r="http://schemas.openxmlformats.org/officeDocument/2006/relationships" xmlns:p14="http://schemas.microsoft.com/office/powerpoint/2010/main" xmlns:p15="http://schemas.microsoft.com/office/powerpoint/2012/main" xmlns:mc="http://schemas.openxmlformats.org/markup-compatibility/2006">
+<p:sld xmlns:a="http://schemas.openxmlformats.org/drawingml/2006/main" xmlns:r="http://schemas.openxmlformats.org/officeDocument/2006/relationships" xmlns:p="http://schemas.openxmlformats.org/presentationml/2006/main">
   <p:cSld>
     <p:spTree>
       <p:nvGrpSpPr>
@@ -7212,7 +8284,7 @@
           </a:solidFill>
           <a:ln>
             <a:solidFill>
-              <a:srgbClr val="ffc000"/>
+              <a:srgbClr val="FFC000"/>
             </a:solidFill>
           </a:ln>
         </p:spPr>
@@ -7231,13 +8303,14 @@
           <a:fontRef idx="minor"/>
         </p:style>
         <p:txBody>
-          <a:bodyPr lIns="90000" rIns="90000" tIns="45000" bIns="45000" anchor="t">
+          <a:bodyPr lIns="90000" tIns="45000" rIns="90000" bIns="45000" anchor="t">
             <a:noAutofit/>
           </a:bodyPr>
+          <a:lstStyle/>
           <a:p>
             <a:pPr algn="ctr"/>
             <a:r>
-              <a:rPr b="0" lang="en-US" sz="6910" spc="-1" strike="noStrike" u="sng">
+              <a:rPr lang="en-US" sz="6910" b="0" u="sng" strike="noStrike" spc="-1">
                 <a:solidFill>
                   <a:schemeClr val="lt1"/>
                 </a:solidFill>
@@ -7246,7 +8319,7 @@
               </a:rPr>
               <a:t>Training Model</a:t>
             </a:r>
-            <a:endParaRPr b="0" lang="en-US" sz="6910" spc="-1" strike="noStrike">
+            <a:endParaRPr lang="en-US" sz="6910" b="0" strike="noStrike" spc="-1">
               <a:solidFill>
                 <a:schemeClr val="lt1"/>
               </a:solidFill>
@@ -7279,7 +8352,7 @@
           </a:solidFill>
           <a:ln>
             <a:solidFill>
-              <a:srgbClr val="ffc000"/>
+              <a:srgbClr val="FFC000"/>
             </a:solidFill>
           </a:ln>
         </p:spPr>
@@ -7298,16 +8371,26 @@
           <a:fontRef idx="minor"/>
         </p:style>
         <p:txBody>
-          <a:bodyPr lIns="90000" rIns="90000" tIns="45000" bIns="45000" anchor="ctr">
+          <a:bodyPr lIns="90000" tIns="45000" rIns="90000" bIns="45000" anchor="t">
             <a:noAutofit/>
           </a:bodyPr>
+          <a:lstStyle/>
           <a:p>
             <a:pPr algn="ctr">
               <a:lnSpc>
                 <a:spcPct val="100000"/>
               </a:lnSpc>
             </a:pPr>
-            <a:endParaRPr b="0" lang="en-US" sz="6910" spc="-1" strike="noStrike">
+            <a:r>
+              <a:rPr lang="en-US" sz="6910" u="sng" spc="-1" dirty="0">
+                <a:solidFill>
+                  <a:schemeClr val="lt1"/>
+                </a:solidFill>
+                <a:latin typeface="Calibri"/>
+              </a:rPr>
+              <a:t>Model Review</a:t>
+            </a:r>
+            <a:endParaRPr lang="en-US" sz="6910" b="0" u="sng" strike="noStrike" spc="-1" dirty="0">
               <a:solidFill>
                 <a:schemeClr val="lt1"/>
               </a:solidFill>
@@ -7340,7 +8423,7 @@
           </a:solidFill>
           <a:ln>
             <a:solidFill>
-              <a:srgbClr val="ffc000"/>
+              <a:srgbClr val="FFC000"/>
             </a:solidFill>
           </a:ln>
         </p:spPr>
@@ -7359,13 +8442,14 @@
           <a:fontRef idx="minor"/>
         </p:style>
         <p:txBody>
-          <a:bodyPr lIns="90000" rIns="90000" tIns="45000" bIns="45000" anchor="t">
+          <a:bodyPr lIns="90000" tIns="45000" rIns="90000" bIns="45000" anchor="t">
             <a:noAutofit/>
           </a:bodyPr>
+          <a:lstStyle/>
           <a:p>
             <a:pPr algn="ctr"/>
             <a:r>
-              <a:rPr b="0" lang="en-US" sz="6910" spc="-1" strike="noStrike" u="sng">
+              <a:rPr lang="en-US" sz="6910" b="0" u="sng" strike="noStrike" spc="-1">
                 <a:solidFill>
                   <a:schemeClr val="lt1"/>
                 </a:solidFill>
@@ -7374,7 +8458,7 @@
               </a:rPr>
               <a:t>Using the Finalized Model</a:t>
             </a:r>
-            <a:endParaRPr b="0" lang="en-US" sz="6910" spc="-1" strike="noStrike">
+            <a:endParaRPr lang="en-US" sz="6910" b="0" strike="noStrike" spc="-1">
               <a:solidFill>
                 <a:schemeClr val="lt1"/>
               </a:solidFill>
@@ -7385,7 +8469,7 @@
       </p:sp>
       <p:sp>
         <p:nvSpPr>
-          <p:cNvPr id="97" name=""/>
+          <p:cNvPr id="97" name="Rectangle: Rounded Corners 96"/>
           <p:cNvSpPr/>
           <p:nvPr/>
         </p:nvSpPr>
@@ -7404,24 +8488,31 @@
           </a:solidFill>
           <a:ln w="0">
             <a:solidFill>
-              <a:srgbClr val="1f4e79"/>
+              <a:srgbClr val="1F4E79"/>
             </a:solidFill>
           </a:ln>
         </p:spPr>
         <p:style>
-          <a:lnRef idx="0"/>
-          <a:fillRef idx="0"/>
-          <a:effectRef idx="0"/>
+          <a:lnRef idx="0">
+            <a:scrgbClr r="0" g="0" b="0"/>
+          </a:lnRef>
+          <a:fillRef idx="0">
+            <a:scrgbClr r="0" g="0" b="0"/>
+          </a:fillRef>
+          <a:effectRef idx="0">
+            <a:scrgbClr r="0" g="0" b="0"/>
+          </a:effectRef>
           <a:fontRef idx="minor"/>
         </p:style>
         <p:txBody>
-          <a:bodyPr lIns="90000" rIns="90000" tIns="45000" bIns="45000" anchor="t">
+          <a:bodyPr lIns="90000" tIns="45000" rIns="90000" bIns="45000" anchor="t">
             <a:noAutofit/>
           </a:bodyPr>
+          <a:lstStyle/>
           <a:p>
             <a:pPr algn="ctr"/>
             <a:r>
-              <a:rPr b="0" lang="en-US" sz="1800" spc="-1" strike="noStrike" u="sng">
+              <a:rPr lang="en-US" sz="1800" b="0" u="sng" strike="noStrike" spc="-1">
                 <a:solidFill>
                   <a:srgbClr val="000000"/>
                 </a:solidFill>
@@ -7430,7 +8521,7 @@
               </a:rPr>
               <a:t>DICOM Data Storage (PACS system)</a:t>
             </a:r>
-            <a:endParaRPr b="0" lang="en-US" sz="1800" spc="-1" strike="noStrike">
+            <a:endParaRPr lang="en-US" sz="1800" b="0" strike="noStrike" spc="-1">
               <a:solidFill>
                 <a:srgbClr val="000000"/>
               </a:solidFill>
@@ -7441,12 +8532,12 @@
       </p:sp>
       <p:pic>
         <p:nvPicPr>
-          <p:cNvPr id="98" name="" descr=""/>
+          <p:cNvPr id="98" name="Picture 97"/>
           <p:cNvPicPr/>
           <p:nvPr/>
         </p:nvPicPr>
         <p:blipFill>
-          <a:blip r:embed="rId1"/>
+          <a:blip r:embed="rId2"/>
           <a:stretch/>
         </p:blipFill>
         <p:spPr>
@@ -7464,7 +8555,7 @@
       </p:pic>
       <p:sp>
         <p:nvSpPr>
-          <p:cNvPr id="99" name=""/>
+          <p:cNvPr id="99" name="Rectangle: Rounded Corners 98"/>
           <p:cNvSpPr/>
           <p:nvPr/>
         </p:nvSpPr>
@@ -7483,24 +8574,31 @@
           </a:solidFill>
           <a:ln w="0">
             <a:solidFill>
-              <a:srgbClr val="1f4e79"/>
+              <a:srgbClr val="1F4E79"/>
             </a:solidFill>
           </a:ln>
         </p:spPr>
         <p:style>
-          <a:lnRef idx="0"/>
-          <a:fillRef idx="0"/>
-          <a:effectRef idx="0"/>
+          <a:lnRef idx="0">
+            <a:scrgbClr r="0" g="0" b="0"/>
+          </a:lnRef>
+          <a:fillRef idx="0">
+            <a:scrgbClr r="0" g="0" b="0"/>
+          </a:fillRef>
+          <a:effectRef idx="0">
+            <a:scrgbClr r="0" g="0" b="0"/>
+          </a:effectRef>
           <a:fontRef idx="minor"/>
         </p:style>
         <p:txBody>
-          <a:bodyPr lIns="90000" rIns="90000" tIns="45000" bIns="45000" anchor="t">
+          <a:bodyPr lIns="90000" tIns="45000" rIns="90000" bIns="45000" anchor="t">
             <a:noAutofit/>
           </a:bodyPr>
+          <a:lstStyle/>
           <a:p>
             <a:pPr algn="ctr"/>
             <a:r>
-              <a:rPr b="0" lang="en-US" sz="1800" spc="-1" strike="noStrike" u="sng">
+              <a:rPr lang="en-US" sz="1800" b="0" u="sng" strike="noStrike" spc="-1">
                 <a:solidFill>
                   <a:srgbClr val="000000"/>
                 </a:solidFill>
@@ -7509,7 +8607,7 @@
               </a:rPr>
               <a:t>Data Pipeline</a:t>
             </a:r>
-            <a:endParaRPr b="0" lang="en-US" sz="1800" spc="-1" strike="noStrike">
+            <a:endParaRPr lang="en-US" sz="1800" b="0" strike="noStrike" spc="-1">
               <a:solidFill>
                 <a:srgbClr val="000000"/>
               </a:solidFill>
@@ -7520,12 +8618,12 @@
       </p:sp>
       <p:pic>
         <p:nvPicPr>
-          <p:cNvPr id="100" name="" descr=""/>
+          <p:cNvPr id="100" name="Picture 99"/>
           <p:cNvPicPr/>
           <p:nvPr/>
         </p:nvPicPr>
         <p:blipFill>
-          <a:blip r:embed="rId2"/>
+          <a:blip r:embed="rId3"/>
           <a:stretch/>
         </p:blipFill>
         <p:spPr>
@@ -7543,7 +8641,7 @@
       </p:pic>
       <p:sp>
         <p:nvSpPr>
-          <p:cNvPr id="101" name=""/>
+          <p:cNvPr id="101" name="Rectangle: Rounded Corners 100"/>
           <p:cNvSpPr/>
           <p:nvPr/>
         </p:nvSpPr>
@@ -7562,24 +8660,31 @@
           </a:solidFill>
           <a:ln w="0">
             <a:solidFill>
-              <a:srgbClr val="1f4e79"/>
+              <a:srgbClr val="1F4E79"/>
             </a:solidFill>
           </a:ln>
         </p:spPr>
         <p:style>
-          <a:lnRef idx="0"/>
-          <a:fillRef idx="0"/>
-          <a:effectRef idx="0"/>
+          <a:lnRef idx="0">
+            <a:scrgbClr r="0" g="0" b="0"/>
+          </a:lnRef>
+          <a:fillRef idx="0">
+            <a:scrgbClr r="0" g="0" b="0"/>
+          </a:fillRef>
+          <a:effectRef idx="0">
+            <a:scrgbClr r="0" g="0" b="0"/>
+          </a:effectRef>
           <a:fontRef idx="minor"/>
         </p:style>
         <p:txBody>
-          <a:bodyPr lIns="90000" rIns="90000" tIns="45000" bIns="45000" anchor="t">
+          <a:bodyPr lIns="90000" tIns="45000" rIns="90000" bIns="45000" anchor="t">
             <a:noAutofit/>
           </a:bodyPr>
+          <a:lstStyle/>
           <a:p>
             <a:pPr algn="ctr"/>
             <a:r>
-              <a:rPr b="0" lang="en-US" sz="1800" spc="-1" strike="noStrike" u="sng">
+              <a:rPr lang="en-US" sz="1800" b="0" u="sng" strike="noStrike" spc="-1">
                 <a:solidFill>
                   <a:srgbClr val="000000"/>
                 </a:solidFill>
@@ -7588,7 +8693,7 @@
               </a:rPr>
               <a:t>Labeled Data for Training</a:t>
             </a:r>
-            <a:endParaRPr b="0" lang="en-US" sz="1800" spc="-1" strike="noStrike">
+            <a:endParaRPr lang="en-US" sz="1800" b="0" strike="noStrike" spc="-1">
               <a:solidFill>
                 <a:srgbClr val="000000"/>
               </a:solidFill>
@@ -7599,30 +8704,7 @@
       </p:sp>
       <p:pic>
         <p:nvPicPr>
-          <p:cNvPr id="102" name="" descr=""/>
-          <p:cNvPicPr/>
-          <p:nvPr/>
-        </p:nvPicPr>
-        <p:blipFill>
-          <a:blip r:embed="rId3"/>
-          <a:stretch/>
-        </p:blipFill>
-        <p:spPr>
-          <a:xfrm>
-            <a:off x="16687800" y="5187600"/>
-            <a:ext cx="3429000" cy="3270600"/>
-          </a:xfrm>
-          <a:prstGeom prst="rect">
-            <a:avLst/>
-          </a:prstGeom>
-          <a:ln w="0">
-            <a:noFill/>
-          </a:ln>
-        </p:spPr>
-      </p:pic>
-      <p:pic>
-        <p:nvPicPr>
-          <p:cNvPr id="103" name="" descr=""/>
+          <p:cNvPr id="102" name="Picture 101"/>
           <p:cNvPicPr/>
           <p:nvPr/>
         </p:nvPicPr>
@@ -7632,6 +8714,29 @@
         </p:blipFill>
         <p:spPr>
           <a:xfrm>
+            <a:off x="16687800" y="5187600"/>
+            <a:ext cx="3429000" cy="3270600"/>
+          </a:xfrm>
+          <a:prstGeom prst="rect">
+            <a:avLst/>
+          </a:prstGeom>
+          <a:ln w="0">
+            <a:noFill/>
+          </a:ln>
+        </p:spPr>
+      </p:pic>
+      <p:pic>
+        <p:nvPicPr>
+          <p:cNvPr id="103" name="Picture 102"/>
+          <p:cNvPicPr/>
+          <p:nvPr/>
+        </p:nvPicPr>
+        <p:blipFill>
+          <a:blip r:embed="rId5"/>
+          <a:stretch/>
+        </p:blipFill>
+        <p:spPr>
+          <a:xfrm>
             <a:off x="22194000" y="4572000"/>
             <a:ext cx="13147920" cy="3647160"/>
           </a:xfrm>
@@ -7645,7 +8750,7 @@
       </p:pic>
       <p:sp>
         <p:nvSpPr>
-          <p:cNvPr id="104" name=""/>
+          <p:cNvPr id="104" name="Straight Connector 103"/>
           <p:cNvSpPr/>
           <p:nvPr/>
         </p:nvSpPr>
@@ -7659,24 +8764,31 @@
           </a:prstGeom>
           <a:ln w="164520">
             <a:solidFill>
-              <a:srgbClr val="3465a4"/>
+              <a:srgbClr val="3465A4"/>
             </a:solidFill>
             <a:round/>
-            <a:tailEnd len="med" type="triangle" w="med"/>
+            <a:tailEnd type="triangle" w="med" len="med"/>
           </a:ln>
         </p:spPr>
         <p:style>
-          <a:lnRef idx="0"/>
-          <a:fillRef idx="0"/>
-          <a:effectRef idx="0"/>
+          <a:lnRef idx="0">
+            <a:scrgbClr r="0" g="0" b="0"/>
+          </a:lnRef>
+          <a:fillRef idx="0">
+            <a:scrgbClr r="0" g="0" b="0"/>
+          </a:fillRef>
+          <a:effectRef idx="0">
+            <a:scrgbClr r="0" g="0" b="0"/>
+          </a:effectRef>
           <a:fontRef idx="minor"/>
         </p:style>
         <p:txBody>
-          <a:bodyPr lIns="171000" rIns="171000" tIns="126000" bIns="126000" anchor="ctr">
+          <a:bodyPr lIns="171000" tIns="126000" rIns="171000" bIns="126000" anchor="ctr">
             <a:noAutofit/>
           </a:bodyPr>
-          <a:p>
-            <a:endParaRPr b="0" lang="en-US" sz="1800" spc="-1" strike="noStrike">
+          <a:lstStyle/>
+          <a:p>
+            <a:endParaRPr lang="en-US" sz="1800" b="0" strike="noStrike" spc="-1">
               <a:solidFill>
                 <a:srgbClr val="000000"/>
               </a:solidFill>
@@ -7687,7 +8799,7 @@
       </p:sp>
       <p:sp>
         <p:nvSpPr>
-          <p:cNvPr id="105" name=""/>
+          <p:cNvPr id="105" name="Straight Connector 104"/>
           <p:cNvSpPr/>
           <p:nvPr/>
         </p:nvSpPr>
@@ -7701,24 +8813,31 @@
           </a:prstGeom>
           <a:ln w="164520">
             <a:solidFill>
-              <a:srgbClr val="3465a4"/>
+              <a:srgbClr val="3465A4"/>
             </a:solidFill>
             <a:round/>
-            <a:tailEnd len="med" type="triangle" w="med"/>
+            <a:tailEnd type="triangle" w="med" len="med"/>
           </a:ln>
         </p:spPr>
         <p:style>
-          <a:lnRef idx="0"/>
-          <a:fillRef idx="0"/>
-          <a:effectRef idx="0"/>
+          <a:lnRef idx="0">
+            <a:scrgbClr r="0" g="0" b="0"/>
+          </a:lnRef>
+          <a:fillRef idx="0">
+            <a:scrgbClr r="0" g="0" b="0"/>
+          </a:fillRef>
+          <a:effectRef idx="0">
+            <a:scrgbClr r="0" g="0" b="0"/>
+          </a:effectRef>
           <a:fontRef idx="minor"/>
         </p:style>
         <p:txBody>
-          <a:bodyPr lIns="171000" rIns="171000" tIns="126000" bIns="126000" anchor="ctr">
+          <a:bodyPr lIns="171000" tIns="126000" rIns="171000" bIns="126000" anchor="ctr">
             <a:noAutofit/>
           </a:bodyPr>
-          <a:p>
-            <a:endParaRPr b="0" lang="en-US" sz="1800" spc="-1" strike="noStrike">
+          <a:lstStyle/>
+          <a:p>
+            <a:endParaRPr lang="en-US" sz="1800" b="0" strike="noStrike" spc="-1">
               <a:solidFill>
                 <a:srgbClr val="000000"/>
               </a:solidFill>
@@ -7729,7 +8848,7 @@
       </p:sp>
       <p:sp>
         <p:nvSpPr>
-          <p:cNvPr id="106" name=""/>
+          <p:cNvPr id="106" name="Straight Connector 105"/>
           <p:cNvSpPr/>
           <p:nvPr/>
         </p:nvSpPr>
@@ -7743,24 +8862,31 @@
           </a:prstGeom>
           <a:ln w="164520">
             <a:solidFill>
-              <a:srgbClr val="3465a4"/>
+              <a:srgbClr val="3465A4"/>
             </a:solidFill>
             <a:round/>
-            <a:tailEnd len="med" type="triangle" w="med"/>
+            <a:tailEnd type="triangle" w="med" len="med"/>
           </a:ln>
         </p:spPr>
         <p:style>
-          <a:lnRef idx="0"/>
-          <a:fillRef idx="0"/>
-          <a:effectRef idx="0"/>
+          <a:lnRef idx="0">
+            <a:scrgbClr r="0" g="0" b="0"/>
+          </a:lnRef>
+          <a:fillRef idx="0">
+            <a:scrgbClr r="0" g="0" b="0"/>
+          </a:fillRef>
+          <a:effectRef idx="0">
+            <a:scrgbClr r="0" g="0" b="0"/>
+          </a:effectRef>
           <a:fontRef idx="minor"/>
         </p:style>
         <p:txBody>
-          <a:bodyPr lIns="171000" rIns="171000" tIns="126000" bIns="126000" anchor="ctr">
+          <a:bodyPr lIns="171000" tIns="126000" rIns="171000" bIns="126000" anchor="ctr">
             <a:noAutofit/>
           </a:bodyPr>
-          <a:p>
-            <a:endParaRPr b="0" lang="en-US" sz="1800" spc="-1" strike="noStrike">
+          <a:lstStyle/>
+          <a:p>
+            <a:endParaRPr lang="en-US" sz="1800" b="0" strike="noStrike" spc="-1">
               <a:solidFill>
                 <a:srgbClr val="000000"/>
               </a:solidFill>
@@ -7771,7 +8897,7 @@
       </p:sp>
       <p:sp>
         <p:nvSpPr>
-          <p:cNvPr id="107" name=""/>
+          <p:cNvPr id="107" name="Straight Connector 106"/>
           <p:cNvSpPr/>
           <p:nvPr/>
         </p:nvSpPr>
@@ -7785,24 +8911,31 @@
           </a:prstGeom>
           <a:ln w="164520">
             <a:solidFill>
-              <a:srgbClr val="3465a4"/>
+              <a:srgbClr val="3465A4"/>
             </a:solidFill>
             <a:round/>
-            <a:tailEnd len="med" type="triangle" w="med"/>
+            <a:tailEnd type="triangle" w="med" len="med"/>
           </a:ln>
         </p:spPr>
         <p:style>
-          <a:lnRef idx="0"/>
-          <a:fillRef idx="0"/>
-          <a:effectRef idx="0"/>
+          <a:lnRef idx="0">
+            <a:scrgbClr r="0" g="0" b="0"/>
+          </a:lnRef>
+          <a:fillRef idx="0">
+            <a:scrgbClr r="0" g="0" b="0"/>
+          </a:fillRef>
+          <a:effectRef idx="0">
+            <a:scrgbClr r="0" g="0" b="0"/>
+          </a:effectRef>
           <a:fontRef idx="minor"/>
         </p:style>
         <p:txBody>
-          <a:bodyPr lIns="171000" rIns="171000" tIns="252000" bIns="252000" anchor="ctr">
+          <a:bodyPr lIns="171000" tIns="252000" rIns="171000" bIns="252000" anchor="ctr">
             <a:noAutofit/>
           </a:bodyPr>
-          <a:p>
-            <a:endParaRPr b="0" lang="en-US" sz="1800" spc="-1" strike="noStrike">
+          <a:lstStyle/>
+          <a:p>
+            <a:endParaRPr lang="en-US" sz="1800" b="0" strike="noStrike" spc="-1">
               <a:solidFill>
                 <a:srgbClr val="000000"/>
               </a:solidFill>
@@ -7813,7 +8946,7 @@
       </p:sp>
       <p:sp>
         <p:nvSpPr>
-          <p:cNvPr id="108" name=""/>
+          <p:cNvPr id="108" name="Rectangle: Rounded Corners 107"/>
           <p:cNvSpPr/>
           <p:nvPr/>
         </p:nvSpPr>
@@ -7832,24 +8965,31 @@
           </a:solidFill>
           <a:ln w="0">
             <a:solidFill>
-              <a:srgbClr val="1f4e79"/>
+              <a:srgbClr val="1F4E79"/>
             </a:solidFill>
           </a:ln>
         </p:spPr>
         <p:style>
-          <a:lnRef idx="0"/>
-          <a:fillRef idx="0"/>
-          <a:effectRef idx="0"/>
+          <a:lnRef idx="0">
+            <a:scrgbClr r="0" g="0" b="0"/>
+          </a:lnRef>
+          <a:fillRef idx="0">
+            <a:scrgbClr r="0" g="0" b="0"/>
+          </a:fillRef>
+          <a:effectRef idx="0">
+            <a:scrgbClr r="0" g="0" b="0"/>
+          </a:effectRef>
           <a:fontRef idx="minor"/>
         </p:style>
         <p:txBody>
-          <a:bodyPr lIns="90000" rIns="90000" tIns="45000" bIns="45000" anchor="t">
+          <a:bodyPr lIns="90000" tIns="45000" rIns="90000" bIns="45000" anchor="t">
             <a:noAutofit/>
           </a:bodyPr>
+          <a:lstStyle/>
           <a:p>
             <a:pPr algn="ctr"/>
             <a:r>
-              <a:rPr b="0" lang="en-US" sz="1800" spc="-1" strike="noStrike" u="sng">
+              <a:rPr lang="en-US" sz="1800" b="0" u="sng" strike="noStrike" spc="-1">
                 <a:solidFill>
                   <a:srgbClr val="000000"/>
                 </a:solidFill>
@@ -7858,7 +8998,7 @@
               </a:rPr>
               <a:t>Finalized Model</a:t>
             </a:r>
-            <a:endParaRPr b="0" lang="en-US" sz="1800" spc="-1" strike="noStrike">
+            <a:endParaRPr lang="en-US" sz="1800" b="0" strike="noStrike" spc="-1">
               <a:solidFill>
                 <a:srgbClr val="000000"/>
               </a:solidFill>
@@ -7869,7 +9009,565 @@
       </p:sp>
       <p:pic>
         <p:nvPicPr>
-          <p:cNvPr id="109" name="" descr=""/>
+          <p:cNvPr id="109" name="Picture 108"/>
+          <p:cNvPicPr/>
+          <p:nvPr/>
+        </p:nvPicPr>
+        <p:blipFill>
+          <a:blip r:embed="rId6"/>
+          <a:stretch/>
+        </p:blipFill>
+        <p:spPr>
+          <a:xfrm>
+            <a:off x="29900880" y="18288000"/>
+            <a:ext cx="2475720" cy="2504160"/>
+          </a:xfrm>
+          <a:prstGeom prst="rect">
+            <a:avLst/>
+          </a:prstGeom>
+          <a:ln w="0">
+            <a:noFill/>
+          </a:ln>
+        </p:spPr>
+      </p:pic>
+      <p:sp>
+        <p:nvSpPr>
+          <p:cNvPr id="110" name="Rectangle: Rounded Corners 109"/>
+          <p:cNvSpPr/>
+          <p:nvPr/>
+        </p:nvSpPr>
+        <p:spPr>
+          <a:xfrm>
+            <a:off x="16380180" y="17145000"/>
+            <a:ext cx="5715000" cy="4343400"/>
+          </a:xfrm>
+          <a:prstGeom prst="roundRect">
+            <a:avLst>
+              <a:gd name="adj" fmla="val 16667"/>
+            </a:avLst>
+          </a:prstGeom>
+          <a:solidFill>
+            <a:schemeClr val="accent1"/>
+          </a:solidFill>
+          <a:ln w="0">
+            <a:solidFill>
+              <a:srgbClr val="1F4E79"/>
+            </a:solidFill>
+          </a:ln>
+        </p:spPr>
+        <p:style>
+          <a:lnRef idx="0">
+            <a:scrgbClr r="0" g="0" b="0"/>
+          </a:lnRef>
+          <a:fillRef idx="0">
+            <a:scrgbClr r="0" g="0" b="0"/>
+          </a:fillRef>
+          <a:effectRef idx="0">
+            <a:scrgbClr r="0" g="0" b="0"/>
+          </a:effectRef>
+          <a:fontRef idx="minor"/>
+        </p:style>
+        <p:txBody>
+          <a:bodyPr lIns="90000" tIns="45000" rIns="90000" bIns="45000" anchor="t">
+            <a:noAutofit/>
+          </a:bodyPr>
+          <a:lstStyle/>
+          <a:p>
+            <a:pPr algn="ctr"/>
+            <a:r>
+              <a:rPr lang="en-US" u="sng" spc="-1" dirty="0">
+                <a:solidFill>
+                  <a:srgbClr val="000000"/>
+                </a:solidFill>
+                <a:latin typeface="Arial"/>
+              </a:rPr>
+              <a:t>Prediction</a:t>
+            </a:r>
+            <a:endParaRPr lang="en-US" sz="1800" b="0" strike="noStrike" spc="-1" dirty="0">
+              <a:solidFill>
+                <a:srgbClr val="000000"/>
+              </a:solidFill>
+              <a:latin typeface="Arial"/>
+            </a:endParaRPr>
+          </a:p>
+        </p:txBody>
+      </p:sp>
+      <p:pic>
+        <p:nvPicPr>
+          <p:cNvPr id="1028" name="Picture 4" descr="Prediction of age and intelligence, a basic machine learning model · Issue  #174 · ohbm/hackathon2020 · GitHub">
+            <a:extLst>
+              <a:ext uri="{FF2B5EF4-FFF2-40B4-BE49-F238E27FC236}">
+                <a16:creationId xmlns:a16="http://schemas.microsoft.com/office/drawing/2014/main" id="{85361AA7-BD7B-5E89-2164-B763FB016106}"/>
+              </a:ext>
+            </a:extLst>
+          </p:cNvPr>
+          <p:cNvPicPr>
+            <a:picLocks noChangeAspect="1" noChangeArrowheads="1"/>
+          </p:cNvPicPr>
+          <p:nvPr/>
+        </p:nvPicPr>
+        <p:blipFill>
+          <a:blip r:embed="rId7" cstate="print">
+            <a:extLst>
+              <a:ext uri="{28A0092B-C50C-407E-A947-70E740481C1C}">
+                <a14:useLocalDpi xmlns:a14="http://schemas.microsoft.com/office/drawing/2010/main" val="0"/>
+              </a:ext>
+            </a:extLst>
+          </a:blip>
+          <a:srcRect/>
+          <a:stretch>
+            <a:fillRect/>
+          </a:stretch>
+        </p:blipFill>
+        <p:spPr bwMode="auto">
+          <a:xfrm>
+            <a:off x="17285055" y="17583150"/>
+            <a:ext cx="3905250" cy="3905250"/>
+          </a:xfrm>
+          <a:prstGeom prst="rect">
+            <a:avLst/>
+          </a:prstGeom>
+          <a:noFill/>
+          <a:extLst>
+            <a:ext uri="{909E8E84-426E-40DD-AFC4-6F175D3DCCD1}">
+              <a14:hiddenFill xmlns:a14="http://schemas.microsoft.com/office/drawing/2010/main">
+                <a:solidFill>
+                  <a:srgbClr val="FFFFFF"/>
+                </a:solidFill>
+              </a14:hiddenFill>
+            </a:ext>
+          </a:extLst>
+        </p:spPr>
+      </p:pic>
+      <p:sp>
+        <p:nvSpPr>
+          <p:cNvPr id="2" name="Rectangle: Rounded Corners 1">
+            <a:extLst>
+              <a:ext uri="{FF2B5EF4-FFF2-40B4-BE49-F238E27FC236}">
+                <a16:creationId xmlns:a16="http://schemas.microsoft.com/office/drawing/2014/main" id="{67F5F8F0-1B98-4747-BE8D-04010C21DB36}"/>
+              </a:ext>
+            </a:extLst>
+          </p:cNvPr>
+          <p:cNvSpPr/>
+          <p:nvPr/>
+        </p:nvSpPr>
+        <p:spPr>
+          <a:xfrm>
+            <a:off x="3940530" y="17145000"/>
+            <a:ext cx="5715000" cy="4343400"/>
+          </a:xfrm>
+          <a:prstGeom prst="roundRect">
+            <a:avLst>
+              <a:gd name="adj" fmla="val 16667"/>
+            </a:avLst>
+          </a:prstGeom>
+          <a:solidFill>
+            <a:schemeClr val="accent1"/>
+          </a:solidFill>
+          <a:ln w="0">
+            <a:solidFill>
+              <a:srgbClr val="1F4E79"/>
+            </a:solidFill>
+          </a:ln>
+        </p:spPr>
+        <p:style>
+          <a:lnRef idx="0">
+            <a:scrgbClr r="0" g="0" b="0"/>
+          </a:lnRef>
+          <a:fillRef idx="0">
+            <a:scrgbClr r="0" g="0" b="0"/>
+          </a:fillRef>
+          <a:effectRef idx="0">
+            <a:scrgbClr r="0" g="0" b="0"/>
+          </a:effectRef>
+          <a:fontRef idx="minor"/>
+        </p:style>
+        <p:txBody>
+          <a:bodyPr lIns="90000" tIns="45000" rIns="90000" bIns="45000" anchor="t">
+            <a:noAutofit/>
+          </a:bodyPr>
+          <a:lstStyle/>
+          <a:p>
+            <a:pPr algn="ctr"/>
+            <a:r>
+              <a:rPr lang="en-US" u="sng" spc="-1" dirty="0">
+                <a:solidFill>
+                  <a:srgbClr val="000000"/>
+                </a:solidFill>
+                <a:latin typeface="Arial"/>
+              </a:rPr>
+              <a:t>Confirmation by Radiologist</a:t>
+            </a:r>
+            <a:endParaRPr lang="en-US" sz="1800" b="0" strike="noStrike" spc="-1" dirty="0">
+              <a:solidFill>
+                <a:srgbClr val="000000"/>
+              </a:solidFill>
+              <a:latin typeface="Arial"/>
+            </a:endParaRPr>
+          </a:p>
+        </p:txBody>
+      </p:sp>
+      <p:pic>
+        <p:nvPicPr>
+          <p:cNvPr id="1036" name="Picture 12" descr="Using AI to deliver high quality, personalised breast cancer screening">
+            <a:extLst>
+              <a:ext uri="{FF2B5EF4-FFF2-40B4-BE49-F238E27FC236}">
+                <a16:creationId xmlns:a16="http://schemas.microsoft.com/office/drawing/2014/main" id="{ACB1C6C0-3E81-E494-C136-A8E140E5E7B8}"/>
+              </a:ext>
+            </a:extLst>
+          </p:cNvPr>
+          <p:cNvPicPr>
+            <a:picLocks noChangeAspect="1" noChangeArrowheads="1"/>
+          </p:cNvPicPr>
+          <p:nvPr/>
+        </p:nvPicPr>
+        <p:blipFill>
+          <a:blip r:embed="rId8" cstate="print">
+            <a:extLst>
+              <a:ext uri="{28A0092B-C50C-407E-A947-70E740481C1C}">
+                <a14:useLocalDpi xmlns:a14="http://schemas.microsoft.com/office/drawing/2010/main" val="0"/>
+              </a:ext>
+            </a:extLst>
+          </a:blip>
+          <a:srcRect/>
+          <a:stretch>
+            <a:fillRect/>
+          </a:stretch>
+        </p:blipFill>
+        <p:spPr bwMode="auto">
+          <a:xfrm>
+            <a:off x="23183850" y="13336360"/>
+            <a:ext cx="5399760" cy="3598940"/>
+          </a:xfrm>
+          <a:prstGeom prst="rect">
+            <a:avLst/>
+          </a:prstGeom>
+          <a:noFill/>
+          <a:extLst>
+            <a:ext uri="{909E8E84-426E-40DD-AFC4-6F175D3DCCD1}">
+              <a14:hiddenFill xmlns:a14="http://schemas.microsoft.com/office/drawing/2010/main">
+                <a:solidFill>
+                  <a:srgbClr val="FFFFFF"/>
+                </a:solidFill>
+              </a14:hiddenFill>
+            </a:ext>
+          </a:extLst>
+        </p:spPr>
+      </p:pic>
+      <p:cxnSp>
+        <p:nvCxnSpPr>
+          <p:cNvPr id="4" name="Connector: Elbow 3">
+            <a:extLst>
+              <a:ext uri="{FF2B5EF4-FFF2-40B4-BE49-F238E27FC236}">
+                <a16:creationId xmlns:a16="http://schemas.microsoft.com/office/drawing/2014/main" id="{29DCFA51-86C4-69AA-91D4-0FE1BC726585}"/>
+              </a:ext>
+            </a:extLst>
+          </p:cNvPr>
+          <p:cNvCxnSpPr>
+            <a:stCxn id="108" idx="1"/>
+            <a:endCxn id="110" idx="3"/>
+          </p:cNvCxnSpPr>
+          <p:nvPr/>
+        </p:nvCxnSpPr>
+        <p:spPr>
+          <a:xfrm rot="10800000">
+            <a:off x="22095180" y="19329400"/>
+            <a:ext cx="6166620" cy="0"/>
+          </a:xfrm>
+          <a:prstGeom prst="bentConnector3">
+            <a:avLst/>
+          </a:prstGeom>
+          <a:ln w="76200">
+            <a:tailEnd type="triangle"/>
+          </a:ln>
+        </p:spPr>
+        <p:style>
+          <a:lnRef idx="1">
+            <a:schemeClr val="accent1"/>
+          </a:lnRef>
+          <a:fillRef idx="0">
+            <a:schemeClr val="accent1"/>
+          </a:fillRef>
+          <a:effectRef idx="0">
+            <a:schemeClr val="accent1"/>
+          </a:effectRef>
+          <a:fontRef idx="minor">
+            <a:schemeClr val="tx1"/>
+          </a:fontRef>
+        </p:style>
+      </p:cxnSp>
+      <p:cxnSp>
+        <p:nvCxnSpPr>
+          <p:cNvPr id="8" name="Straight Arrow Connector 7">
+            <a:extLst>
+              <a:ext uri="{FF2B5EF4-FFF2-40B4-BE49-F238E27FC236}">
+                <a16:creationId xmlns:a16="http://schemas.microsoft.com/office/drawing/2014/main" id="{40F05BFF-E131-5E49-BE8D-06E2F25C612B}"/>
+              </a:ext>
+            </a:extLst>
+          </p:cNvPr>
+          <p:cNvCxnSpPr>
+            <a:stCxn id="1036" idx="2"/>
+          </p:cNvCxnSpPr>
+          <p:nvPr/>
+        </p:nvCxnSpPr>
+        <p:spPr>
+          <a:xfrm flipH="1">
+            <a:off x="25203150" y="16935300"/>
+            <a:ext cx="680580" cy="2381400"/>
+          </a:xfrm>
+          <a:prstGeom prst="straightConnector1">
+            <a:avLst/>
+          </a:prstGeom>
+          <a:ln w="76200">
+            <a:tailEnd type="triangle"/>
+          </a:ln>
+        </p:spPr>
+        <p:style>
+          <a:lnRef idx="1">
+            <a:schemeClr val="accent1"/>
+          </a:lnRef>
+          <a:fillRef idx="0">
+            <a:schemeClr val="accent1"/>
+          </a:fillRef>
+          <a:effectRef idx="0">
+            <a:schemeClr val="accent1"/>
+          </a:effectRef>
+          <a:fontRef idx="minor">
+            <a:schemeClr val="tx1"/>
+          </a:fontRef>
+        </p:style>
+      </p:cxnSp>
+      <p:sp>
+        <p:nvSpPr>
+          <p:cNvPr id="9" name="TextBox 8">
+            <a:extLst>
+              <a:ext uri="{FF2B5EF4-FFF2-40B4-BE49-F238E27FC236}">
+                <a16:creationId xmlns:a16="http://schemas.microsoft.com/office/drawing/2014/main" id="{9306F041-D4C0-CD5C-856F-9E4EFEC6BA8C}"/>
+              </a:ext>
+            </a:extLst>
+          </p:cNvPr>
+          <p:cNvSpPr txBox="1"/>
+          <p:nvPr/>
+        </p:nvSpPr>
+        <p:spPr>
+          <a:xfrm>
+            <a:off x="23203642" y="19540080"/>
+            <a:ext cx="4679595" cy="369332"/>
+          </a:xfrm>
+          <a:prstGeom prst="rect">
+            <a:avLst/>
+          </a:prstGeom>
+          <a:noFill/>
+        </p:spPr>
+        <p:txBody>
+          <a:bodyPr wrap="square" rtlCol="0">
+            <a:spAutoFit/>
+          </a:bodyPr>
+          <a:lstStyle/>
+          <a:p>
+            <a:r>
+              <a:rPr lang="en-US" dirty="0"/>
+              <a:t>Image is fed into model for prediction.</a:t>
+            </a:r>
+          </a:p>
+        </p:txBody>
+      </p:sp>
+      <p:pic>
+        <p:nvPicPr>
+          <p:cNvPr id="1040" name="Picture 16" descr="Insurance Information | Maryland Radiologist | Charter Radiology">
+            <a:extLst>
+              <a:ext uri="{FF2B5EF4-FFF2-40B4-BE49-F238E27FC236}">
+                <a16:creationId xmlns:a16="http://schemas.microsoft.com/office/drawing/2014/main" id="{B5545FB4-8E54-EEE4-BC86-43364B22C975}"/>
+              </a:ext>
+            </a:extLst>
+          </p:cNvPr>
+          <p:cNvPicPr>
+            <a:picLocks noChangeAspect="1" noChangeArrowheads="1"/>
+          </p:cNvPicPr>
+          <p:nvPr/>
+        </p:nvPicPr>
+        <p:blipFill>
+          <a:blip r:embed="rId9">
+            <a:extLst>
+              <a:ext uri="{28A0092B-C50C-407E-A947-70E740481C1C}">
+                <a14:useLocalDpi xmlns:a14="http://schemas.microsoft.com/office/drawing/2010/main" val="0"/>
+              </a:ext>
+            </a:extLst>
+          </a:blip>
+          <a:srcRect/>
+          <a:stretch>
+            <a:fillRect/>
+          </a:stretch>
+        </p:blipFill>
+        <p:spPr bwMode="auto">
+          <a:xfrm>
+            <a:off x="5075817" y="17830440"/>
+            <a:ext cx="3444425" cy="3429116"/>
+          </a:xfrm>
+          <a:prstGeom prst="rect">
+            <a:avLst/>
+          </a:prstGeom>
+          <a:noFill/>
+          <a:extLst>
+            <a:ext uri="{909E8E84-426E-40DD-AFC4-6F175D3DCCD1}">
+              <a14:hiddenFill xmlns:a14="http://schemas.microsoft.com/office/drawing/2010/main">
+                <a:solidFill>
+                  <a:srgbClr val="FFFFFF"/>
+                </a:solidFill>
+              </a14:hiddenFill>
+            </a:ext>
+          </a:extLst>
+        </p:spPr>
+      </p:pic>
+      <p:cxnSp>
+        <p:nvCxnSpPr>
+          <p:cNvPr id="13" name="Connector: Elbow 12">
+            <a:extLst>
+              <a:ext uri="{FF2B5EF4-FFF2-40B4-BE49-F238E27FC236}">
+                <a16:creationId xmlns:a16="http://schemas.microsoft.com/office/drawing/2014/main" id="{515D43B8-8E3A-142E-7113-CC05733542F8}"/>
+              </a:ext>
+            </a:extLst>
+          </p:cNvPr>
+          <p:cNvCxnSpPr>
+            <a:cxnSpLocks/>
+            <a:stCxn id="110" idx="1"/>
+            <a:endCxn id="2" idx="3"/>
+          </p:cNvCxnSpPr>
+          <p:nvPr/>
+        </p:nvCxnSpPr>
+        <p:spPr>
+          <a:xfrm rot="10800000">
+            <a:off x="9655530" y="19316700"/>
+            <a:ext cx="6724650" cy="12700"/>
+          </a:xfrm>
+          <a:prstGeom prst="bentConnector3">
+            <a:avLst/>
+          </a:prstGeom>
+          <a:ln w="76200">
+            <a:tailEnd type="triangle"/>
+          </a:ln>
+        </p:spPr>
+        <p:style>
+          <a:lnRef idx="1">
+            <a:schemeClr val="accent1"/>
+          </a:lnRef>
+          <a:fillRef idx="0">
+            <a:schemeClr val="accent1"/>
+          </a:fillRef>
+          <a:effectRef idx="0">
+            <a:schemeClr val="accent1"/>
+          </a:effectRef>
+          <a:fontRef idx="minor">
+            <a:schemeClr val="tx1"/>
+          </a:fontRef>
+        </p:style>
+      </p:cxnSp>
+      <p:sp>
+        <p:nvSpPr>
+          <p:cNvPr id="16" name="Rectangle: Rounded Corners 15">
+            <a:extLst>
+              <a:ext uri="{FF2B5EF4-FFF2-40B4-BE49-F238E27FC236}">
+                <a16:creationId xmlns:a16="http://schemas.microsoft.com/office/drawing/2014/main" id="{657A6681-9BB2-9ECC-8053-15313D69FF65}"/>
+              </a:ext>
+            </a:extLst>
+          </p:cNvPr>
+          <p:cNvSpPr/>
+          <p:nvPr/>
+        </p:nvSpPr>
+        <p:spPr>
+          <a:xfrm>
+            <a:off x="3940529" y="28232100"/>
+            <a:ext cx="5715000" cy="4343400"/>
+          </a:xfrm>
+          <a:prstGeom prst="roundRect">
+            <a:avLst>
+              <a:gd name="adj" fmla="val 16667"/>
+            </a:avLst>
+          </a:prstGeom>
+          <a:solidFill>
+            <a:schemeClr val="accent1"/>
+          </a:solidFill>
+          <a:ln w="0">
+            <a:solidFill>
+              <a:srgbClr val="1F4E79"/>
+            </a:solidFill>
+          </a:ln>
+        </p:spPr>
+        <p:style>
+          <a:lnRef idx="0">
+            <a:scrgbClr r="0" g="0" b="0"/>
+          </a:lnRef>
+          <a:fillRef idx="0">
+            <a:scrgbClr r="0" g="0" b="0"/>
+          </a:fillRef>
+          <a:effectRef idx="0">
+            <a:scrgbClr r="0" g="0" b="0"/>
+          </a:effectRef>
+          <a:fontRef idx="minor"/>
+        </p:style>
+        <p:txBody>
+          <a:bodyPr lIns="90000" tIns="45000" rIns="90000" bIns="45000" anchor="t">
+            <a:noAutofit/>
+          </a:bodyPr>
+          <a:lstStyle/>
+          <a:p>
+            <a:pPr algn="ctr"/>
+            <a:r>
+              <a:rPr lang="en-US" u="sng" spc="-1" dirty="0">
+                <a:solidFill>
+                  <a:srgbClr val="000000"/>
+                </a:solidFill>
+                <a:latin typeface="Arial"/>
+              </a:rPr>
+              <a:t>Labeled Data Inspected by Radiologist</a:t>
+            </a:r>
+            <a:endParaRPr lang="en-US" sz="1800" b="0" strike="noStrike" spc="-1" dirty="0">
+              <a:solidFill>
+                <a:srgbClr val="000000"/>
+              </a:solidFill>
+              <a:latin typeface="Arial"/>
+            </a:endParaRPr>
+          </a:p>
+        </p:txBody>
+      </p:sp>
+      <p:pic>
+        <p:nvPicPr>
+          <p:cNvPr id="17" name="Picture 16">
+            <a:extLst>
+              <a:ext uri="{FF2B5EF4-FFF2-40B4-BE49-F238E27FC236}">
+                <a16:creationId xmlns:a16="http://schemas.microsoft.com/office/drawing/2014/main" id="{07CBD0BD-B4B1-A64D-82EC-CB759DFE47EB}"/>
+              </a:ext>
+            </a:extLst>
+          </p:cNvPr>
+          <p:cNvPicPr/>
+          <p:nvPr/>
+        </p:nvPicPr>
+        <p:blipFill>
+          <a:blip r:embed="rId4"/>
+          <a:stretch/>
+        </p:blipFill>
+        <p:spPr>
+          <a:xfrm>
+            <a:off x="5150129" y="29076300"/>
+            <a:ext cx="3429000" cy="3270600"/>
+          </a:xfrm>
+          <a:prstGeom prst="rect">
+            <a:avLst/>
+          </a:prstGeom>
+          <a:ln w="0">
+            <a:noFill/>
+          </a:ln>
+        </p:spPr>
+      </p:pic>
+      <p:pic>
+        <p:nvPicPr>
+          <p:cNvPr id="18" name="Picture 17">
+            <a:extLst>
+              <a:ext uri="{FF2B5EF4-FFF2-40B4-BE49-F238E27FC236}">
+                <a16:creationId xmlns:a16="http://schemas.microsoft.com/office/drawing/2014/main" id="{F119B024-3EF8-A6D5-44DE-B50AE3139CE2}"/>
+              </a:ext>
+            </a:extLst>
+          </p:cNvPr>
           <p:cNvPicPr/>
           <p:nvPr/>
         </p:nvPicPr>
@@ -7879,8 +9577,8 @@
         </p:blipFill>
         <p:spPr>
           <a:xfrm>
-            <a:off x="29900880" y="18288000"/>
-            <a:ext cx="2475720" cy="2504160"/>
+            <a:off x="14676178" y="28060830"/>
+            <a:ext cx="15091921" cy="4685940"/>
           </a:xfrm>
           <a:prstGeom prst="rect">
             <a:avLst/>
@@ -7890,72 +9588,137 @@
           </a:ln>
         </p:spPr>
       </p:pic>
-      <p:sp>
-        <p:nvSpPr>
-          <p:cNvPr id="110" name=""/>
-          <p:cNvSpPr/>
+      <p:cxnSp>
+        <p:nvCxnSpPr>
+          <p:cNvPr id="20" name="Straight Arrow Connector 19">
+            <a:extLst>
+              <a:ext uri="{FF2B5EF4-FFF2-40B4-BE49-F238E27FC236}">
+                <a16:creationId xmlns:a16="http://schemas.microsoft.com/office/drawing/2014/main" id="{024591AF-0895-C9D7-77C4-5AE513D2C2D7}"/>
+              </a:ext>
+            </a:extLst>
+          </p:cNvPr>
+          <p:cNvCxnSpPr>
+            <a:stCxn id="16" idx="3"/>
+            <a:endCxn id="18" idx="1"/>
+          </p:cNvCxnSpPr>
           <p:nvPr/>
-        </p:nvSpPr>
-        <p:spPr>
-          <a:xfrm>
-            <a:off x="16230600" y="17145000"/>
-            <a:ext cx="5715000" cy="4343400"/>
-          </a:xfrm>
-          <a:prstGeom prst="roundRect">
-            <a:avLst>
-              <a:gd name="adj" fmla="val 16667"/>
-            </a:avLst>
-          </a:prstGeom>
-          <a:solidFill>
+        </p:nvCxnSpPr>
+        <p:spPr>
+          <a:xfrm>
+            <a:off x="9655529" y="30403800"/>
+            <a:ext cx="5020649" cy="0"/>
+          </a:xfrm>
+          <a:prstGeom prst="straightConnector1">
+            <a:avLst/>
+          </a:prstGeom>
+          <a:ln w="76200">
+            <a:tailEnd type="triangle"/>
+          </a:ln>
+        </p:spPr>
+        <p:style>
+          <a:lnRef idx="1">
             <a:schemeClr val="accent1"/>
-          </a:solidFill>
-          <a:ln w="0">
-            <a:solidFill>
-              <a:srgbClr val="1f4e79"/>
-            </a:solidFill>
+          </a:lnRef>
+          <a:fillRef idx="0">
+            <a:schemeClr val="accent1"/>
+          </a:fillRef>
+          <a:effectRef idx="0">
+            <a:schemeClr val="accent1"/>
+          </a:effectRef>
+          <a:fontRef idx="minor">
+            <a:schemeClr val="tx1"/>
+          </a:fontRef>
+        </p:style>
+      </p:cxnSp>
+      <p:cxnSp>
+        <p:nvCxnSpPr>
+          <p:cNvPr id="22" name="Straight Arrow Connector 21">
+            <a:extLst>
+              <a:ext uri="{FF2B5EF4-FFF2-40B4-BE49-F238E27FC236}">
+                <a16:creationId xmlns:a16="http://schemas.microsoft.com/office/drawing/2014/main" id="{6AD57B80-02E0-D6EC-D2EF-55610B417C15}"/>
+              </a:ext>
+            </a:extLst>
+          </p:cNvPr>
+          <p:cNvCxnSpPr>
+            <a:stCxn id="2" idx="2"/>
+            <a:endCxn id="16" idx="0"/>
+          </p:cNvCxnSpPr>
+          <p:nvPr/>
+        </p:nvCxnSpPr>
+        <p:spPr>
+          <a:xfrm flipH="1">
+            <a:off x="6798029" y="21488400"/>
+            <a:ext cx="1" cy="6743700"/>
+          </a:xfrm>
+          <a:prstGeom prst="straightConnector1">
+            <a:avLst/>
+          </a:prstGeom>
+          <a:ln w="76200">
+            <a:tailEnd type="triangle"/>
           </a:ln>
         </p:spPr>
         <p:style>
-          <a:lnRef idx="0"/>
-          <a:fillRef idx="0"/>
-          <a:effectRef idx="0"/>
-          <a:fontRef idx="minor"/>
+          <a:lnRef idx="1">
+            <a:schemeClr val="accent1"/>
+          </a:lnRef>
+          <a:fillRef idx="0">
+            <a:schemeClr val="accent1"/>
+          </a:fillRef>
+          <a:effectRef idx="0">
+            <a:schemeClr val="accent1"/>
+          </a:effectRef>
+          <a:fontRef idx="minor">
+            <a:schemeClr val="tx1"/>
+          </a:fontRef>
         </p:style>
-        <p:txBody>
-          <a:bodyPr lIns="90000" rIns="90000" tIns="45000" bIns="45000" anchor="t">
-            <a:noAutofit/>
-          </a:bodyPr>
-          <a:p>
-            <a:pPr algn="ctr"/>
-            <a:r>
-              <a:rPr b="0" lang="en-US" sz="1800" spc="-1" strike="noStrike" u="sng">
-                <a:solidFill>
-                  <a:srgbClr val="000000"/>
-                </a:solidFill>
-                <a:uFillTx/>
-                <a:latin typeface="Arial"/>
-              </a:rPr>
-              <a:t>Results</a:t>
-            </a:r>
-            <a:endParaRPr b="0" lang="en-US" sz="1800" spc="-1" strike="noStrike">
-              <a:solidFill>
-                <a:srgbClr val="000000"/>
-              </a:solidFill>
-              <a:latin typeface="Arial"/>
-            </a:endParaRPr>
-          </a:p>
-        </p:txBody>
-      </p:sp>
+      </p:cxnSp>
+      <p:cxnSp>
+        <p:nvCxnSpPr>
+          <p:cNvPr id="24" name="Connector: Elbow 23">
+            <a:extLst>
+              <a:ext uri="{FF2B5EF4-FFF2-40B4-BE49-F238E27FC236}">
+                <a16:creationId xmlns:a16="http://schemas.microsoft.com/office/drawing/2014/main" id="{A650EEF7-D470-A490-5B3E-6A16D98C1B66}"/>
+              </a:ext>
+            </a:extLst>
+          </p:cNvPr>
+          <p:cNvCxnSpPr>
+            <a:stCxn id="18" idx="3"/>
+            <a:endCxn id="108" idx="2"/>
+          </p:cNvCxnSpPr>
+          <p:nvPr/>
+        </p:nvCxnSpPr>
+        <p:spPr>
+          <a:xfrm flipV="1">
+            <a:off x="29768099" y="21488400"/>
+            <a:ext cx="1351201" cy="8915400"/>
+          </a:xfrm>
+          <a:prstGeom prst="bentConnector2">
+            <a:avLst/>
+          </a:prstGeom>
+          <a:ln w="76200">
+            <a:tailEnd type="triangle"/>
+          </a:ln>
+        </p:spPr>
+        <p:style>
+          <a:lnRef idx="1">
+            <a:schemeClr val="accent1"/>
+          </a:lnRef>
+          <a:fillRef idx="0">
+            <a:schemeClr val="accent1"/>
+          </a:fillRef>
+          <a:effectRef idx="0">
+            <a:schemeClr val="accent1"/>
+          </a:effectRef>
+          <a:fontRef idx="minor">
+            <a:schemeClr val="tx1"/>
+          </a:fontRef>
+        </p:style>
+      </p:cxnSp>
     </p:spTree>
   </p:cSld>
-  <mc:AlternateContent>
-    <mc:Choice Requires="p14">
-      <p:transition spd="slow" p14:dur="2000"/>
-    </mc:Choice>
-    <mc:Fallback>
-      <p:transition spd="slow"/>
-    </mc:Fallback>
-  </mc:AlternateContent>
+  <p:clrMapOvr>
+    <a:masterClrMapping/>
+  </p:clrMapOvr>
 </p:sld>
 </file>
 
@@ -7967,37 +9730,37 @@
         <a:srgbClr val="000000"/>
       </a:dk1>
       <a:lt1>
-        <a:srgbClr val="ffffff"/>
+        <a:srgbClr val="FFFFFF"/>
       </a:lt1>
       <a:dk2>
-        <a:srgbClr val="44546a"/>
+        <a:srgbClr val="44546A"/>
       </a:dk2>
       <a:lt2>
-        <a:srgbClr val="e7e6e6"/>
+        <a:srgbClr val="E7E6E6"/>
       </a:lt2>
       <a:accent1>
-        <a:srgbClr val="5b9bd5"/>
+        <a:srgbClr val="5B9BD5"/>
       </a:accent1>
       <a:accent2>
-        <a:srgbClr val="ed7d31"/>
+        <a:srgbClr val="ED7D31"/>
       </a:accent2>
       <a:accent3>
-        <a:srgbClr val="a5a5a5"/>
+        <a:srgbClr val="A5A5A5"/>
       </a:accent3>
       <a:accent4>
-        <a:srgbClr val="ffc000"/>
+        <a:srgbClr val="FFC000"/>
       </a:accent4>
       <a:accent5>
-        <a:srgbClr val="4472c4"/>
+        <a:srgbClr val="4472C4"/>
       </a:accent5>
       <a:accent6>
-        <a:srgbClr val="70ad47"/>
+        <a:srgbClr val="70AD47"/>
       </a:accent6>
       <a:hlink>
-        <a:srgbClr val="0563c1"/>
+        <a:srgbClr val="0563C1"/>
       </a:hlink>
       <a:folHlink>
-        <a:srgbClr val="954f72"/>
+        <a:srgbClr val="954F72"/>
       </a:folHlink>
     </a:clrScheme>
     <a:fontScheme name="Office">
@@ -8182,6 +9945,8 @@
       </a:bgFillStyleLst>
     </a:fmtScheme>
   </a:themeElements>
+  <a:objectDefaults/>
+  <a:extraClrSchemeLst/>
 </a:theme>
 </file>
 
@@ -8193,37 +9958,37 @@
         <a:srgbClr val="000000"/>
       </a:dk1>
       <a:lt1>
-        <a:srgbClr val="ffffff"/>
+        <a:srgbClr val="FFFFFF"/>
       </a:lt1>
       <a:dk2>
-        <a:srgbClr val="44546a"/>
+        <a:srgbClr val="44546A"/>
       </a:dk2>
       <a:lt2>
-        <a:srgbClr val="e7e6e6"/>
+        <a:srgbClr val="E7E6E6"/>
       </a:lt2>
       <a:accent1>
-        <a:srgbClr val="5b9bd5"/>
+        <a:srgbClr val="5B9BD5"/>
       </a:accent1>
       <a:accent2>
-        <a:srgbClr val="ed7d31"/>
+        <a:srgbClr val="ED7D31"/>
       </a:accent2>
       <a:accent3>
-        <a:srgbClr val="a5a5a5"/>
+        <a:srgbClr val="A5A5A5"/>
       </a:accent3>
       <a:accent4>
-        <a:srgbClr val="ffc000"/>
+        <a:srgbClr val="FFC000"/>
       </a:accent4>
       <a:accent5>
-        <a:srgbClr val="4472c4"/>
+        <a:srgbClr val="4472C4"/>
       </a:accent5>
       <a:accent6>
-        <a:srgbClr val="70ad47"/>
+        <a:srgbClr val="70AD47"/>
       </a:accent6>
       <a:hlink>
-        <a:srgbClr val="0563c1"/>
+        <a:srgbClr val="0563C1"/>
       </a:hlink>
       <a:folHlink>
-        <a:srgbClr val="954f72"/>
+        <a:srgbClr val="954F72"/>
       </a:folHlink>
     </a:clrScheme>
     <a:fontScheme name="Office">
@@ -8408,295 +10173,7 @@
       </a:bgFillStyleLst>
     </a:fmtScheme>
   </a:themeElements>
+  <a:objectDefaults/>
+  <a:extraClrSchemeLst/>
 </a:theme>
-</file>
-
-<file path=customXml/item1.xml><?xml version="1.0" encoding="utf-8"?>
-<p:properties xmlns:p="http://schemas.microsoft.com/office/2006/metadata/properties" xmlns:xsi="http://www.w3.org/2001/XMLSchema-instance" xmlns:pc="http://schemas.microsoft.com/office/infopath/2007/PartnerControls">
-  <documentManagement>
-    <_ip_UnifiedCompliancePolicyUIAction xmlns="http://schemas.microsoft.com/sharepoint/v3" xsi:nil="true"/>
-    <_ip_UnifiedCompliancePolicyProperties xmlns="http://schemas.microsoft.com/sharepoint/v3" xsi:nil="true"/>
-  </documentManagement>
-</p:properties>
-</file>
-
-<file path=customXml/item2.xml><?xml version="1.0" encoding="utf-8"?>
-<?mso-contentType ?>
-<FormTemplates xmlns="http://schemas.microsoft.com/sharepoint/v3/contenttype/forms">
-  <Display>DocumentLibraryForm</Display>
-  <Edit>DocumentLibraryForm</Edit>
-  <New>DocumentLibraryForm</New>
-</FormTemplates>
-</file>
-
-<file path=customXml/item3.xml><?xml version="1.0" encoding="utf-8"?>
-<ct:contentTypeSchema xmlns:ct="http://schemas.microsoft.com/office/2006/metadata/contentType" xmlns:ma="http://schemas.microsoft.com/office/2006/metadata/properties/metaAttributes" ct:_="" ma:_="" ma:contentTypeName="Document" ma:contentTypeID="0x01010022A2D19B44CEB84096BF732DE0C55A0F" ma:contentTypeVersion="2373" ma:contentTypeDescription="Create a new document." ma:contentTypeScope="" ma:versionID="893763ede173a64d1d274252a41ae1b2">
-  <xsd:schema xmlns:xsd="http://www.w3.org/2001/XMLSchema" xmlns:xs="http://www.w3.org/2001/XMLSchema" xmlns:p="http://schemas.microsoft.com/office/2006/metadata/properties" xmlns:ns1="http://schemas.microsoft.com/sharepoint/v3" xmlns:ns2="b3b59848-949a-4ed4-8036-feb011ce2b52" xmlns:ns3="37d47695-dda2-48a2-87bc-2a1f7ac7fedc" targetNamespace="http://schemas.microsoft.com/office/2006/metadata/properties" ma:root="true" ma:fieldsID="e9673881d9736d6cb1ca37eed258e20f" ns1:_="" ns2:_="" ns3:_="">
-    <xsd:import namespace="http://schemas.microsoft.com/sharepoint/v3"/>
-    <xsd:import namespace="b3b59848-949a-4ed4-8036-feb011ce2b52"/>
-    <xsd:import namespace="37d47695-dda2-48a2-87bc-2a1f7ac7fedc"/>
-    <xsd:element name="properties">
-      <xsd:complexType>
-        <xsd:sequence>
-          <xsd:element name="documentManagement">
-            <xsd:complexType>
-              <xsd:all>
-                <xsd:element ref="ns2:MediaServiceMetadata" minOccurs="0"/>
-                <xsd:element ref="ns2:MediaServiceFastMetadata" minOccurs="0"/>
-                <xsd:element ref="ns1:_ip_UnifiedCompliancePolicyProperties" minOccurs="0"/>
-                <xsd:element ref="ns1:_ip_UnifiedCompliancePolicyUIAction" minOccurs="0"/>
-                <xsd:element ref="ns2:MediaServiceAutoTags" minOccurs="0"/>
-                <xsd:element ref="ns2:MediaServiceOCR" minOccurs="0"/>
-                <xsd:element ref="ns2:MediaServiceGenerationTime" minOccurs="0"/>
-                <xsd:element ref="ns2:MediaServiceEventHashCode" minOccurs="0"/>
-                <xsd:element ref="ns2:MediaServiceAutoKeyPoints" minOccurs="0"/>
-                <xsd:element ref="ns2:MediaServiceKeyPoints" minOccurs="0"/>
-                <xsd:element ref="ns2:MediaServiceDateTaken" minOccurs="0"/>
-                <xsd:element ref="ns2:MediaServiceLocation" minOccurs="0"/>
-                <xsd:element ref="ns3:SharedWithUsers" minOccurs="0"/>
-                <xsd:element ref="ns3:SharedWithDetails" minOccurs="0"/>
-              </xsd:all>
-            </xsd:complexType>
-          </xsd:element>
-        </xsd:sequence>
-      </xsd:complexType>
-    </xsd:element>
-  </xsd:schema>
-  <xsd:schema xmlns:xsd="http://www.w3.org/2001/XMLSchema" xmlns:xs="http://www.w3.org/2001/XMLSchema" xmlns:dms="http://schemas.microsoft.com/office/2006/documentManagement/types" xmlns:pc="http://schemas.microsoft.com/office/infopath/2007/PartnerControls" targetNamespace="http://schemas.microsoft.com/sharepoint/v3" elementFormDefault="qualified">
-    <xsd:import namespace="http://schemas.microsoft.com/office/2006/documentManagement/types"/>
-    <xsd:import namespace="http://schemas.microsoft.com/office/infopath/2007/PartnerControls"/>
-    <xsd:element name="_ip_UnifiedCompliancePolicyProperties" ma:index="10" nillable="true" ma:displayName="Unified Compliance Policy Properties" ma:hidden="true" ma:internalName="_ip_UnifiedCompliancePolicyProperties">
-      <xsd:simpleType>
-        <xsd:restriction base="dms:Note"/>
-      </xsd:simpleType>
-    </xsd:element>
-    <xsd:element name="_ip_UnifiedCompliancePolicyUIAction" ma:index="11" nillable="true" ma:displayName="Unified Compliance Policy UI Action" ma:hidden="true" ma:internalName="_ip_UnifiedCompliancePolicyUIAction">
-      <xsd:simpleType>
-        <xsd:restriction base="dms:Text"/>
-      </xsd:simpleType>
-    </xsd:element>
-  </xsd:schema>
-  <xsd:schema xmlns:xsd="http://www.w3.org/2001/XMLSchema" xmlns:xs="http://www.w3.org/2001/XMLSchema" xmlns:dms="http://schemas.microsoft.com/office/2006/documentManagement/types" xmlns:pc="http://schemas.microsoft.com/office/infopath/2007/PartnerControls" targetNamespace="b3b59848-949a-4ed4-8036-feb011ce2b52" elementFormDefault="qualified">
-    <xsd:import namespace="http://schemas.microsoft.com/office/2006/documentManagement/types"/>
-    <xsd:import namespace="http://schemas.microsoft.com/office/infopath/2007/PartnerControls"/>
-    <xsd:element name="MediaServiceMetadata" ma:index="8" nillable="true" ma:displayName="MediaServiceMetadata" ma:hidden="true" ma:internalName="MediaServiceMetadata" ma:readOnly="true">
-      <xsd:simpleType>
-        <xsd:restriction base="dms:Note"/>
-      </xsd:simpleType>
-    </xsd:element>
-    <xsd:element name="MediaServiceFastMetadata" ma:index="9" nillable="true" ma:displayName="MediaServiceFastMetadata" ma:hidden="true" ma:internalName="MediaServiceFastMetadata" ma:readOnly="true">
-      <xsd:simpleType>
-        <xsd:restriction base="dms:Note"/>
-      </xsd:simpleType>
-    </xsd:element>
-    <xsd:element name="MediaServiceAutoTags" ma:index="12" nillable="true" ma:displayName="Tags" ma:internalName="MediaServiceAutoTags" ma:readOnly="true">
-      <xsd:simpleType>
-        <xsd:restriction base="dms:Text"/>
-      </xsd:simpleType>
-    </xsd:element>
-    <xsd:element name="MediaServiceOCR" ma:index="13" nillable="true" ma:displayName="Extracted Text" ma:internalName="MediaServiceOCR" ma:readOnly="true">
-      <xsd:simpleType>
-        <xsd:restriction base="dms:Note">
-          <xsd:maxLength value="255"/>
-        </xsd:restriction>
-      </xsd:simpleType>
-    </xsd:element>
-    <xsd:element name="MediaServiceGenerationTime" ma:index="14" nillable="true" ma:displayName="MediaServiceGenerationTime" ma:hidden="true" ma:internalName="MediaServiceGenerationTime" ma:readOnly="true">
-      <xsd:simpleType>
-        <xsd:restriction base="dms:Text"/>
-      </xsd:simpleType>
-    </xsd:element>
-    <xsd:element name="MediaServiceEventHashCode" ma:index="15" nillable="true" ma:displayName="MediaServiceEventHashCode" ma:hidden="true" ma:internalName="MediaServiceEventHashCode" ma:readOnly="true">
-      <xsd:simpleType>
-        <xsd:restriction base="dms:Text"/>
-      </xsd:simpleType>
-    </xsd:element>
-    <xsd:element name="MediaServiceAutoKeyPoints" ma:index="16" nillable="true" ma:displayName="MediaServiceAutoKeyPoints" ma:hidden="true" ma:internalName="MediaServiceAutoKeyPoints" ma:readOnly="true">
-      <xsd:simpleType>
-        <xsd:restriction base="dms:Note"/>
-      </xsd:simpleType>
-    </xsd:element>
-    <xsd:element name="MediaServiceKeyPoints" ma:index="17" nillable="true" ma:displayName="KeyPoints" ma:internalName="MediaServiceKeyPoints" ma:readOnly="true">
-      <xsd:simpleType>
-        <xsd:restriction base="dms:Note">
-          <xsd:maxLength value="255"/>
-        </xsd:restriction>
-      </xsd:simpleType>
-    </xsd:element>
-    <xsd:element name="MediaServiceDateTaken" ma:index="18" nillable="true" ma:displayName="MediaServiceDateTaken" ma:hidden="true" ma:internalName="MediaServiceDateTaken" ma:readOnly="true">
-      <xsd:simpleType>
-        <xsd:restriction base="dms:Text"/>
-      </xsd:simpleType>
-    </xsd:element>
-    <xsd:element name="MediaServiceLocation" ma:index="19" nillable="true" ma:displayName="Location" ma:internalName="MediaServiceLocation" ma:readOnly="true">
-      <xsd:simpleType>
-        <xsd:restriction base="dms:Text"/>
-      </xsd:simpleType>
-    </xsd:element>
-  </xsd:schema>
-  <xsd:schema xmlns:xsd="http://www.w3.org/2001/XMLSchema" xmlns:xs="http://www.w3.org/2001/XMLSchema" xmlns:dms="http://schemas.microsoft.com/office/2006/documentManagement/types" xmlns:pc="http://schemas.microsoft.com/office/infopath/2007/PartnerControls" targetNamespace="37d47695-dda2-48a2-87bc-2a1f7ac7fedc" elementFormDefault="qualified">
-    <xsd:import namespace="http://schemas.microsoft.com/office/2006/documentManagement/types"/>
-    <xsd:import namespace="http://schemas.microsoft.com/office/infopath/2007/PartnerControls"/>
-    <xsd:element name="SharedWithUsers" ma:index="20" nillable="true" ma:displayName="Shared With" ma:internalName="SharedWithUsers" ma:readOnly="true">
-      <xsd:complexType>
-        <xsd:complexContent>
-          <xsd:extension base="dms:UserMulti">
-            <xsd:sequence>
-              <xsd:element name="UserInfo" minOccurs="0" maxOccurs="unbounded">
-                <xsd:complexType>
-                  <xsd:sequence>
-                    <xsd:element name="DisplayName" type="xsd:string" minOccurs="0"/>
-                    <xsd:element name="AccountId" type="dms:UserId" minOccurs="0" nillable="true"/>
-                    <xsd:element name="AccountType" type="xsd:string" minOccurs="0"/>
-                  </xsd:sequence>
-                </xsd:complexType>
-              </xsd:element>
-            </xsd:sequence>
-          </xsd:extension>
-        </xsd:complexContent>
-      </xsd:complexType>
-    </xsd:element>
-    <xsd:element name="SharedWithDetails" ma:index="21" nillable="true" ma:displayName="Shared With Details" ma:internalName="SharedWithDetails" ma:readOnly="true">
-      <xsd:simpleType>
-        <xsd:restriction base="dms:Note">
-          <xsd:maxLength value="255"/>
-        </xsd:restriction>
-      </xsd:simpleType>
-    </xsd:element>
-  </xsd:schema>
-  <xsd:schema xmlns="http://schemas.openxmlformats.org/package/2006/metadata/core-properties" xmlns:xsd="http://www.w3.org/2001/XMLSchema" xmlns:xsi="http://www.w3.org/2001/XMLSchema-instance" xmlns:dc="http://purl.org/dc/elements/1.1/" xmlns:dcterms="http://purl.org/dc/terms/" xmlns:odoc="http://schemas.microsoft.com/internal/obd" targetNamespace="http://schemas.openxmlformats.org/package/2006/metadata/core-properties" elementFormDefault="qualified" attributeFormDefault="unqualified" blockDefault="#all">
-    <xsd:import namespace="http://purl.org/dc/elements/1.1/" schemaLocation="http://dublincore.org/schemas/xmls/qdc/2003/04/02/dc.xsd"/>
-    <xsd:import namespace="http://purl.org/dc/terms/" schemaLocation="http://dublincore.org/schemas/xmls/qdc/2003/04/02/dcterms.xsd"/>
-    <xsd:element name="coreProperties" type="CT_coreProperties"/>
-    <xsd:complexType name="CT_coreProperties">
-      <xsd:all>
-        <xsd:element ref="dc:creator" minOccurs="0" maxOccurs="1"/>
-        <xsd:element ref="dcterms:created" minOccurs="0" maxOccurs="1"/>
-        <xsd:element ref="dc:identifier" minOccurs="0" maxOccurs="1"/>
-        <xsd:element name="contentType" minOccurs="0" maxOccurs="1" type="xsd:string" ma:index="0" ma:displayName="Content Type"/>
-        <xsd:element ref="dc:title" minOccurs="0" maxOccurs="1" ma:index="4" ma:displayName="Title"/>
-        <xsd:element ref="dc:subject" minOccurs="0" maxOccurs="1"/>
-        <xsd:element ref="dc:description" minOccurs="0" maxOccurs="1"/>
-        <xsd:element name="keywords" minOccurs="0" maxOccurs="1" type="xsd:string"/>
-        <xsd:element ref="dc:language" minOccurs="0" maxOccurs="1"/>
-        <xsd:element name="category" minOccurs="0" maxOccurs="1" type="xsd:string"/>
-        <xsd:element name="version" minOccurs="0" maxOccurs="1" type="xsd:string"/>
-        <xsd:element name="revision" minOccurs="0" maxOccurs="1" type="xsd:string">
-          <xsd:annotation>
-            <xsd:documentation>
-                        This value indicates the number of saves or revisions. The application is responsible for updating this value after each revision.
-                    </xsd:documentation>
-          </xsd:annotation>
-        </xsd:element>
-        <xsd:element name="lastModifiedBy" minOccurs="0" maxOccurs="1" type="xsd:string"/>
-        <xsd:element ref="dcterms:modified" minOccurs="0" maxOccurs="1"/>
-        <xsd:element name="contentStatus" minOccurs="0" maxOccurs="1" type="xsd:string"/>
-      </xsd:all>
-    </xsd:complexType>
-  </xsd:schema>
-  <xs:schema xmlns:pc="http://schemas.microsoft.com/office/infopath/2007/PartnerControls" xmlns:xs="http://www.w3.org/2001/XMLSchema" targetNamespace="http://schemas.microsoft.com/office/infopath/2007/PartnerControls" elementFormDefault="qualified" attributeFormDefault="unqualified">
-    <xs:element name="Person">
-      <xs:complexType>
-        <xs:sequence>
-          <xs:element ref="pc:DisplayName" minOccurs="0"/>
-          <xs:element ref="pc:AccountId" minOccurs="0"/>
-          <xs:element ref="pc:AccountType" minOccurs="0"/>
-        </xs:sequence>
-      </xs:complexType>
-    </xs:element>
-    <xs:element name="DisplayName" type="xs:string"/>
-    <xs:element name="AccountId" type="xs:string"/>
-    <xs:element name="AccountType" type="xs:string"/>
-    <xs:element name="BDCAssociatedEntity">
-      <xs:complexType>
-        <xs:sequence>
-          <xs:element ref="pc:BDCEntity" minOccurs="0" maxOccurs="unbounded"/>
-        </xs:sequence>
-        <xs:attribute ref="pc:EntityNamespace"/>
-        <xs:attribute ref="pc:EntityName"/>
-        <xs:attribute ref="pc:SystemInstanceName"/>
-        <xs:attribute ref="pc:AssociationName"/>
-      </xs:complexType>
-    </xs:element>
-    <xs:attribute name="EntityNamespace" type="xs:string"/>
-    <xs:attribute name="EntityName" type="xs:string"/>
-    <xs:attribute name="SystemInstanceName" type="xs:string"/>
-    <xs:attribute name="AssociationName" type="xs:string"/>
-    <xs:element name="BDCEntity">
-      <xs:complexType>
-        <xs:sequence>
-          <xs:element ref="pc:EntityDisplayName" minOccurs="0"/>
-          <xs:element ref="pc:EntityInstanceReference" minOccurs="0"/>
-          <xs:element ref="pc:EntityId1" minOccurs="0"/>
-          <xs:element ref="pc:EntityId2" minOccurs="0"/>
-          <xs:element ref="pc:EntityId3" minOccurs="0"/>
-          <xs:element ref="pc:EntityId4" minOccurs="0"/>
-          <xs:element ref="pc:EntityId5" minOccurs="0"/>
-        </xs:sequence>
-      </xs:complexType>
-    </xs:element>
-    <xs:element name="EntityDisplayName" type="xs:string"/>
-    <xs:element name="EntityInstanceReference" type="xs:string"/>
-    <xs:element name="EntityId1" type="xs:string"/>
-    <xs:element name="EntityId2" type="xs:string"/>
-    <xs:element name="EntityId3" type="xs:string"/>
-    <xs:element name="EntityId4" type="xs:string"/>
-    <xs:element name="EntityId5" type="xs:string"/>
-    <xs:element name="Terms">
-      <xs:complexType>
-        <xs:sequence>
-          <xs:element ref="pc:TermInfo" minOccurs="0" maxOccurs="unbounded"/>
-        </xs:sequence>
-      </xs:complexType>
-    </xs:element>
-    <xs:element name="TermInfo">
-      <xs:complexType>
-        <xs:sequence>
-          <xs:element ref="pc:TermName" minOccurs="0"/>
-          <xs:element ref="pc:TermId" minOccurs="0"/>
-        </xs:sequence>
-      </xs:complexType>
-    </xs:element>
-    <xs:element name="TermName" type="xs:string"/>
-    <xs:element name="TermId" type="xs:string"/>
-  </xs:schema>
-</ct:contentTypeSchema>
-</file>
-
-<file path=customXml/itemProps1.xml><?xml version="1.0" encoding="utf-8"?>
-<ds:datastoreItem xmlns:ds="http://schemas.openxmlformats.org/officeDocument/2006/customXml" ds:itemID="{BA7FCE02-D0E2-4F65-BAB7-71F99F529C42}">
-  <ds:schemaRefs>
-    <ds:schemaRef ds:uri="http://schemas.microsoft.com/office/2006/metadata/properties"/>
-    <ds:schemaRef ds:uri="http://schemas.microsoft.com/office/infopath/2007/PartnerControls"/>
-    <ds:schemaRef ds:uri="http://schemas.microsoft.com/sharepoint/v3"/>
-  </ds:schemaRefs>
-</ds:datastoreItem>
-</file>
-
-<file path=customXml/itemProps2.xml><?xml version="1.0" encoding="utf-8"?>
-<ds:datastoreItem xmlns:ds="http://schemas.openxmlformats.org/officeDocument/2006/customXml" ds:itemID="{8075D57A-1DE3-4E26-8DF8-E86CB675CBE9}">
-  <ds:schemaRefs>
-    <ds:schemaRef ds:uri="http://schemas.microsoft.com/sharepoint/v3/contenttype/forms"/>
-  </ds:schemaRefs>
-</ds:datastoreItem>
-</file>
-
-<file path=customXml/itemProps3.xml><?xml version="1.0" encoding="utf-8"?>
-<ds:datastoreItem xmlns:ds="http://schemas.openxmlformats.org/officeDocument/2006/customXml" ds:itemID="{1A81ED50-25E7-4D26-9394-70F1F5424B31}">
-  <ds:schemaRefs>
-    <ds:schemaRef ds:uri="http://schemas.microsoft.com/office/2006/metadata/contentType"/>
-    <ds:schemaRef ds:uri="http://schemas.microsoft.com/office/2006/metadata/properties/metaAttributes"/>
-    <ds:schemaRef ds:uri="http://www.w3.org/2001/XMLSchema"/>
-    <ds:schemaRef ds:uri="http://schemas.microsoft.com/office/2006/metadata/properties"/>
-    <ds:schemaRef ds:uri="http://schemas.microsoft.com/sharepoint/v3"/>
-    <ds:schemaRef ds:uri="b3b59848-949a-4ed4-8036-feb011ce2b52"/>
-    <ds:schemaRef ds:uri="37d47695-dda2-48a2-87bc-2a1f7ac7fedc"/>
-    <ds:schemaRef ds:uri="http://schemas.microsoft.com/office/2006/documentManagement/types"/>
-    <ds:schemaRef ds:uri="http://schemas.microsoft.com/office/infopath/2007/PartnerControls"/>
-    <ds:schemaRef ds:uri="http://schemas.openxmlformats.org/package/2006/metadata/core-properties"/>
-    <ds:schemaRef ds:uri="http://purl.org/dc/elements/1.1/"/>
-    <ds:schemaRef ds:uri="http://purl.org/dc/terms/"/>
-    <ds:schemaRef ds:uri="http://schemas.microsoft.com/internal/obd"/>
-  </ds:schemaRefs>
-</ds:datastoreItem>
 </file>